--- a/src/main/presentation_projet_bdr.pptx
+++ b/src/main/presentation_projet_bdr.pptx
@@ -2,17 +2,19 @@
 <file path=ppt/presentation.xml><?xml version="1.0" encoding="utf-8"?>
 <p:presentation xmlns:a="http://schemas.openxmlformats.org/drawingml/2006/main" xmlns:r="http://schemas.openxmlformats.org/officeDocument/2006/relationships" xmlns:p="http://schemas.openxmlformats.org/presentationml/2006/main" saveSubsetFonts="1">
   <p:sldMasterIdLst>
-    <p:sldMasterId id="2147483689" r:id="rId1"/>
+    <p:sldMasterId id="2147483707" r:id="rId1"/>
   </p:sldMasterIdLst>
   <p:sldIdLst>
     <p:sldId id="256" r:id="rId2"/>
-    <p:sldId id="257" r:id="rId3"/>
-    <p:sldId id="258" r:id="rId4"/>
-    <p:sldId id="259" r:id="rId5"/>
-    <p:sldId id="260" r:id="rId6"/>
-    <p:sldId id="261" r:id="rId7"/>
-    <p:sldId id="262" r:id="rId8"/>
-    <p:sldId id="263" r:id="rId9"/>
+    <p:sldId id="258" r:id="rId3"/>
+    <p:sldId id="259" r:id="rId4"/>
+    <p:sldId id="260" r:id="rId5"/>
+    <p:sldId id="264" r:id="rId6"/>
+    <p:sldId id="265" r:id="rId7"/>
+    <p:sldId id="266" r:id="rId8"/>
+    <p:sldId id="267" r:id="rId9"/>
+    <p:sldId id="268" r:id="rId10"/>
+    <p:sldId id="269" r:id="rId11"/>
   </p:sldIdLst>
   <p:sldSz cx="12192000" cy="6858000"/>
   <p:notesSz cx="6858000" cy="9144000"/>
@@ -111,11 +113,16 @@
       </a:defRPr>
     </a:lvl9pPr>
   </p:defaultTextStyle>
+  <p:extLst>
+    <p:ext uri="{EFAFB233-063F-42B5-8137-9DF3F51BA10A}">
+      <p15:sldGuideLst xmlns:p15="http://schemas.microsoft.com/office/powerpoint/2012/main"/>
+    </p:ext>
+  </p:extLst>
 </p:presentation>
 </file>
 
 <file path=ppt/slideLayouts/slideLayout1.xml><?xml version="1.0" encoding="utf-8"?>
-<p:sldLayout xmlns:a="http://schemas.openxmlformats.org/drawingml/2006/main" xmlns:r="http://schemas.openxmlformats.org/officeDocument/2006/relationships" xmlns:p="http://schemas.openxmlformats.org/presentationml/2006/main" showMasterSp="0" type="title" preserve="1">
+<p:sldLayout xmlns:a="http://schemas.openxmlformats.org/drawingml/2006/main" xmlns:r="http://schemas.openxmlformats.org/officeDocument/2006/relationships" xmlns:p="http://schemas.openxmlformats.org/presentationml/2006/main" type="title" preserve="1">
   <p:cSld name="Diapositive de titre">
     <p:spTree>
       <p:nvGrpSpPr>
@@ -143,8 +150,8 @@
         </p:nvSpPr>
         <p:spPr>
           <a:xfrm>
-            <a:off x="684212" y="685799"/>
-            <a:ext cx="8001000" cy="2971801"/>
+            <a:off x="2589213" y="2514600"/>
+            <a:ext cx="8915399" cy="2262781"/>
           </a:xfrm>
         </p:spPr>
         <p:txBody>
@@ -152,10 +159,8 @@
             <a:normAutofit/>
           </a:bodyPr>
           <a:lstStyle>
-            <a:lvl1pPr algn="l">
-              <a:defRPr sz="4800">
-                <a:effectLst/>
-              </a:defRPr>
+            <a:lvl1pPr>
+              <a:defRPr sz="5400"/>
             </a:lvl1pPr>
           </a:lstStyle>
           <a:p>
@@ -179,21 +184,20 @@
         </p:nvSpPr>
         <p:spPr>
           <a:xfrm>
-            <a:off x="684212" y="3843867"/>
-            <a:ext cx="6400800" cy="1947333"/>
+            <a:off x="2589213" y="4777379"/>
+            <a:ext cx="8915399" cy="1126283"/>
           </a:xfrm>
         </p:spPr>
         <p:txBody>
-          <a:bodyPr anchor="t">
-            <a:normAutofit/>
-          </a:bodyPr>
+          <a:bodyPr anchor="t"/>
           <a:lstStyle>
             <a:lvl1pPr marL="0" indent="0" algn="l">
               <a:buNone/>
-              <a:defRPr sz="2100">
+              <a:defRPr>
                 <a:solidFill>
-                  <a:schemeClr val="bg2">
-                    <a:lumMod val="75000"/>
+                  <a:schemeClr val="tx1">
+                    <a:lumMod val="65000"/>
+                    <a:lumOff val="35000"/>
                   </a:schemeClr>
                 </a:solidFill>
               </a:defRPr>
@@ -332,6 +336,88 @@
       </p:sp>
       <p:sp>
         <p:nvSpPr>
+          <p:cNvPr id="7" name="Freeform 6"/>
+          <p:cNvSpPr/>
+          <p:nvPr/>
+        </p:nvSpPr>
+        <p:spPr bwMode="auto">
+          <a:xfrm>
+            <a:off x="0" y="4323810"/>
+            <a:ext cx="1744652" cy="778589"/>
+          </a:xfrm>
+          <a:custGeom>
+            <a:avLst/>
+            <a:gdLst/>
+            <a:ahLst/>
+            <a:cxnLst/>
+            <a:rect l="0" t="0" r="r" b="b"/>
+            <a:pathLst>
+              <a:path w="372" h="166">
+                <a:moveTo>
+                  <a:pt x="287" y="166"/>
+                </a:moveTo>
+                <a:cubicBezTo>
+                  <a:pt x="290" y="166"/>
+                  <a:pt x="292" y="165"/>
+                  <a:pt x="293" y="164"/>
+                </a:cubicBezTo>
+                <a:cubicBezTo>
+                  <a:pt x="293" y="163"/>
+                  <a:pt x="294" y="163"/>
+                  <a:pt x="294" y="163"/>
+                </a:cubicBezTo>
+                <a:cubicBezTo>
+                  <a:pt x="370" y="87"/>
+                  <a:pt x="370" y="87"/>
+                  <a:pt x="370" y="87"/>
+                </a:cubicBezTo>
+                <a:cubicBezTo>
+                  <a:pt x="372" y="85"/>
+                  <a:pt x="372" y="81"/>
+                  <a:pt x="370" y="78"/>
+                </a:cubicBezTo>
+                <a:cubicBezTo>
+                  <a:pt x="294" y="3"/>
+                  <a:pt x="294" y="3"/>
+                  <a:pt x="294" y="3"/>
+                </a:cubicBezTo>
+                <a:cubicBezTo>
+                  <a:pt x="294" y="2"/>
+                  <a:pt x="293" y="2"/>
+                  <a:pt x="293" y="2"/>
+                </a:cubicBezTo>
+                <a:cubicBezTo>
+                  <a:pt x="292" y="1"/>
+                  <a:pt x="290" y="0"/>
+                  <a:pt x="287" y="0"/>
+                </a:cubicBezTo>
+                <a:cubicBezTo>
+                  <a:pt x="0" y="0"/>
+                  <a:pt x="0" y="0"/>
+                  <a:pt x="0" y="0"/>
+                </a:cubicBezTo>
+                <a:cubicBezTo>
+                  <a:pt x="0" y="166"/>
+                  <a:pt x="0" y="166"/>
+                  <a:pt x="0" y="166"/>
+                </a:cubicBezTo>
+                <a:lnTo>
+                  <a:pt x="287" y="166"/>
+                </a:lnTo>
+                <a:close/>
+              </a:path>
+            </a:pathLst>
+          </a:custGeom>
+          <a:solidFill>
+            <a:schemeClr val="accent1"/>
+          </a:solidFill>
+          <a:ln>
+            <a:noFill/>
+          </a:ln>
+        </p:spPr>
+      </p:sp>
+      <p:sp>
+        <p:nvSpPr>
           <p:cNvPr id="6" name="Slide Number Placeholder 5"/>
           <p:cNvSpPr>
             <a:spLocks noGrp="1"/>
@@ -340,7 +426,12 @@
             <p:ph type="sldNum" sz="quarter" idx="12"/>
           </p:nvPr>
         </p:nvSpPr>
-        <p:spPr/>
+        <p:spPr>
+          <a:xfrm>
+            <a:off x="531812" y="4529540"/>
+            <a:ext cx="779767" cy="365125"/>
+          </a:xfrm>
+        </p:spPr>
         <p:txBody>
           <a:bodyPr/>
           <a:lstStyle/>
@@ -353,185 +444,10 @@
           </a:p>
         </p:txBody>
       </p:sp>
-      <p:cxnSp>
-        <p:nvCxnSpPr>
-          <p:cNvPr id="16" name="Straight Connector 15"/>
-          <p:cNvCxnSpPr/>
-          <p:nvPr/>
-        </p:nvCxnSpPr>
-        <p:spPr>
-          <a:xfrm flipH="1">
-            <a:off x="8228012" y="8467"/>
-            <a:ext cx="3810000" cy="3810000"/>
-          </a:xfrm>
-          <a:prstGeom prst="line">
-            <a:avLst/>
-          </a:prstGeom>
-          <a:ln w="12700">
-            <a:solidFill>
-              <a:schemeClr val="tx1"/>
-            </a:solidFill>
-          </a:ln>
-        </p:spPr>
-        <p:style>
-          <a:lnRef idx="2">
-            <a:schemeClr val="accent1"/>
-          </a:lnRef>
-          <a:fillRef idx="0">
-            <a:schemeClr val="accent1"/>
-          </a:fillRef>
-          <a:effectRef idx="1">
-            <a:schemeClr val="accent1"/>
-          </a:effectRef>
-          <a:fontRef idx="minor">
-            <a:schemeClr val="tx1"/>
-          </a:fontRef>
-        </p:style>
-      </p:cxnSp>
-      <p:cxnSp>
-        <p:nvCxnSpPr>
-          <p:cNvPr id="17" name="Straight Connector 16"/>
-          <p:cNvCxnSpPr/>
-          <p:nvPr/>
-        </p:nvCxnSpPr>
-        <p:spPr>
-          <a:xfrm flipH="1">
-            <a:off x="6108170" y="91545"/>
-            <a:ext cx="6080655" cy="6080655"/>
-          </a:xfrm>
-          <a:prstGeom prst="line">
-            <a:avLst/>
-          </a:prstGeom>
-          <a:ln w="12700">
-            <a:solidFill>
-              <a:schemeClr val="tx1"/>
-            </a:solidFill>
-          </a:ln>
-        </p:spPr>
-        <p:style>
-          <a:lnRef idx="2">
-            <a:schemeClr val="accent1"/>
-          </a:lnRef>
-          <a:fillRef idx="0">
-            <a:schemeClr val="accent1"/>
-          </a:fillRef>
-          <a:effectRef idx="1">
-            <a:schemeClr val="accent1"/>
-          </a:effectRef>
-          <a:fontRef idx="minor">
-            <a:schemeClr val="tx1"/>
-          </a:fontRef>
-        </p:style>
-      </p:cxnSp>
-      <p:cxnSp>
-        <p:nvCxnSpPr>
-          <p:cNvPr id="19" name="Straight Connector 18"/>
-          <p:cNvCxnSpPr/>
-          <p:nvPr/>
-        </p:nvCxnSpPr>
-        <p:spPr>
-          <a:xfrm flipH="1">
-            <a:off x="7235825" y="228600"/>
-            <a:ext cx="4953000" cy="4953000"/>
-          </a:xfrm>
-          <a:prstGeom prst="line">
-            <a:avLst/>
-          </a:prstGeom>
-          <a:ln w="12700">
-            <a:solidFill>
-              <a:schemeClr val="tx1"/>
-            </a:solidFill>
-          </a:ln>
-        </p:spPr>
-        <p:style>
-          <a:lnRef idx="2">
-            <a:schemeClr val="accent1"/>
-          </a:lnRef>
-          <a:fillRef idx="0">
-            <a:schemeClr val="accent1"/>
-          </a:fillRef>
-          <a:effectRef idx="1">
-            <a:schemeClr val="accent1"/>
-          </a:effectRef>
-          <a:fontRef idx="minor">
-            <a:schemeClr val="tx1"/>
-          </a:fontRef>
-        </p:style>
-      </p:cxnSp>
-      <p:cxnSp>
-        <p:nvCxnSpPr>
-          <p:cNvPr id="21" name="Straight Connector 20"/>
-          <p:cNvCxnSpPr/>
-          <p:nvPr/>
-        </p:nvCxnSpPr>
-        <p:spPr>
-          <a:xfrm flipH="1">
-            <a:off x="7335837" y="32278"/>
-            <a:ext cx="4852989" cy="4852989"/>
-          </a:xfrm>
-          <a:prstGeom prst="line">
-            <a:avLst/>
-          </a:prstGeom>
-          <a:ln w="31750">
-            <a:solidFill>
-              <a:schemeClr val="tx1"/>
-            </a:solidFill>
-          </a:ln>
-        </p:spPr>
-        <p:style>
-          <a:lnRef idx="2">
-            <a:schemeClr val="accent1"/>
-          </a:lnRef>
-          <a:fillRef idx="0">
-            <a:schemeClr val="accent1"/>
-          </a:fillRef>
-          <a:effectRef idx="1">
-            <a:schemeClr val="accent1"/>
-          </a:effectRef>
-          <a:fontRef idx="minor">
-            <a:schemeClr val="tx1"/>
-          </a:fontRef>
-        </p:style>
-      </p:cxnSp>
-      <p:cxnSp>
-        <p:nvCxnSpPr>
-          <p:cNvPr id="23" name="Straight Connector 22"/>
-          <p:cNvCxnSpPr/>
-          <p:nvPr/>
-        </p:nvCxnSpPr>
-        <p:spPr>
-          <a:xfrm flipH="1">
-            <a:off x="7845426" y="609601"/>
-            <a:ext cx="4343399" cy="4343399"/>
-          </a:xfrm>
-          <a:prstGeom prst="line">
-            <a:avLst/>
-          </a:prstGeom>
-          <a:ln w="31750">
-            <a:solidFill>
-              <a:schemeClr val="tx1"/>
-            </a:solidFill>
-          </a:ln>
-        </p:spPr>
-        <p:style>
-          <a:lnRef idx="2">
-            <a:schemeClr val="accent1"/>
-          </a:lnRef>
-          <a:fillRef idx="0">
-            <a:schemeClr val="accent1"/>
-          </a:fillRef>
-          <a:effectRef idx="1">
-            <a:schemeClr val="accent1"/>
-          </a:effectRef>
-          <a:fontRef idx="minor">
-            <a:schemeClr val="tx1"/>
-          </a:fontRef>
-        </p:style>
-      </p:cxnSp>
     </p:spTree>
     <p:extLst>
       <p:ext uri="{BB962C8B-B14F-4D97-AF65-F5344CB8AC3E}">
-        <p14:creationId xmlns:p14="http://schemas.microsoft.com/office/powerpoint/2010/main" val="3587105928"/>
+        <p14:creationId xmlns:p14="http://schemas.microsoft.com/office/powerpoint/2010/main" val="2827035608"/>
       </p:ext>
     </p:extLst>
   </p:cSld>
@@ -542,267 +458,6 @@
 </file>
 
 <file path=ppt/slideLayouts/slideLayout10.xml><?xml version="1.0" encoding="utf-8"?>
-<p:sldLayout xmlns:a="http://schemas.openxmlformats.org/drawingml/2006/main" xmlns:r="http://schemas.openxmlformats.org/officeDocument/2006/relationships" xmlns:p="http://schemas.openxmlformats.org/presentationml/2006/main" preserve="1">
-  <p:cSld name="Image panoramique avec légende">
-    <p:spTree>
-      <p:nvGrpSpPr>
-        <p:cNvPr id="1" name=""/>
-        <p:cNvGrpSpPr/>
-        <p:nvPr/>
-      </p:nvGrpSpPr>
-      <p:grpSpPr>
-        <a:xfrm>
-          <a:off x="0" y="0"/>
-          <a:ext cx="0" cy="0"/>
-          <a:chOff x="0" y="0"/>
-          <a:chExt cx="0" cy="0"/>
-        </a:xfrm>
-      </p:grpSpPr>
-      <p:sp>
-        <p:nvSpPr>
-          <p:cNvPr id="2" name="Title 1"/>
-          <p:cNvSpPr>
-            <a:spLocks noGrp="1"/>
-          </p:cNvSpPr>
-          <p:nvPr>
-            <p:ph type="title"/>
-          </p:nvPr>
-        </p:nvSpPr>
-        <p:spPr/>
-        <p:txBody>
-          <a:bodyPr/>
-          <a:lstStyle/>
-          <a:p>
-            <a:r>
-              <a:rPr lang="fr-FR"/>
-              <a:t>Modifiez le style du titre</a:t>
-            </a:r>
-            <a:endParaRPr lang="en-US" dirty="0"/>
-          </a:p>
-        </p:txBody>
-      </p:sp>
-      <p:sp>
-        <p:nvSpPr>
-          <p:cNvPr id="17" name="Picture Placeholder 2"/>
-          <p:cNvSpPr>
-            <a:spLocks noGrp="1" noChangeAspect="1"/>
-          </p:cNvSpPr>
-          <p:nvPr>
-            <p:ph type="pic" idx="13"/>
-          </p:nvPr>
-        </p:nvSpPr>
-        <p:spPr>
-          <a:xfrm>
-            <a:off x="685800" y="533400"/>
-            <a:ext cx="10818812" cy="3124200"/>
-          </a:xfrm>
-          <a:prstGeom prst="snip2DiagRect">
-            <a:avLst>
-              <a:gd name="adj1" fmla="val 10815"/>
-              <a:gd name="adj2" fmla="val 0"/>
-            </a:avLst>
-          </a:prstGeom>
-          <a:ln w="15875">
-            <a:solidFill>
-              <a:schemeClr val="tx1">
-                <a:alpha val="40000"/>
-              </a:schemeClr>
-            </a:solidFill>
-          </a:ln>
-          <a:effectLst>
-            <a:innerShdw blurRad="57150" dist="38100" dir="14460000">
-              <a:srgbClr val="000000">
-                <a:alpha val="70000"/>
-              </a:srgbClr>
-            </a:innerShdw>
-          </a:effectLst>
-        </p:spPr>
-        <p:txBody>
-          <a:bodyPr anchor="t">
-            <a:normAutofit/>
-          </a:bodyPr>
-          <a:lstStyle>
-            <a:lvl1pPr marL="0" indent="0" algn="ctr">
-              <a:buNone/>
-              <a:defRPr sz="1600"/>
-            </a:lvl1pPr>
-            <a:lvl2pPr marL="457200" indent="0">
-              <a:buNone/>
-              <a:defRPr sz="1600"/>
-            </a:lvl2pPr>
-            <a:lvl3pPr marL="914400" indent="0">
-              <a:buNone/>
-              <a:defRPr sz="1600"/>
-            </a:lvl3pPr>
-            <a:lvl4pPr marL="1371600" indent="0">
-              <a:buNone/>
-              <a:defRPr sz="1600"/>
-            </a:lvl4pPr>
-            <a:lvl5pPr marL="1828800" indent="0">
-              <a:buNone/>
-              <a:defRPr sz="1600"/>
-            </a:lvl5pPr>
-            <a:lvl6pPr marL="2286000" indent="0">
-              <a:buNone/>
-              <a:defRPr sz="1600"/>
-            </a:lvl6pPr>
-            <a:lvl7pPr marL="2743200" indent="0">
-              <a:buNone/>
-              <a:defRPr sz="1600"/>
-            </a:lvl7pPr>
-            <a:lvl8pPr marL="3200400" indent="0">
-              <a:buNone/>
-              <a:defRPr sz="1600"/>
-            </a:lvl8pPr>
-            <a:lvl9pPr marL="3657600" indent="0">
-              <a:buNone/>
-              <a:defRPr sz="1600"/>
-            </a:lvl9pPr>
-          </a:lstStyle>
-          <a:p>
-            <a:r>
-              <a:rPr lang="fr-FR"/>
-              <a:t>Cliquez sur l'icône pour ajouter une image</a:t>
-            </a:r>
-            <a:endParaRPr lang="en-US" dirty="0"/>
-          </a:p>
-        </p:txBody>
-      </p:sp>
-      <p:sp>
-        <p:nvSpPr>
-          <p:cNvPr id="16" name="Text Placeholder 9"/>
-          <p:cNvSpPr>
-            <a:spLocks noGrp="1"/>
-          </p:cNvSpPr>
-          <p:nvPr>
-            <p:ph type="body" sz="quarter" idx="14"/>
-          </p:nvPr>
-        </p:nvSpPr>
-        <p:spPr>
-          <a:xfrm>
-            <a:off x="914402" y="3843867"/>
-            <a:ext cx="8304210" cy="457200"/>
-          </a:xfrm>
-        </p:spPr>
-        <p:txBody>
-          <a:bodyPr anchor="t">
-            <a:normAutofit/>
-          </a:bodyPr>
-          <a:lstStyle>
-            <a:lvl1pPr marL="0" indent="0">
-              <a:buFontTx/>
-              <a:buNone/>
-              <a:defRPr sz="1600"/>
-            </a:lvl1pPr>
-            <a:lvl2pPr marL="457200" indent="0">
-              <a:buFontTx/>
-              <a:buNone/>
-              <a:defRPr/>
-            </a:lvl2pPr>
-            <a:lvl3pPr marL="914400" indent="0">
-              <a:buFontTx/>
-              <a:buNone/>
-              <a:defRPr/>
-            </a:lvl3pPr>
-            <a:lvl4pPr marL="1371600" indent="0">
-              <a:buFontTx/>
-              <a:buNone/>
-              <a:defRPr/>
-            </a:lvl4pPr>
-            <a:lvl5pPr marL="1828800" indent="0">
-              <a:buFontTx/>
-              <a:buNone/>
-              <a:defRPr/>
-            </a:lvl5pPr>
-          </a:lstStyle>
-          <a:p>
-            <a:pPr lvl="0"/>
-            <a:r>
-              <a:rPr lang="fr-FR"/>
-              <a:t>Cliquez pour modifier les styles du texte du masque</a:t>
-            </a:r>
-          </a:p>
-        </p:txBody>
-      </p:sp>
-      <p:sp>
-        <p:nvSpPr>
-          <p:cNvPr id="3" name="Date Placeholder 2"/>
-          <p:cNvSpPr>
-            <a:spLocks noGrp="1"/>
-          </p:cNvSpPr>
-          <p:nvPr>
-            <p:ph type="dt" sz="half" idx="10"/>
-          </p:nvPr>
-        </p:nvSpPr>
-        <p:spPr/>
-        <p:txBody>
-          <a:bodyPr/>
-          <a:lstStyle/>
-          <a:p>
-            <a:fld id="{D053F496-3908-4CAB-B64E-B72A19A831F4}" type="datetimeFigureOut">
-              <a:rPr lang="fr-CH" smtClean="0"/>
-              <a:t>22.01.2024</a:t>
-            </a:fld>
-            <a:endParaRPr lang="fr-CH"/>
-          </a:p>
-        </p:txBody>
-      </p:sp>
-      <p:sp>
-        <p:nvSpPr>
-          <p:cNvPr id="4" name="Footer Placeholder 3"/>
-          <p:cNvSpPr>
-            <a:spLocks noGrp="1"/>
-          </p:cNvSpPr>
-          <p:nvPr>
-            <p:ph type="ftr" sz="quarter" idx="11"/>
-          </p:nvPr>
-        </p:nvSpPr>
-        <p:spPr/>
-        <p:txBody>
-          <a:bodyPr/>
-          <a:lstStyle/>
-          <a:p>
-            <a:endParaRPr lang="fr-CH"/>
-          </a:p>
-        </p:txBody>
-      </p:sp>
-      <p:sp>
-        <p:nvSpPr>
-          <p:cNvPr id="5" name="Slide Number Placeholder 4"/>
-          <p:cNvSpPr>
-            <a:spLocks noGrp="1"/>
-          </p:cNvSpPr>
-          <p:nvPr>
-            <p:ph type="sldNum" sz="quarter" idx="12"/>
-          </p:nvPr>
-        </p:nvSpPr>
-        <p:spPr/>
-        <p:txBody>
-          <a:bodyPr/>
-          <a:lstStyle/>
-          <a:p>
-            <a:fld id="{4BF5E826-B13B-41AC-A4BF-D96171975AAE}" type="slidenum">
-              <a:rPr lang="fr-CH" smtClean="0"/>
-              <a:t>‹N°›</a:t>
-            </a:fld>
-            <a:endParaRPr lang="fr-CH"/>
-          </a:p>
-        </p:txBody>
-      </p:sp>
-    </p:spTree>
-    <p:extLst>
-      <p:ext uri="{BB962C8B-B14F-4D97-AF65-F5344CB8AC3E}">
-        <p14:creationId xmlns:p14="http://schemas.microsoft.com/office/powerpoint/2010/main" val="664326567"/>
-      </p:ext>
-    </p:extLst>
-  </p:cSld>
-  <p:clrMapOvr>
-    <a:masterClrMapping/>
-  </p:clrMapOvr>
-</p:sldLayout>
-</file>
-
-<file path=ppt/slideLayouts/slideLayout11.xml><?xml version="1.0" encoding="utf-8"?>
 <p:sldLayout xmlns:a="http://schemas.openxmlformats.org/drawingml/2006/main" xmlns:r="http://schemas.openxmlformats.org/officeDocument/2006/relationships" xmlns:p="http://schemas.openxmlformats.org/presentationml/2006/main" preserve="1">
   <p:cSld name="Titre et légende">
     <p:spTree>
@@ -831,8 +486,8 @@
         </p:nvSpPr>
         <p:spPr>
           <a:xfrm>
-            <a:off x="684213" y="685800"/>
-            <a:ext cx="10058400" cy="2743200"/>
+            <a:off x="2589212" y="609600"/>
+            <a:ext cx="8915399" cy="3117040"/>
           </a:xfrm>
         </p:spPr>
         <p:txBody>
@@ -841,7 +496,7 @@
           </a:bodyPr>
           <a:lstStyle>
             <a:lvl1pPr algn="l">
-              <a:defRPr sz="3200" b="0" cap="all"/>
+              <a:defRPr sz="4800" b="0" cap="none"/>
             </a:lvl1pPr>
           </a:lstStyle>
           <a:p>
@@ -865,8 +520,8 @@
         </p:nvSpPr>
         <p:spPr>
           <a:xfrm>
-            <a:off x="684212" y="4114800"/>
-            <a:ext cx="8535988" cy="1879600"/>
+            <a:off x="2589212" y="4354046"/>
+            <a:ext cx="8915399" cy="1555864"/>
           </a:xfrm>
         </p:spPr>
         <p:txBody>
@@ -876,10 +531,11 @@
           <a:lstStyle>
             <a:lvl1pPr marL="0" indent="0" algn="l">
               <a:buNone/>
-              <a:defRPr sz="2000">
+              <a:defRPr sz="1800">
                 <a:solidFill>
-                  <a:schemeClr val="bg2">
-                    <a:lumMod val="75000"/>
+                  <a:schemeClr val="tx1">
+                    <a:lumMod val="65000"/>
+                    <a:lumOff val="35000"/>
                   </a:schemeClr>
                 </a:solidFill>
               </a:defRPr>
@@ -1018,6 +674,88 @@
       </p:sp>
       <p:sp>
         <p:nvSpPr>
+          <p:cNvPr id="9" name="Freeform 11"/>
+          <p:cNvSpPr/>
+          <p:nvPr/>
+        </p:nvSpPr>
+        <p:spPr bwMode="auto">
+          <a:xfrm flipV="1">
+            <a:off x="-4189" y="3178175"/>
+            <a:ext cx="1588527" cy="507297"/>
+          </a:xfrm>
+          <a:custGeom>
+            <a:avLst/>
+            <a:gdLst/>
+            <a:ahLst/>
+            <a:cxnLst/>
+            <a:rect l="l" t="t" r="r" b="b"/>
+            <a:pathLst>
+              <a:path w="9248" h="10000">
+                <a:moveTo>
+                  <a:pt x="9248" y="4701"/>
+                </a:moveTo>
+                <a:lnTo>
+                  <a:pt x="7915" y="188"/>
+                </a:lnTo>
+                <a:cubicBezTo>
+                  <a:pt x="7906" y="156"/>
+                  <a:pt x="7895" y="126"/>
+                  <a:pt x="7886" y="94"/>
+                </a:cubicBezTo>
+                <a:cubicBezTo>
+                  <a:pt x="7859" y="0"/>
+                  <a:pt x="7831" y="0"/>
+                  <a:pt x="7803" y="0"/>
+                </a:cubicBezTo>
+                <a:lnTo>
+                  <a:pt x="7275" y="0"/>
+                </a:lnTo>
+                <a:lnTo>
+                  <a:pt x="0" y="70"/>
+                </a:lnTo>
+                <a:cubicBezTo>
+                  <a:pt x="8" y="3380"/>
+                  <a:pt x="17" y="6690"/>
+                  <a:pt x="25" y="10000"/>
+                </a:cubicBezTo>
+                <a:lnTo>
+                  <a:pt x="7275" y="9966"/>
+                </a:lnTo>
+                <a:lnTo>
+                  <a:pt x="7803" y="9966"/>
+                </a:lnTo>
+                <a:cubicBezTo>
+                  <a:pt x="7831" y="9966"/>
+                  <a:pt x="7859" y="9872"/>
+                  <a:pt x="7886" y="9872"/>
+                </a:cubicBezTo>
+                <a:cubicBezTo>
+                  <a:pt x="7886" y="9778"/>
+                  <a:pt x="7915" y="9778"/>
+                  <a:pt x="7915" y="9778"/>
+                </a:cubicBezTo>
+                <a:lnTo>
+                  <a:pt x="9248" y="5265"/>
+                </a:lnTo>
+                <a:cubicBezTo>
+                  <a:pt x="9303" y="5077"/>
+                  <a:pt x="9303" y="4889"/>
+                  <a:pt x="9248" y="4701"/>
+                </a:cubicBezTo>
+                <a:close/>
+              </a:path>
+            </a:pathLst>
+          </a:custGeom>
+          <a:solidFill>
+            <a:schemeClr val="accent1"/>
+          </a:solidFill>
+          <a:ln>
+            <a:noFill/>
+          </a:ln>
+        </p:spPr>
+      </p:sp>
+      <p:sp>
+        <p:nvSpPr>
           <p:cNvPr id="6" name="Slide Number Placeholder 5"/>
           <p:cNvSpPr>
             <a:spLocks noGrp="1"/>
@@ -1026,7 +764,12 @@
             <p:ph type="sldNum" sz="quarter" idx="12"/>
           </p:nvPr>
         </p:nvSpPr>
-        <p:spPr/>
+        <p:spPr>
+          <a:xfrm>
+            <a:off x="531812" y="3244139"/>
+            <a:ext cx="779767" cy="365125"/>
+          </a:xfrm>
+        </p:spPr>
         <p:txBody>
           <a:bodyPr/>
           <a:lstStyle/>
@@ -1042,7 +785,7 @@
     </p:spTree>
     <p:extLst>
       <p:ext uri="{BB962C8B-B14F-4D97-AF65-F5344CB8AC3E}">
-        <p14:creationId xmlns:p14="http://schemas.microsoft.com/office/powerpoint/2010/main" val="58408942"/>
+        <p14:creationId xmlns:p14="http://schemas.microsoft.com/office/powerpoint/2010/main" val="2832830469"/>
       </p:ext>
     </p:extLst>
   </p:cSld>
@@ -1052,7 +795,7 @@
 </p:sldLayout>
 </file>
 
-<file path=ppt/slideLayouts/slideLayout12.xml><?xml version="1.0" encoding="utf-8"?>
+<file path=ppt/slideLayouts/slideLayout11.xml><?xml version="1.0" encoding="utf-8"?>
 <p:sldLayout xmlns:a="http://schemas.openxmlformats.org/drawingml/2006/main" xmlns:r="http://schemas.openxmlformats.org/officeDocument/2006/relationships" xmlns:p="http://schemas.openxmlformats.org/presentationml/2006/main" preserve="1">
   <p:cSld name="Citation avec légende">
     <p:spTree>
@@ -1081,8 +824,8 @@
         </p:nvSpPr>
         <p:spPr>
           <a:xfrm>
-            <a:off x="1141411" y="685800"/>
-            <a:ext cx="9144001" cy="2743200"/>
+            <a:off x="2849949" y="609600"/>
+            <a:ext cx="8393926" cy="2895600"/>
           </a:xfrm>
         </p:spPr>
         <p:txBody>
@@ -1091,11 +834,7 @@
           </a:bodyPr>
           <a:lstStyle>
             <a:lvl1pPr algn="l">
-              <a:defRPr sz="3200" b="0" cap="all">
-                <a:solidFill>
-                  <a:schemeClr val="tx1"/>
-                </a:solidFill>
-              </a:defRPr>
+              <a:defRPr sz="4800" b="0" cap="none"/>
             </a:lvl1pPr>
           </a:lstStyle>
           <a:p>
@@ -1109,7 +848,7 @@
       </p:sp>
       <p:sp>
         <p:nvSpPr>
-          <p:cNvPr id="10" name="Text Placeholder 9"/>
+          <p:cNvPr id="13" name="Text Placeholder 9"/>
           <p:cNvSpPr>
             <a:spLocks noGrp="1"/>
           </p:cNvSpPr>
@@ -1119,17 +858,26 @@
         </p:nvSpPr>
         <p:spPr>
           <a:xfrm>
-            <a:off x="1446212" y="3429000"/>
-            <a:ext cx="8534400" cy="381000"/>
+            <a:off x="3275012" y="3505200"/>
+            <a:ext cx="7536554" cy="381000"/>
           </a:xfrm>
         </p:spPr>
         <p:txBody>
-          <a:bodyPr anchor="ctr"/>
+          <a:bodyPr anchor="ctr">
+            <a:noAutofit/>
+          </a:bodyPr>
           <a:lstStyle>
             <a:lvl1pPr marL="0" indent="0">
               <a:buFontTx/>
               <a:buNone/>
-              <a:defRPr/>
+              <a:defRPr sz="1600">
+                <a:solidFill>
+                  <a:schemeClr val="tx1">
+                    <a:lumMod val="50000"/>
+                    <a:lumOff val="50000"/>
+                  </a:schemeClr>
+                </a:solidFill>
+              </a:defRPr>
             </a:lvl1pPr>
             <a:lvl2pPr marL="457200" indent="0">
               <a:buFontTx/>
@@ -1173,8 +921,8 @@
         </p:nvSpPr>
         <p:spPr>
           <a:xfrm>
-            <a:off x="684213" y="4301067"/>
-            <a:ext cx="8534400" cy="1684865"/>
+            <a:off x="2589212" y="4354046"/>
+            <a:ext cx="8915399" cy="1555864"/>
           </a:xfrm>
         </p:spPr>
         <p:txBody>
@@ -1184,10 +932,11 @@
           <a:lstStyle>
             <a:lvl1pPr marL="0" indent="0" algn="l">
               <a:buNone/>
-              <a:defRPr sz="2000">
+              <a:defRPr sz="1800">
                 <a:solidFill>
-                  <a:schemeClr val="bg2">
-                    <a:lumMod val="75000"/>
+                  <a:schemeClr val="tx1">
+                    <a:lumMod val="65000"/>
+                    <a:lumOff val="35000"/>
                   </a:schemeClr>
                 </a:solidFill>
               </a:defRPr>
@@ -1326,6 +1075,88 @@
       </p:sp>
       <p:sp>
         <p:nvSpPr>
+          <p:cNvPr id="11" name="Freeform 11"/>
+          <p:cNvSpPr/>
+          <p:nvPr/>
+        </p:nvSpPr>
+        <p:spPr bwMode="auto">
+          <a:xfrm flipV="1">
+            <a:off x="-4189" y="3178175"/>
+            <a:ext cx="1588527" cy="507297"/>
+          </a:xfrm>
+          <a:custGeom>
+            <a:avLst/>
+            <a:gdLst/>
+            <a:ahLst/>
+            <a:cxnLst/>
+            <a:rect l="l" t="t" r="r" b="b"/>
+            <a:pathLst>
+              <a:path w="9248" h="10000">
+                <a:moveTo>
+                  <a:pt x="9248" y="4701"/>
+                </a:moveTo>
+                <a:lnTo>
+                  <a:pt x="7915" y="188"/>
+                </a:lnTo>
+                <a:cubicBezTo>
+                  <a:pt x="7906" y="156"/>
+                  <a:pt x="7895" y="126"/>
+                  <a:pt x="7886" y="94"/>
+                </a:cubicBezTo>
+                <a:cubicBezTo>
+                  <a:pt x="7859" y="0"/>
+                  <a:pt x="7831" y="0"/>
+                  <a:pt x="7803" y="0"/>
+                </a:cubicBezTo>
+                <a:lnTo>
+                  <a:pt x="7275" y="0"/>
+                </a:lnTo>
+                <a:lnTo>
+                  <a:pt x="0" y="70"/>
+                </a:lnTo>
+                <a:cubicBezTo>
+                  <a:pt x="8" y="3380"/>
+                  <a:pt x="17" y="6690"/>
+                  <a:pt x="25" y="10000"/>
+                </a:cubicBezTo>
+                <a:lnTo>
+                  <a:pt x="7275" y="9966"/>
+                </a:lnTo>
+                <a:lnTo>
+                  <a:pt x="7803" y="9966"/>
+                </a:lnTo>
+                <a:cubicBezTo>
+                  <a:pt x="7831" y="9966"/>
+                  <a:pt x="7859" y="9872"/>
+                  <a:pt x="7886" y="9872"/>
+                </a:cubicBezTo>
+                <a:cubicBezTo>
+                  <a:pt x="7886" y="9778"/>
+                  <a:pt x="7915" y="9778"/>
+                  <a:pt x="7915" y="9778"/>
+                </a:cubicBezTo>
+                <a:lnTo>
+                  <a:pt x="9248" y="5265"/>
+                </a:lnTo>
+                <a:cubicBezTo>
+                  <a:pt x="9303" y="5077"/>
+                  <a:pt x="9303" y="4889"/>
+                  <a:pt x="9248" y="4701"/>
+                </a:cubicBezTo>
+                <a:close/>
+              </a:path>
+            </a:pathLst>
+          </a:custGeom>
+          <a:solidFill>
+            <a:schemeClr val="accent1"/>
+          </a:solidFill>
+          <a:ln>
+            <a:noFill/>
+          </a:ln>
+        </p:spPr>
+      </p:sp>
+      <p:sp>
+        <p:nvSpPr>
           <p:cNvPr id="6" name="Slide Number Placeholder 5"/>
           <p:cNvSpPr>
             <a:spLocks noGrp="1"/>
@@ -1334,7 +1165,12 @@
             <p:ph type="sldNum" sz="quarter" idx="12"/>
           </p:nvPr>
         </p:nvSpPr>
-        <p:spPr/>
+        <p:spPr>
+          <a:xfrm>
+            <a:off x="531812" y="3244139"/>
+            <a:ext cx="779767" cy="365125"/>
+          </a:xfrm>
+        </p:spPr>
         <p:txBody>
           <a:bodyPr/>
           <a:lstStyle/>
@@ -1355,7 +1191,7 @@
         </p:nvSpPr>
         <p:spPr>
           <a:xfrm>
-            <a:off x="531812" y="812222"/>
+            <a:off x="2467652" y="648005"/>
             <a:ext cx="609600" cy="584776"/>
           </a:xfrm>
           <a:prstGeom prst="rect">
@@ -1370,11 +1206,15 @@
           <a:p>
             <a:pPr lvl="0"/>
             <a:r>
-              <a:rPr lang="en-US" sz="8000" dirty="0">
+              <a:rPr lang="en-US" sz="8000" baseline="0" dirty="0">
+                <a:ln w="3175" cmpd="sng">
+                  <a:noFill/>
+                </a:ln>
                 <a:solidFill>
-                  <a:schemeClr val="tx1"/>
+                  <a:schemeClr val="accent1"/>
                 </a:solidFill>
                 <a:effectLst/>
+                <a:latin typeface="Arial"/>
               </a:rPr>
               <a:t>“</a:t>
             </a:r>
@@ -1389,7 +1229,7 @@
         </p:nvSpPr>
         <p:spPr>
           <a:xfrm>
-            <a:off x="10285412" y="2768601"/>
+            <a:off x="11114852" y="2905306"/>
             <a:ext cx="609600" cy="584776"/>
           </a:xfrm>
           <a:prstGeom prst="rect">
@@ -1402,13 +1242,17 @@
           </a:bodyPr>
           <a:lstStyle/>
           <a:p>
-            <a:pPr lvl="0" algn="r"/>
-            <a:r>
-              <a:rPr lang="en-US" sz="8000" dirty="0">
+            <a:pPr lvl="0"/>
+            <a:r>
+              <a:rPr lang="en-US" sz="8000" baseline="0" dirty="0">
+                <a:ln w="3175" cmpd="sng">
+                  <a:noFill/>
+                </a:ln>
                 <a:solidFill>
-                  <a:schemeClr val="tx1"/>
+                  <a:schemeClr val="accent1"/>
                 </a:solidFill>
                 <a:effectLst/>
+                <a:latin typeface="Arial"/>
               </a:rPr>
               <a:t>”</a:t>
             </a:r>
@@ -1418,7 +1262,7 @@
     </p:spTree>
     <p:extLst>
       <p:ext uri="{BB962C8B-B14F-4D97-AF65-F5344CB8AC3E}">
-        <p14:creationId xmlns:p14="http://schemas.microsoft.com/office/powerpoint/2010/main" val="3404004135"/>
+        <p14:creationId xmlns:p14="http://schemas.microsoft.com/office/powerpoint/2010/main" val="3155284442"/>
       </p:ext>
     </p:extLst>
   </p:cSld>
@@ -1428,7 +1272,7 @@
 </p:sldLayout>
 </file>
 
-<file path=ppt/slideLayouts/slideLayout13.xml><?xml version="1.0" encoding="utf-8"?>
+<file path=ppt/slideLayouts/slideLayout12.xml><?xml version="1.0" encoding="utf-8"?>
 <p:sldLayout xmlns:a="http://schemas.openxmlformats.org/drawingml/2006/main" xmlns:r="http://schemas.openxmlformats.org/officeDocument/2006/relationships" xmlns:p="http://schemas.openxmlformats.org/presentationml/2006/main" preserve="1">
   <p:cSld name="Carte nom">
     <p:spTree>
@@ -1457,8 +1301,8 @@
         </p:nvSpPr>
         <p:spPr>
           <a:xfrm>
-            <a:off x="684212" y="3429000"/>
-            <a:ext cx="8534400" cy="1697400"/>
+            <a:off x="2589213" y="2438400"/>
+            <a:ext cx="8915400" cy="2724845"/>
           </a:xfrm>
         </p:spPr>
         <p:txBody>
@@ -1467,7 +1311,7 @@
           </a:bodyPr>
           <a:lstStyle>
             <a:lvl1pPr algn="l">
-              <a:defRPr sz="3200" b="0" cap="all"/>
+              <a:defRPr sz="4800" b="0"/>
             </a:lvl1pPr>
           </a:lstStyle>
           <a:p>
@@ -1481,118 +1325,41 @@
       </p:sp>
       <p:sp>
         <p:nvSpPr>
-          <p:cNvPr id="3" name="Text Placeholder 2"/>
-          <p:cNvSpPr>
-            <a:spLocks noGrp="1"/>
-          </p:cNvSpPr>
-          <p:nvPr>
-            <p:ph type="body" idx="1"/>
+          <p:cNvPr id="4" name="Text Placeholder 3"/>
+          <p:cNvSpPr>
+            <a:spLocks noGrp="1"/>
+          </p:cNvSpPr>
+          <p:nvPr>
+            <p:ph type="body" sz="half" idx="2"/>
           </p:nvPr>
         </p:nvSpPr>
         <p:spPr>
           <a:xfrm>
-            <a:off x="684211" y="5132981"/>
-            <a:ext cx="8535990" cy="860400"/>
+            <a:off x="2589213" y="5181600"/>
+            <a:ext cx="8915400" cy="729622"/>
           </a:xfrm>
         </p:spPr>
         <p:txBody>
-          <a:bodyPr anchor="t">
+          <a:bodyPr vert="horz" lIns="91440" tIns="45720" rIns="91440" bIns="45720" rtlCol="0" anchor="t">
             <a:normAutofit/>
           </a:bodyPr>
           <a:lstStyle>
-            <a:lvl1pPr marL="0" indent="0" algn="l">
-              <a:buNone/>
-              <a:defRPr sz="2000">
+            <a:lvl1pPr>
+              <a:buNone/>
+              <a:defRPr lang="en-US">
                 <a:solidFill>
-                  <a:schemeClr val="bg2">
-                    <a:lumMod val="75000"/>
+                  <a:schemeClr val="tx1">
+                    <a:lumMod val="65000"/>
+                    <a:lumOff val="35000"/>
                   </a:schemeClr>
                 </a:solidFill>
               </a:defRPr>
             </a:lvl1pPr>
-            <a:lvl2pPr marL="457200" indent="0">
-              <a:buNone/>
-              <a:defRPr sz="1800">
-                <a:solidFill>
-                  <a:schemeClr val="tx1">
-                    <a:tint val="75000"/>
-                  </a:schemeClr>
-                </a:solidFill>
-              </a:defRPr>
-            </a:lvl2pPr>
-            <a:lvl3pPr marL="914400" indent="0">
-              <a:buNone/>
-              <a:defRPr sz="1600">
-                <a:solidFill>
-                  <a:schemeClr val="tx1">
-                    <a:tint val="75000"/>
-                  </a:schemeClr>
-                </a:solidFill>
-              </a:defRPr>
-            </a:lvl3pPr>
-            <a:lvl4pPr marL="1371600" indent="0">
-              <a:buNone/>
-              <a:defRPr sz="1400">
-                <a:solidFill>
-                  <a:schemeClr val="tx1">
-                    <a:tint val="75000"/>
-                  </a:schemeClr>
-                </a:solidFill>
-              </a:defRPr>
-            </a:lvl4pPr>
-            <a:lvl5pPr marL="1828800" indent="0">
-              <a:buNone/>
-              <a:defRPr sz="1400">
-                <a:solidFill>
-                  <a:schemeClr val="tx1">
-                    <a:tint val="75000"/>
-                  </a:schemeClr>
-                </a:solidFill>
-              </a:defRPr>
-            </a:lvl5pPr>
-            <a:lvl6pPr marL="2286000" indent="0">
-              <a:buNone/>
-              <a:defRPr sz="1400">
-                <a:solidFill>
-                  <a:schemeClr val="tx1">
-                    <a:tint val="75000"/>
-                  </a:schemeClr>
-                </a:solidFill>
-              </a:defRPr>
-            </a:lvl6pPr>
-            <a:lvl7pPr marL="2743200" indent="0">
-              <a:buNone/>
-              <a:defRPr sz="1400">
-                <a:solidFill>
-                  <a:schemeClr val="tx1">
-                    <a:tint val="75000"/>
-                  </a:schemeClr>
-                </a:solidFill>
-              </a:defRPr>
-            </a:lvl7pPr>
-            <a:lvl8pPr marL="3200400" indent="0">
-              <a:buNone/>
-              <a:defRPr sz="1400">
-                <a:solidFill>
-                  <a:schemeClr val="tx1">
-                    <a:tint val="75000"/>
-                  </a:schemeClr>
-                </a:solidFill>
-              </a:defRPr>
-            </a:lvl8pPr>
-            <a:lvl9pPr marL="3657600" indent="0">
-              <a:buNone/>
-              <a:defRPr sz="1400">
-                <a:solidFill>
-                  <a:schemeClr val="tx1">
-                    <a:tint val="75000"/>
-                  </a:schemeClr>
-                </a:solidFill>
-              </a:defRPr>
-            </a:lvl9pPr>
           </a:lstStyle>
           <a:p>
-            <a:pPr lvl="0"/>
+            <a:pPr marL="0" lvl="0" indent="0">
+              <a:buNone/>
+            </a:pPr>
             <a:r>
               <a:rPr lang="fr-FR"/>
               <a:t>Cliquez pour modifier les styles du texte du masque</a:t>
@@ -1602,7 +1369,7 @@
       </p:sp>
       <p:sp>
         <p:nvSpPr>
-          <p:cNvPr id="4" name="Date Placeholder 3"/>
+          <p:cNvPr id="5" name="Date Placeholder 4"/>
           <p:cNvSpPr>
             <a:spLocks noGrp="1"/>
           </p:cNvSpPr>
@@ -1625,7 +1392,7 @@
       </p:sp>
       <p:sp>
         <p:nvSpPr>
-          <p:cNvPr id="5" name="Footer Placeholder 4"/>
+          <p:cNvPr id="6" name="Footer Placeholder 5"/>
           <p:cNvSpPr>
             <a:spLocks noGrp="1"/>
           </p:cNvSpPr>
@@ -1644,7 +1411,89 @@
       </p:sp>
       <p:sp>
         <p:nvSpPr>
-          <p:cNvPr id="6" name="Slide Number Placeholder 5"/>
+          <p:cNvPr id="9" name="Freeform 11"/>
+          <p:cNvSpPr/>
+          <p:nvPr/>
+        </p:nvSpPr>
+        <p:spPr bwMode="auto">
+          <a:xfrm flipV="1">
+            <a:off x="-4189" y="4911725"/>
+            <a:ext cx="1588527" cy="507297"/>
+          </a:xfrm>
+          <a:custGeom>
+            <a:avLst/>
+            <a:gdLst/>
+            <a:ahLst/>
+            <a:cxnLst/>
+            <a:rect l="l" t="t" r="r" b="b"/>
+            <a:pathLst>
+              <a:path w="9248" h="10000">
+                <a:moveTo>
+                  <a:pt x="9248" y="4701"/>
+                </a:moveTo>
+                <a:lnTo>
+                  <a:pt x="7915" y="188"/>
+                </a:lnTo>
+                <a:cubicBezTo>
+                  <a:pt x="7906" y="156"/>
+                  <a:pt x="7895" y="126"/>
+                  <a:pt x="7886" y="94"/>
+                </a:cubicBezTo>
+                <a:cubicBezTo>
+                  <a:pt x="7859" y="0"/>
+                  <a:pt x="7831" y="0"/>
+                  <a:pt x="7803" y="0"/>
+                </a:cubicBezTo>
+                <a:lnTo>
+                  <a:pt x="7275" y="0"/>
+                </a:lnTo>
+                <a:lnTo>
+                  <a:pt x="0" y="70"/>
+                </a:lnTo>
+                <a:cubicBezTo>
+                  <a:pt x="8" y="3380"/>
+                  <a:pt x="17" y="6690"/>
+                  <a:pt x="25" y="10000"/>
+                </a:cubicBezTo>
+                <a:lnTo>
+                  <a:pt x="7275" y="9966"/>
+                </a:lnTo>
+                <a:lnTo>
+                  <a:pt x="7803" y="9966"/>
+                </a:lnTo>
+                <a:cubicBezTo>
+                  <a:pt x="7831" y="9966"/>
+                  <a:pt x="7859" y="9872"/>
+                  <a:pt x="7886" y="9872"/>
+                </a:cubicBezTo>
+                <a:cubicBezTo>
+                  <a:pt x="7886" y="9778"/>
+                  <a:pt x="7915" y="9778"/>
+                  <a:pt x="7915" y="9778"/>
+                </a:cubicBezTo>
+                <a:lnTo>
+                  <a:pt x="9248" y="5265"/>
+                </a:lnTo>
+                <a:cubicBezTo>
+                  <a:pt x="9303" y="5077"/>
+                  <a:pt x="9303" y="4889"/>
+                  <a:pt x="9248" y="4701"/>
+                </a:cubicBezTo>
+                <a:close/>
+              </a:path>
+            </a:pathLst>
+          </a:custGeom>
+          <a:solidFill>
+            <a:schemeClr val="accent1"/>
+          </a:solidFill>
+          <a:ln>
+            <a:noFill/>
+          </a:ln>
+        </p:spPr>
+      </p:sp>
+      <p:sp>
+        <p:nvSpPr>
+          <p:cNvPr id="7" name="Slide Number Placeholder 6"/>
           <p:cNvSpPr>
             <a:spLocks noGrp="1"/>
           </p:cNvSpPr>
@@ -1652,7 +1501,12 @@
             <p:ph type="sldNum" sz="quarter" idx="12"/>
           </p:nvPr>
         </p:nvSpPr>
-        <p:spPr/>
+        <p:spPr>
+          <a:xfrm>
+            <a:off x="531812" y="4983087"/>
+            <a:ext cx="779767" cy="365125"/>
+          </a:xfrm>
+        </p:spPr>
         <p:txBody>
           <a:bodyPr/>
           <a:lstStyle/>
@@ -1668,7 +1522,7 @@
     </p:spTree>
     <p:extLst>
       <p:ext uri="{BB962C8B-B14F-4D97-AF65-F5344CB8AC3E}">
-        <p14:creationId xmlns:p14="http://schemas.microsoft.com/office/powerpoint/2010/main" val="4107028569"/>
+        <p14:creationId xmlns:p14="http://schemas.microsoft.com/office/powerpoint/2010/main" val="3136753313"/>
       </p:ext>
     </p:extLst>
   </p:cSld>
@@ -1678,7 +1532,7 @@
 </p:sldLayout>
 </file>
 
-<file path=ppt/slideLayouts/slideLayout14.xml><?xml version="1.0" encoding="utf-8"?>
+<file path=ppt/slideLayouts/slideLayout13.xml><?xml version="1.0" encoding="utf-8"?>
 <p:sldLayout xmlns:a="http://schemas.openxmlformats.org/drawingml/2006/main" xmlns:r="http://schemas.openxmlformats.org/officeDocument/2006/relationships" xmlns:p="http://schemas.openxmlformats.org/presentationml/2006/main" preserve="1">
   <p:cSld name="Carte nom citation">
     <p:spTree>
@@ -1697,7 +1551,7 @@
       </p:grpSpPr>
       <p:sp>
         <p:nvSpPr>
-          <p:cNvPr id="2" name="Title 1"/>
+          <p:cNvPr id="12" name="Title 1"/>
           <p:cNvSpPr>
             <a:spLocks noGrp="1"/>
           </p:cNvSpPr>
@@ -1707,8 +1561,8 @@
         </p:nvSpPr>
         <p:spPr>
           <a:xfrm>
-            <a:off x="1141413" y="685800"/>
-            <a:ext cx="9144000" cy="2743200"/>
+            <a:off x="2849949" y="609600"/>
+            <a:ext cx="8393926" cy="2895600"/>
           </a:xfrm>
         </p:spPr>
         <p:txBody>
@@ -1717,61 +1571,113 @@
           </a:bodyPr>
           <a:lstStyle>
             <a:lvl1pPr algn="l">
-              <a:defRPr sz="3200" b="0" cap="all">
+              <a:defRPr sz="4800" b="0" cap="none"/>
+            </a:lvl1pPr>
+          </a:lstStyle>
+          <a:p>
+            <a:r>
+              <a:rPr lang="fr-FR"/>
+              <a:t>Modifiez le style du titre</a:t>
+            </a:r>
+            <a:endParaRPr lang="en-US" dirty="0"/>
+          </a:p>
+        </p:txBody>
+      </p:sp>
+      <p:sp>
+        <p:nvSpPr>
+          <p:cNvPr id="21" name="Text Placeholder 9"/>
+          <p:cNvSpPr>
+            <a:spLocks noGrp="1"/>
+          </p:cNvSpPr>
+          <p:nvPr>
+            <p:ph type="body" sz="quarter" idx="13"/>
+          </p:nvPr>
+        </p:nvSpPr>
+        <p:spPr>
+          <a:xfrm>
+            <a:off x="2589212" y="4343400"/>
+            <a:ext cx="8915400" cy="838200"/>
+          </a:xfrm>
+        </p:spPr>
+        <p:txBody>
+          <a:bodyPr anchor="b">
+            <a:noAutofit/>
+          </a:bodyPr>
+          <a:lstStyle>
+            <a:lvl1pPr marL="0" indent="0">
+              <a:buFontTx/>
+              <a:buNone/>
+              <a:defRPr sz="2400">
                 <a:solidFill>
-                  <a:schemeClr val="tx1"/>
+                  <a:schemeClr val="accent1"/>
+                </a:solidFill>
+              </a:defRPr>
+            </a:lvl1pPr>
+            <a:lvl2pPr marL="457200" indent="0">
+              <a:buFontTx/>
+              <a:buNone/>
+              <a:defRPr/>
+            </a:lvl2pPr>
+            <a:lvl3pPr marL="914400" indent="0">
+              <a:buFontTx/>
+              <a:buNone/>
+              <a:defRPr/>
+            </a:lvl3pPr>
+            <a:lvl4pPr marL="1371600" indent="0">
+              <a:buFontTx/>
+              <a:buNone/>
+              <a:defRPr/>
+            </a:lvl4pPr>
+            <a:lvl5pPr marL="1828800" indent="0">
+              <a:buFontTx/>
+              <a:buNone/>
+              <a:defRPr/>
+            </a:lvl5pPr>
+          </a:lstStyle>
+          <a:p>
+            <a:pPr lvl="0"/>
+            <a:r>
+              <a:rPr lang="fr-FR"/>
+              <a:t>Cliquez pour modifier les styles du texte du masque</a:t>
+            </a:r>
+          </a:p>
+        </p:txBody>
+      </p:sp>
+      <p:sp>
+        <p:nvSpPr>
+          <p:cNvPr id="4" name="Text Placeholder 3"/>
+          <p:cNvSpPr>
+            <a:spLocks noGrp="1"/>
+          </p:cNvSpPr>
+          <p:nvPr>
+            <p:ph type="body" sz="half" idx="2"/>
+          </p:nvPr>
+        </p:nvSpPr>
+        <p:spPr>
+          <a:xfrm>
+            <a:off x="2589213" y="5181600"/>
+            <a:ext cx="8915400" cy="729622"/>
+          </a:xfrm>
+        </p:spPr>
+        <p:txBody>
+          <a:bodyPr vert="horz" lIns="91440" tIns="45720" rIns="91440" bIns="45720" rtlCol="0" anchor="t">
+            <a:normAutofit/>
+          </a:bodyPr>
+          <a:lstStyle>
+            <a:lvl1pPr>
+              <a:buNone/>
+              <a:defRPr lang="en-US">
+                <a:solidFill>
+                  <a:schemeClr val="tx1">
+                    <a:lumMod val="65000"/>
+                    <a:lumOff val="35000"/>
+                  </a:schemeClr>
                 </a:solidFill>
               </a:defRPr>
             </a:lvl1pPr>
           </a:lstStyle>
           <a:p>
-            <a:r>
-              <a:rPr lang="fr-FR"/>
-              <a:t>Modifiez le style du titre</a:t>
-            </a:r>
-            <a:endParaRPr lang="en-US" dirty="0"/>
-          </a:p>
-        </p:txBody>
-      </p:sp>
-      <p:sp>
-        <p:nvSpPr>
-          <p:cNvPr id="10" name="Text Placeholder 9"/>
-          <p:cNvSpPr>
-            <a:spLocks noGrp="1"/>
-          </p:cNvSpPr>
-          <p:nvPr>
-            <p:ph type="body" sz="quarter" idx="13"/>
-          </p:nvPr>
-        </p:nvSpPr>
-        <p:spPr>
-          <a:xfrm>
-            <a:off x="684212" y="3928534"/>
-            <a:ext cx="8534401" cy="1049866"/>
-          </a:xfrm>
-        </p:spPr>
-        <p:txBody>
-          <a:bodyPr vert="horz" lIns="91440" tIns="45720" rIns="91440" bIns="45720" rtlCol="0" anchor="b">
-            <a:normAutofit/>
-          </a:bodyPr>
-          <a:lstStyle>
-            <a:lvl1pPr>
-              <a:buNone/>
-              <a:defRPr lang="en-US" sz="2400" b="0" cap="all" dirty="0">
-                <a:ln w="3175" cmpd="sng">
-                  <a:noFill/>
-                </a:ln>
-                <a:solidFill>
-                  <a:schemeClr val="tx1"/>
-                </a:solidFill>
-                <a:effectLst/>
-              </a:defRPr>
-            </a:lvl1pPr>
-          </a:lstStyle>
-          <a:p>
-            <a:pPr marL="0" lvl="0">
-              <a:spcBef>
-                <a:spcPct val="0"/>
-              </a:spcBef>
+            <a:pPr marL="0" lvl="0" indent="0">
               <a:buNone/>
             </a:pPr>
             <a:r>
@@ -1783,128 +1689,7 @@
       </p:sp>
       <p:sp>
         <p:nvSpPr>
-          <p:cNvPr id="3" name="Text Placeholder 2"/>
-          <p:cNvSpPr>
-            <a:spLocks noGrp="1"/>
-          </p:cNvSpPr>
-          <p:nvPr>
-            <p:ph type="body" idx="1"/>
-          </p:nvPr>
-        </p:nvSpPr>
-        <p:spPr>
-          <a:xfrm>
-            <a:off x="684211" y="4978400"/>
-            <a:ext cx="8534401" cy="1016000"/>
-          </a:xfrm>
-        </p:spPr>
-        <p:txBody>
-          <a:bodyPr anchor="t">
-            <a:normAutofit/>
-          </a:bodyPr>
-          <a:lstStyle>
-            <a:lvl1pPr marL="0" indent="0" algn="l">
-              <a:buNone/>
-              <a:defRPr sz="1800">
-                <a:solidFill>
-                  <a:schemeClr val="bg2">
-                    <a:lumMod val="75000"/>
-                  </a:schemeClr>
-                </a:solidFill>
-              </a:defRPr>
-            </a:lvl1pPr>
-            <a:lvl2pPr marL="457200" indent="0">
-              <a:buNone/>
-              <a:defRPr sz="1800">
-                <a:solidFill>
-                  <a:schemeClr val="tx1">
-                    <a:tint val="75000"/>
-                  </a:schemeClr>
-                </a:solidFill>
-              </a:defRPr>
-            </a:lvl2pPr>
-            <a:lvl3pPr marL="914400" indent="0">
-              <a:buNone/>
-              <a:defRPr sz="1600">
-                <a:solidFill>
-                  <a:schemeClr val="tx1">
-                    <a:tint val="75000"/>
-                  </a:schemeClr>
-                </a:solidFill>
-              </a:defRPr>
-            </a:lvl3pPr>
-            <a:lvl4pPr marL="1371600" indent="0">
-              <a:buNone/>
-              <a:defRPr sz="1400">
-                <a:solidFill>
-                  <a:schemeClr val="tx1">
-                    <a:tint val="75000"/>
-                  </a:schemeClr>
-                </a:solidFill>
-              </a:defRPr>
-            </a:lvl4pPr>
-            <a:lvl5pPr marL="1828800" indent="0">
-              <a:buNone/>
-              <a:defRPr sz="1400">
-                <a:solidFill>
-                  <a:schemeClr val="tx1">
-                    <a:tint val="75000"/>
-                  </a:schemeClr>
-                </a:solidFill>
-              </a:defRPr>
-            </a:lvl5pPr>
-            <a:lvl6pPr marL="2286000" indent="0">
-              <a:buNone/>
-              <a:defRPr sz="1400">
-                <a:solidFill>
-                  <a:schemeClr val="tx1">
-                    <a:tint val="75000"/>
-                  </a:schemeClr>
-                </a:solidFill>
-              </a:defRPr>
-            </a:lvl6pPr>
-            <a:lvl7pPr marL="2743200" indent="0">
-              <a:buNone/>
-              <a:defRPr sz="1400">
-                <a:solidFill>
-                  <a:schemeClr val="tx1">
-                    <a:tint val="75000"/>
-                  </a:schemeClr>
-                </a:solidFill>
-              </a:defRPr>
-            </a:lvl7pPr>
-            <a:lvl8pPr marL="3200400" indent="0">
-              <a:buNone/>
-              <a:defRPr sz="1400">
-                <a:solidFill>
-                  <a:schemeClr val="tx1">
-                    <a:tint val="75000"/>
-                  </a:schemeClr>
-                </a:solidFill>
-              </a:defRPr>
-            </a:lvl8pPr>
-            <a:lvl9pPr marL="3657600" indent="0">
-              <a:buNone/>
-              <a:defRPr sz="1400">
-                <a:solidFill>
-                  <a:schemeClr val="tx1">
-                    <a:tint val="75000"/>
-                  </a:schemeClr>
-                </a:solidFill>
-              </a:defRPr>
-            </a:lvl9pPr>
-          </a:lstStyle>
-          <a:p>
-            <a:pPr lvl="0"/>
-            <a:r>
-              <a:rPr lang="fr-FR"/>
-              <a:t>Cliquez pour modifier les styles du texte du masque</a:t>
-            </a:r>
-          </a:p>
-        </p:txBody>
-      </p:sp>
-      <p:sp>
-        <p:nvSpPr>
-          <p:cNvPr id="4" name="Date Placeholder 3"/>
+          <p:cNvPr id="5" name="Date Placeholder 4"/>
           <p:cNvSpPr>
             <a:spLocks noGrp="1"/>
           </p:cNvSpPr>
@@ -1927,7 +1712,7 @@
       </p:sp>
       <p:sp>
         <p:nvSpPr>
-          <p:cNvPr id="5" name="Footer Placeholder 4"/>
+          <p:cNvPr id="6" name="Footer Placeholder 5"/>
           <p:cNvSpPr>
             <a:spLocks noGrp="1"/>
           </p:cNvSpPr>
@@ -1946,7 +1731,89 @@
       </p:sp>
       <p:sp>
         <p:nvSpPr>
-          <p:cNvPr id="6" name="Slide Number Placeholder 5"/>
+          <p:cNvPr id="11" name="Freeform 11"/>
+          <p:cNvSpPr/>
+          <p:nvPr/>
+        </p:nvSpPr>
+        <p:spPr bwMode="auto">
+          <a:xfrm flipV="1">
+            <a:off x="-4189" y="4911725"/>
+            <a:ext cx="1588527" cy="507297"/>
+          </a:xfrm>
+          <a:custGeom>
+            <a:avLst/>
+            <a:gdLst/>
+            <a:ahLst/>
+            <a:cxnLst/>
+            <a:rect l="l" t="t" r="r" b="b"/>
+            <a:pathLst>
+              <a:path w="9248" h="10000">
+                <a:moveTo>
+                  <a:pt x="9248" y="4701"/>
+                </a:moveTo>
+                <a:lnTo>
+                  <a:pt x="7915" y="188"/>
+                </a:lnTo>
+                <a:cubicBezTo>
+                  <a:pt x="7906" y="156"/>
+                  <a:pt x="7895" y="126"/>
+                  <a:pt x="7886" y="94"/>
+                </a:cubicBezTo>
+                <a:cubicBezTo>
+                  <a:pt x="7859" y="0"/>
+                  <a:pt x="7831" y="0"/>
+                  <a:pt x="7803" y="0"/>
+                </a:cubicBezTo>
+                <a:lnTo>
+                  <a:pt x="7275" y="0"/>
+                </a:lnTo>
+                <a:lnTo>
+                  <a:pt x="0" y="70"/>
+                </a:lnTo>
+                <a:cubicBezTo>
+                  <a:pt x="8" y="3380"/>
+                  <a:pt x="17" y="6690"/>
+                  <a:pt x="25" y="10000"/>
+                </a:cubicBezTo>
+                <a:lnTo>
+                  <a:pt x="7275" y="9966"/>
+                </a:lnTo>
+                <a:lnTo>
+                  <a:pt x="7803" y="9966"/>
+                </a:lnTo>
+                <a:cubicBezTo>
+                  <a:pt x="7831" y="9966"/>
+                  <a:pt x="7859" y="9872"/>
+                  <a:pt x="7886" y="9872"/>
+                </a:cubicBezTo>
+                <a:cubicBezTo>
+                  <a:pt x="7886" y="9778"/>
+                  <a:pt x="7915" y="9778"/>
+                  <a:pt x="7915" y="9778"/>
+                </a:cubicBezTo>
+                <a:lnTo>
+                  <a:pt x="9248" y="5265"/>
+                </a:lnTo>
+                <a:cubicBezTo>
+                  <a:pt x="9303" y="5077"/>
+                  <a:pt x="9303" y="4889"/>
+                  <a:pt x="9248" y="4701"/>
+                </a:cubicBezTo>
+                <a:close/>
+              </a:path>
+            </a:pathLst>
+          </a:custGeom>
+          <a:solidFill>
+            <a:schemeClr val="accent1"/>
+          </a:solidFill>
+          <a:ln>
+            <a:noFill/>
+          </a:ln>
+        </p:spPr>
+      </p:sp>
+      <p:sp>
+        <p:nvSpPr>
+          <p:cNvPr id="7" name="Slide Number Placeholder 6"/>
           <p:cNvSpPr>
             <a:spLocks noGrp="1"/>
           </p:cNvSpPr>
@@ -1954,7 +1821,12 @@
             <p:ph type="sldNum" sz="quarter" idx="12"/>
           </p:nvPr>
         </p:nvSpPr>
-        <p:spPr/>
+        <p:spPr>
+          <a:xfrm>
+            <a:off x="531812" y="4983087"/>
+            <a:ext cx="779767" cy="365125"/>
+          </a:xfrm>
+        </p:spPr>
         <p:txBody>
           <a:bodyPr/>
           <a:lstStyle/>
@@ -1969,13 +1841,13 @@
       </p:sp>
       <p:sp>
         <p:nvSpPr>
-          <p:cNvPr id="11" name="TextBox 10"/>
+          <p:cNvPr id="17" name="TextBox 16"/>
           <p:cNvSpPr txBox="1"/>
           <p:nvPr/>
         </p:nvSpPr>
         <p:spPr>
           <a:xfrm>
-            <a:off x="531812" y="812222"/>
+            <a:off x="2467652" y="648005"/>
             <a:ext cx="609600" cy="584776"/>
           </a:xfrm>
           <a:prstGeom prst="rect">
@@ -1990,11 +1862,15 @@
           <a:p>
             <a:pPr lvl="0"/>
             <a:r>
-              <a:rPr lang="en-US" sz="8000" dirty="0">
+              <a:rPr lang="en-US" sz="8000" baseline="0" dirty="0">
+                <a:ln w="3175" cmpd="sng">
+                  <a:noFill/>
+                </a:ln>
                 <a:solidFill>
-                  <a:schemeClr val="tx1"/>
+                  <a:schemeClr val="accent1"/>
                 </a:solidFill>
                 <a:effectLst/>
+                <a:latin typeface="Arial"/>
               </a:rPr>
               <a:t>“</a:t>
             </a:r>
@@ -2003,13 +1879,13 @@
       </p:sp>
       <p:sp>
         <p:nvSpPr>
-          <p:cNvPr id="12" name="TextBox 11"/>
+          <p:cNvPr id="18" name="TextBox 17"/>
           <p:cNvSpPr txBox="1"/>
           <p:nvPr/>
         </p:nvSpPr>
         <p:spPr>
           <a:xfrm>
-            <a:off x="10285412" y="2768601"/>
+            <a:off x="11114852" y="2905306"/>
             <a:ext cx="609600" cy="584776"/>
           </a:xfrm>
           <a:prstGeom prst="rect">
@@ -2022,13 +1898,17 @@
           </a:bodyPr>
           <a:lstStyle/>
           <a:p>
-            <a:pPr lvl="0" algn="r"/>
-            <a:r>
-              <a:rPr lang="en-US" sz="8000" dirty="0">
+            <a:pPr lvl="0"/>
+            <a:r>
+              <a:rPr lang="en-US" sz="8000" baseline="0" dirty="0">
+                <a:ln w="3175" cmpd="sng">
+                  <a:noFill/>
+                </a:ln>
                 <a:solidFill>
-                  <a:schemeClr val="tx1"/>
+                  <a:schemeClr val="accent1"/>
                 </a:solidFill>
                 <a:effectLst/>
+                <a:latin typeface="Arial"/>
               </a:rPr>
               <a:t>”</a:t>
             </a:r>
@@ -2038,7 +1918,7 @@
     </p:spTree>
     <p:extLst>
       <p:ext uri="{BB962C8B-B14F-4D97-AF65-F5344CB8AC3E}">
-        <p14:creationId xmlns:p14="http://schemas.microsoft.com/office/powerpoint/2010/main" val="4166361156"/>
+        <p14:creationId xmlns:p14="http://schemas.microsoft.com/office/powerpoint/2010/main" val="4162939512"/>
       </p:ext>
     </p:extLst>
   </p:cSld>
@@ -2048,7 +1928,7 @@
 </p:sldLayout>
 </file>
 
-<file path=ppt/slideLayouts/slideLayout15.xml><?xml version="1.0" encoding="utf-8"?>
+<file path=ppt/slideLayouts/slideLayout14.xml><?xml version="1.0" encoding="utf-8"?>
 <p:sldLayout xmlns:a="http://schemas.openxmlformats.org/drawingml/2006/main" xmlns:r="http://schemas.openxmlformats.org/officeDocument/2006/relationships" xmlns:p="http://schemas.openxmlformats.org/presentationml/2006/main" preserve="1">
   <p:cSld name="Vrai ou faux">
     <p:spTree>
@@ -2077,191 +1957,125 @@
         </p:nvSpPr>
         <p:spPr>
           <a:xfrm>
-            <a:off x="684213" y="685800"/>
-            <a:ext cx="10058400" cy="2743200"/>
+            <a:off x="2589212" y="627407"/>
+            <a:ext cx="8915399" cy="2880020"/>
           </a:xfrm>
         </p:spPr>
         <p:txBody>
-          <a:bodyPr vert="horz" lIns="91440" tIns="45720" rIns="91440" bIns="45720" rtlCol="0" anchor="ctr">
+          <a:bodyPr anchor="ctr">
+            <a:normAutofit/>
+          </a:bodyPr>
+          <a:lstStyle>
+            <a:lvl1pPr algn="l">
+              <a:defRPr sz="4800" b="0"/>
+            </a:lvl1pPr>
+          </a:lstStyle>
+          <a:p>
+            <a:r>
+              <a:rPr lang="fr-FR"/>
+              <a:t>Modifiez le style du titre</a:t>
+            </a:r>
+            <a:endParaRPr lang="en-US" dirty="0"/>
+          </a:p>
+        </p:txBody>
+      </p:sp>
+      <p:sp>
+        <p:nvSpPr>
+          <p:cNvPr id="21" name="Text Placeholder 9"/>
+          <p:cNvSpPr>
+            <a:spLocks noGrp="1"/>
+          </p:cNvSpPr>
+          <p:nvPr>
+            <p:ph type="body" sz="quarter" idx="13"/>
+          </p:nvPr>
+        </p:nvSpPr>
+        <p:spPr>
+          <a:xfrm>
+            <a:off x="2589212" y="4343400"/>
+            <a:ext cx="8915400" cy="838200"/>
+          </a:xfrm>
+        </p:spPr>
+        <p:txBody>
+          <a:bodyPr anchor="b">
+            <a:noAutofit/>
+          </a:bodyPr>
+          <a:lstStyle>
+            <a:lvl1pPr marL="0" indent="0">
+              <a:buFontTx/>
+              <a:buNone/>
+              <a:defRPr sz="2400">
+                <a:solidFill>
+                  <a:schemeClr val="accent1"/>
+                </a:solidFill>
+              </a:defRPr>
+            </a:lvl1pPr>
+            <a:lvl2pPr marL="457200" indent="0">
+              <a:buFontTx/>
+              <a:buNone/>
+              <a:defRPr/>
+            </a:lvl2pPr>
+            <a:lvl3pPr marL="914400" indent="0">
+              <a:buFontTx/>
+              <a:buNone/>
+              <a:defRPr/>
+            </a:lvl3pPr>
+            <a:lvl4pPr marL="1371600" indent="0">
+              <a:buFontTx/>
+              <a:buNone/>
+              <a:defRPr/>
+            </a:lvl4pPr>
+            <a:lvl5pPr marL="1828800" indent="0">
+              <a:buFontTx/>
+              <a:buNone/>
+              <a:defRPr/>
+            </a:lvl5pPr>
+          </a:lstStyle>
+          <a:p>
+            <a:pPr lvl="0"/>
+            <a:r>
+              <a:rPr lang="fr-FR"/>
+              <a:t>Cliquez pour modifier les styles du texte du masque</a:t>
+            </a:r>
+          </a:p>
+        </p:txBody>
+      </p:sp>
+      <p:sp>
+        <p:nvSpPr>
+          <p:cNvPr id="4" name="Text Placeholder 3"/>
+          <p:cNvSpPr>
+            <a:spLocks noGrp="1"/>
+          </p:cNvSpPr>
+          <p:nvPr>
+            <p:ph type="body" sz="half" idx="2"/>
+          </p:nvPr>
+        </p:nvSpPr>
+        <p:spPr>
+          <a:xfrm>
+            <a:off x="2589213" y="5181600"/>
+            <a:ext cx="8915400" cy="729622"/>
+          </a:xfrm>
+        </p:spPr>
+        <p:txBody>
+          <a:bodyPr vert="horz" lIns="91440" tIns="45720" rIns="91440" bIns="45720" rtlCol="0" anchor="t">
             <a:normAutofit/>
           </a:bodyPr>
           <a:lstStyle>
             <a:lvl1pPr>
-              <a:defRPr lang="en-US" b="0" dirty="0"/>
-            </a:lvl1pPr>
-          </a:lstStyle>
-          <a:p>
-            <a:pPr marL="0" lvl="0"/>
-            <a:r>
-              <a:rPr lang="fr-FR"/>
-              <a:t>Modifiez le style du titre</a:t>
-            </a:r>
-            <a:endParaRPr lang="en-US" dirty="0"/>
-          </a:p>
-        </p:txBody>
-      </p:sp>
-      <p:sp>
-        <p:nvSpPr>
-          <p:cNvPr id="10" name="Text Placeholder 9"/>
-          <p:cNvSpPr>
-            <a:spLocks noGrp="1"/>
-          </p:cNvSpPr>
-          <p:nvPr>
-            <p:ph type="body" sz="quarter" idx="13"/>
-          </p:nvPr>
-        </p:nvSpPr>
-        <p:spPr>
-          <a:xfrm>
-            <a:off x="684212" y="3928534"/>
-            <a:ext cx="8534400" cy="838200"/>
-          </a:xfrm>
-        </p:spPr>
-        <p:txBody>
-          <a:bodyPr vert="horz" lIns="91440" tIns="45720" rIns="91440" bIns="45720" rtlCol="0" anchor="b">
-            <a:normAutofit/>
-          </a:bodyPr>
-          <a:lstStyle>
-            <a:lvl1pPr>
-              <a:buNone/>
-              <a:defRPr lang="en-US" sz="2400" b="0" cap="all" dirty="0">
-                <a:ln w="3175" cmpd="sng">
-                  <a:noFill/>
-                </a:ln>
+              <a:buNone/>
+              <a:defRPr lang="en-US">
                 <a:solidFill>
-                  <a:schemeClr val="tx1"/>
-                </a:solidFill>
-                <a:effectLst/>
-              </a:defRPr>
-            </a:lvl1pPr>
-          </a:lstStyle>
-          <a:p>
-            <a:pPr marL="0" lvl="0">
-              <a:spcBef>
-                <a:spcPct val="0"/>
-              </a:spcBef>
-              <a:buNone/>
-            </a:pPr>
-            <a:r>
-              <a:rPr lang="fr-FR"/>
-              <a:t>Cliquez pour modifier les styles du texte du masque</a:t>
-            </a:r>
-          </a:p>
-        </p:txBody>
-      </p:sp>
-      <p:sp>
-        <p:nvSpPr>
-          <p:cNvPr id="3" name="Text Placeholder 2"/>
-          <p:cNvSpPr>
-            <a:spLocks noGrp="1"/>
-          </p:cNvSpPr>
-          <p:nvPr>
-            <p:ph type="body" idx="1"/>
-          </p:nvPr>
-        </p:nvSpPr>
-        <p:spPr>
-          <a:xfrm>
-            <a:off x="684211" y="4766732"/>
-            <a:ext cx="8534401" cy="1227667"/>
-          </a:xfrm>
-        </p:spPr>
-        <p:txBody>
-          <a:bodyPr anchor="t">
-            <a:normAutofit/>
-          </a:bodyPr>
-          <a:lstStyle>
-            <a:lvl1pPr marL="0" indent="0" algn="l">
-              <a:buNone/>
-              <a:defRPr sz="1800">
-                <a:solidFill>
-                  <a:schemeClr val="bg2">
-                    <a:lumMod val="75000"/>
+                  <a:schemeClr val="tx1">
+                    <a:lumMod val="65000"/>
+                    <a:lumOff val="35000"/>
                   </a:schemeClr>
                 </a:solidFill>
               </a:defRPr>
             </a:lvl1pPr>
-            <a:lvl2pPr marL="457200" indent="0">
-              <a:buNone/>
-              <a:defRPr sz="1800">
-                <a:solidFill>
-                  <a:schemeClr val="tx1">
-                    <a:tint val="75000"/>
-                  </a:schemeClr>
-                </a:solidFill>
-              </a:defRPr>
-            </a:lvl2pPr>
-            <a:lvl3pPr marL="914400" indent="0">
-              <a:buNone/>
-              <a:defRPr sz="1600">
-                <a:solidFill>
-                  <a:schemeClr val="tx1">
-                    <a:tint val="75000"/>
-                  </a:schemeClr>
-                </a:solidFill>
-              </a:defRPr>
-            </a:lvl3pPr>
-            <a:lvl4pPr marL="1371600" indent="0">
-              <a:buNone/>
-              <a:defRPr sz="1400">
-                <a:solidFill>
-                  <a:schemeClr val="tx1">
-                    <a:tint val="75000"/>
-                  </a:schemeClr>
-                </a:solidFill>
-              </a:defRPr>
-            </a:lvl4pPr>
-            <a:lvl5pPr marL="1828800" indent="0">
-              <a:buNone/>
-              <a:defRPr sz="1400">
-                <a:solidFill>
-                  <a:schemeClr val="tx1">
-                    <a:tint val="75000"/>
-                  </a:schemeClr>
-                </a:solidFill>
-              </a:defRPr>
-            </a:lvl5pPr>
-            <a:lvl6pPr marL="2286000" indent="0">
-              <a:buNone/>
-              <a:defRPr sz="1400">
-                <a:solidFill>
-                  <a:schemeClr val="tx1">
-                    <a:tint val="75000"/>
-                  </a:schemeClr>
-                </a:solidFill>
-              </a:defRPr>
-            </a:lvl6pPr>
-            <a:lvl7pPr marL="2743200" indent="0">
-              <a:buNone/>
-              <a:defRPr sz="1400">
-                <a:solidFill>
-                  <a:schemeClr val="tx1">
-                    <a:tint val="75000"/>
-                  </a:schemeClr>
-                </a:solidFill>
-              </a:defRPr>
-            </a:lvl7pPr>
-            <a:lvl8pPr marL="3200400" indent="0">
-              <a:buNone/>
-              <a:defRPr sz="1400">
-                <a:solidFill>
-                  <a:schemeClr val="tx1">
-                    <a:tint val="75000"/>
-                  </a:schemeClr>
-                </a:solidFill>
-              </a:defRPr>
-            </a:lvl8pPr>
-            <a:lvl9pPr marL="3657600" indent="0">
-              <a:buNone/>
-              <a:defRPr sz="1400">
-                <a:solidFill>
-                  <a:schemeClr val="tx1">
-                    <a:tint val="75000"/>
-                  </a:schemeClr>
-                </a:solidFill>
-              </a:defRPr>
-            </a:lvl9pPr>
           </a:lstStyle>
           <a:p>
-            <a:pPr lvl="0"/>
+            <a:pPr marL="0" lvl="0" indent="0">
+              <a:buNone/>
+            </a:pPr>
             <a:r>
               <a:rPr lang="fr-FR"/>
               <a:t>Cliquez pour modifier les styles du texte du masque</a:t>
@@ -2271,7 +2085,7 @@
       </p:sp>
       <p:sp>
         <p:nvSpPr>
-          <p:cNvPr id="4" name="Date Placeholder 3"/>
+          <p:cNvPr id="5" name="Date Placeholder 4"/>
           <p:cNvSpPr>
             <a:spLocks noGrp="1"/>
           </p:cNvSpPr>
@@ -2294,7 +2108,7 @@
       </p:sp>
       <p:sp>
         <p:nvSpPr>
-          <p:cNvPr id="5" name="Footer Placeholder 4"/>
+          <p:cNvPr id="6" name="Footer Placeholder 5"/>
           <p:cNvSpPr>
             <a:spLocks noGrp="1"/>
           </p:cNvSpPr>
@@ -2313,7 +2127,89 @@
       </p:sp>
       <p:sp>
         <p:nvSpPr>
-          <p:cNvPr id="6" name="Slide Number Placeholder 5"/>
+          <p:cNvPr id="9" name="Freeform 11"/>
+          <p:cNvSpPr/>
+          <p:nvPr/>
+        </p:nvSpPr>
+        <p:spPr bwMode="auto">
+          <a:xfrm flipV="1">
+            <a:off x="-4189" y="4911725"/>
+            <a:ext cx="1588527" cy="507297"/>
+          </a:xfrm>
+          <a:custGeom>
+            <a:avLst/>
+            <a:gdLst/>
+            <a:ahLst/>
+            <a:cxnLst/>
+            <a:rect l="l" t="t" r="r" b="b"/>
+            <a:pathLst>
+              <a:path w="9248" h="10000">
+                <a:moveTo>
+                  <a:pt x="9248" y="4701"/>
+                </a:moveTo>
+                <a:lnTo>
+                  <a:pt x="7915" y="188"/>
+                </a:lnTo>
+                <a:cubicBezTo>
+                  <a:pt x="7906" y="156"/>
+                  <a:pt x="7895" y="126"/>
+                  <a:pt x="7886" y="94"/>
+                </a:cubicBezTo>
+                <a:cubicBezTo>
+                  <a:pt x="7859" y="0"/>
+                  <a:pt x="7831" y="0"/>
+                  <a:pt x="7803" y="0"/>
+                </a:cubicBezTo>
+                <a:lnTo>
+                  <a:pt x="7275" y="0"/>
+                </a:lnTo>
+                <a:lnTo>
+                  <a:pt x="0" y="70"/>
+                </a:lnTo>
+                <a:cubicBezTo>
+                  <a:pt x="8" y="3380"/>
+                  <a:pt x="17" y="6690"/>
+                  <a:pt x="25" y="10000"/>
+                </a:cubicBezTo>
+                <a:lnTo>
+                  <a:pt x="7275" y="9966"/>
+                </a:lnTo>
+                <a:lnTo>
+                  <a:pt x="7803" y="9966"/>
+                </a:lnTo>
+                <a:cubicBezTo>
+                  <a:pt x="7831" y="9966"/>
+                  <a:pt x="7859" y="9872"/>
+                  <a:pt x="7886" y="9872"/>
+                </a:cubicBezTo>
+                <a:cubicBezTo>
+                  <a:pt x="7886" y="9778"/>
+                  <a:pt x="7915" y="9778"/>
+                  <a:pt x="7915" y="9778"/>
+                </a:cubicBezTo>
+                <a:lnTo>
+                  <a:pt x="9248" y="5265"/>
+                </a:lnTo>
+                <a:cubicBezTo>
+                  <a:pt x="9303" y="5077"/>
+                  <a:pt x="9303" y="4889"/>
+                  <a:pt x="9248" y="4701"/>
+                </a:cubicBezTo>
+                <a:close/>
+              </a:path>
+            </a:pathLst>
+          </a:custGeom>
+          <a:solidFill>
+            <a:schemeClr val="accent1"/>
+          </a:solidFill>
+          <a:ln>
+            <a:noFill/>
+          </a:ln>
+        </p:spPr>
+      </p:sp>
+      <p:sp>
+        <p:nvSpPr>
+          <p:cNvPr id="7" name="Slide Number Placeholder 6"/>
           <p:cNvSpPr>
             <a:spLocks noGrp="1"/>
           </p:cNvSpPr>
@@ -2321,7 +2217,12 @@
             <p:ph type="sldNum" sz="quarter" idx="12"/>
           </p:nvPr>
         </p:nvSpPr>
-        <p:spPr/>
+        <p:spPr>
+          <a:xfrm>
+            <a:off x="531812" y="4983087"/>
+            <a:ext cx="779767" cy="365125"/>
+          </a:xfrm>
+        </p:spPr>
         <p:txBody>
           <a:bodyPr/>
           <a:lstStyle/>
@@ -2337,7 +2238,7 @@
     </p:spTree>
     <p:extLst>
       <p:ext uri="{BB962C8B-B14F-4D97-AF65-F5344CB8AC3E}">
-        <p14:creationId xmlns:p14="http://schemas.microsoft.com/office/powerpoint/2010/main" val="1532819510"/>
+        <p14:creationId xmlns:p14="http://schemas.microsoft.com/office/powerpoint/2010/main" val="3180313132"/>
       </p:ext>
     </p:extLst>
   </p:cSld>
@@ -2347,7 +2248,7 @@
 </p:sldLayout>
 </file>
 
-<file path=ppt/slideLayouts/slideLayout16.xml><?xml version="1.0" encoding="utf-8"?>
+<file path=ppt/slideLayouts/slideLayout15.xml><?xml version="1.0" encoding="utf-8"?>
 <p:sldLayout xmlns:a="http://schemas.openxmlformats.org/drawingml/2006/main" xmlns:r="http://schemas.openxmlformats.org/officeDocument/2006/relationships" xmlns:p="http://schemas.openxmlformats.org/presentationml/2006/main" type="vertTx" preserve="1">
   <p:cSld name="Titre et texte vertical">
     <p:spTree>
@@ -2377,11 +2278,7 @@
         <p:spPr/>
         <p:txBody>
           <a:bodyPr/>
-          <a:lstStyle>
-            <a:lvl1pPr algn="l">
-              <a:defRPr/>
-            </a:lvl1pPr>
-          </a:lstStyle>
+          <a:lstStyle/>
           <a:p>
             <a:r>
               <a:rPr lang="fr-FR"/>
@@ -2487,6 +2384,88 @@
       </p:sp>
       <p:sp>
         <p:nvSpPr>
+          <p:cNvPr id="8" name="Freeform 11"/>
+          <p:cNvSpPr/>
+          <p:nvPr/>
+        </p:nvSpPr>
+        <p:spPr bwMode="auto">
+          <a:xfrm flipV="1">
+            <a:off x="-4189" y="714375"/>
+            <a:ext cx="1588527" cy="507297"/>
+          </a:xfrm>
+          <a:custGeom>
+            <a:avLst/>
+            <a:gdLst/>
+            <a:ahLst/>
+            <a:cxnLst/>
+            <a:rect l="l" t="t" r="r" b="b"/>
+            <a:pathLst>
+              <a:path w="9248" h="10000">
+                <a:moveTo>
+                  <a:pt x="9248" y="4701"/>
+                </a:moveTo>
+                <a:lnTo>
+                  <a:pt x="7915" y="188"/>
+                </a:lnTo>
+                <a:cubicBezTo>
+                  <a:pt x="7906" y="156"/>
+                  <a:pt x="7895" y="126"/>
+                  <a:pt x="7886" y="94"/>
+                </a:cubicBezTo>
+                <a:cubicBezTo>
+                  <a:pt x="7859" y="0"/>
+                  <a:pt x="7831" y="0"/>
+                  <a:pt x="7803" y="0"/>
+                </a:cubicBezTo>
+                <a:lnTo>
+                  <a:pt x="7275" y="0"/>
+                </a:lnTo>
+                <a:lnTo>
+                  <a:pt x="0" y="70"/>
+                </a:lnTo>
+                <a:cubicBezTo>
+                  <a:pt x="8" y="3380"/>
+                  <a:pt x="17" y="6690"/>
+                  <a:pt x="25" y="10000"/>
+                </a:cubicBezTo>
+                <a:lnTo>
+                  <a:pt x="7275" y="9966"/>
+                </a:lnTo>
+                <a:lnTo>
+                  <a:pt x="7803" y="9966"/>
+                </a:lnTo>
+                <a:cubicBezTo>
+                  <a:pt x="7831" y="9966"/>
+                  <a:pt x="7859" y="9872"/>
+                  <a:pt x="7886" y="9872"/>
+                </a:cubicBezTo>
+                <a:cubicBezTo>
+                  <a:pt x="7886" y="9778"/>
+                  <a:pt x="7915" y="9778"/>
+                  <a:pt x="7915" y="9778"/>
+                </a:cubicBezTo>
+                <a:lnTo>
+                  <a:pt x="9248" y="5265"/>
+                </a:lnTo>
+                <a:cubicBezTo>
+                  <a:pt x="9303" y="5077"/>
+                  <a:pt x="9303" y="4889"/>
+                  <a:pt x="9248" y="4701"/>
+                </a:cubicBezTo>
+                <a:close/>
+              </a:path>
+            </a:pathLst>
+          </a:custGeom>
+          <a:solidFill>
+            <a:schemeClr val="accent1"/>
+          </a:solidFill>
+          <a:ln>
+            <a:noFill/>
+          </a:ln>
+        </p:spPr>
+      </p:sp>
+      <p:sp>
+        <p:nvSpPr>
           <p:cNvPr id="6" name="Slide Number Placeholder 5"/>
           <p:cNvSpPr>
             <a:spLocks noGrp="1"/>
@@ -2511,7 +2490,7 @@
     </p:spTree>
     <p:extLst>
       <p:ext uri="{BB962C8B-B14F-4D97-AF65-F5344CB8AC3E}">
-        <p14:creationId xmlns:p14="http://schemas.microsoft.com/office/powerpoint/2010/main" val="4166997686"/>
+        <p14:creationId xmlns:p14="http://schemas.microsoft.com/office/powerpoint/2010/main" val="2077557612"/>
       </p:ext>
     </p:extLst>
   </p:cSld>
@@ -2521,7 +2500,7 @@
 </p:sldLayout>
 </file>
 
-<file path=ppt/slideLayouts/slideLayout17.xml><?xml version="1.0" encoding="utf-8"?>
+<file path=ppt/slideLayouts/slideLayout16.xml><?xml version="1.0" encoding="utf-8"?>
 <p:sldLayout xmlns:a="http://schemas.openxmlformats.org/drawingml/2006/main" xmlns:r="http://schemas.openxmlformats.org/officeDocument/2006/relationships" xmlns:p="http://schemas.openxmlformats.org/presentationml/2006/main" type="vertTitleAndTx" preserve="1">
   <p:cSld name="Titre vertical et texte">
     <p:spTree>
@@ -2550,12 +2529,12 @@
         </p:nvSpPr>
         <p:spPr>
           <a:xfrm>
-            <a:off x="8685212" y="685800"/>
-            <a:ext cx="2057400" cy="4572000"/>
+            <a:off x="9294812" y="627405"/>
+            <a:ext cx="2207601" cy="5283817"/>
           </a:xfrm>
         </p:spPr>
         <p:txBody>
-          <a:bodyPr vert="eaVert"/>
+          <a:bodyPr vert="eaVert" anchor="ctr"/>
           <a:lstStyle/>
           <a:p>
             <a:r>
@@ -2578,12 +2557,12 @@
         </p:nvSpPr>
         <p:spPr>
           <a:xfrm>
-            <a:off x="685800" y="685800"/>
-            <a:ext cx="7823200" cy="5308600"/>
+            <a:off x="2589212" y="627405"/>
+            <a:ext cx="6477000" cy="5283817"/>
           </a:xfrm>
         </p:spPr>
         <p:txBody>
-          <a:bodyPr vert="eaVert" anchor="t"/>
+          <a:bodyPr vert="eaVert"/>
           <a:lstStyle/>
           <a:p>
             <a:pPr lvl="0"/>
@@ -2667,6 +2646,88 @@
       </p:sp>
       <p:sp>
         <p:nvSpPr>
+          <p:cNvPr id="8" name="Freeform 11"/>
+          <p:cNvSpPr/>
+          <p:nvPr/>
+        </p:nvSpPr>
+        <p:spPr bwMode="auto">
+          <a:xfrm flipV="1">
+            <a:off x="-4189" y="714375"/>
+            <a:ext cx="1588527" cy="507297"/>
+          </a:xfrm>
+          <a:custGeom>
+            <a:avLst/>
+            <a:gdLst/>
+            <a:ahLst/>
+            <a:cxnLst/>
+            <a:rect l="l" t="t" r="r" b="b"/>
+            <a:pathLst>
+              <a:path w="9248" h="10000">
+                <a:moveTo>
+                  <a:pt x="9248" y="4701"/>
+                </a:moveTo>
+                <a:lnTo>
+                  <a:pt x="7915" y="188"/>
+                </a:lnTo>
+                <a:cubicBezTo>
+                  <a:pt x="7906" y="156"/>
+                  <a:pt x="7895" y="126"/>
+                  <a:pt x="7886" y="94"/>
+                </a:cubicBezTo>
+                <a:cubicBezTo>
+                  <a:pt x="7859" y="0"/>
+                  <a:pt x="7831" y="0"/>
+                  <a:pt x="7803" y="0"/>
+                </a:cubicBezTo>
+                <a:lnTo>
+                  <a:pt x="7275" y="0"/>
+                </a:lnTo>
+                <a:lnTo>
+                  <a:pt x="0" y="70"/>
+                </a:lnTo>
+                <a:cubicBezTo>
+                  <a:pt x="8" y="3380"/>
+                  <a:pt x="17" y="6690"/>
+                  <a:pt x="25" y="10000"/>
+                </a:cubicBezTo>
+                <a:lnTo>
+                  <a:pt x="7275" y="9966"/>
+                </a:lnTo>
+                <a:lnTo>
+                  <a:pt x="7803" y="9966"/>
+                </a:lnTo>
+                <a:cubicBezTo>
+                  <a:pt x="7831" y="9966"/>
+                  <a:pt x="7859" y="9872"/>
+                  <a:pt x="7886" y="9872"/>
+                </a:cubicBezTo>
+                <a:cubicBezTo>
+                  <a:pt x="7886" y="9778"/>
+                  <a:pt x="7915" y="9778"/>
+                  <a:pt x="7915" y="9778"/>
+                </a:cubicBezTo>
+                <a:lnTo>
+                  <a:pt x="9248" y="5265"/>
+                </a:lnTo>
+                <a:cubicBezTo>
+                  <a:pt x="9303" y="5077"/>
+                  <a:pt x="9303" y="4889"/>
+                  <a:pt x="9248" y="4701"/>
+                </a:cubicBezTo>
+                <a:close/>
+              </a:path>
+            </a:pathLst>
+          </a:custGeom>
+          <a:solidFill>
+            <a:schemeClr val="accent1"/>
+          </a:solidFill>
+          <a:ln>
+            <a:noFill/>
+          </a:ln>
+        </p:spPr>
+      </p:sp>
+      <p:sp>
+        <p:nvSpPr>
           <p:cNvPr id="6" name="Slide Number Placeholder 5"/>
           <p:cNvSpPr>
             <a:spLocks noGrp="1"/>
@@ -2691,7 +2752,7 @@
     </p:spTree>
     <p:extLst>
       <p:ext uri="{BB962C8B-B14F-4D97-AF65-F5344CB8AC3E}">
-        <p14:creationId xmlns:p14="http://schemas.microsoft.com/office/powerpoint/2010/main" val="3874953432"/>
+        <p14:creationId xmlns:p14="http://schemas.microsoft.com/office/powerpoint/2010/main" val="1141569768"/>
       </p:ext>
     </p:extLst>
   </p:cSld>
@@ -2728,7 +2789,12 @@
             <p:ph type="title"/>
           </p:nvPr>
         </p:nvSpPr>
-        <p:spPr/>
+        <p:spPr>
+          <a:xfrm>
+            <a:off x="2592925" y="624110"/>
+            <a:ext cx="8911687" cy="1280890"/>
+          </a:xfrm>
+        </p:spPr>
         <p:txBody>
           <a:bodyPr/>
           <a:lstStyle/>
@@ -2751,9 +2817,14 @@
             <p:ph idx="1"/>
           </p:nvPr>
         </p:nvSpPr>
-        <p:spPr/>
-        <p:txBody>
-          <a:bodyPr anchor="ctr"/>
+        <p:spPr>
+          <a:xfrm>
+            <a:off x="2589212" y="2133600"/>
+            <a:ext cx="8915400" cy="3777622"/>
+          </a:xfrm>
+        </p:spPr>
+        <p:txBody>
+          <a:bodyPr/>
           <a:lstStyle/>
           <a:p>
             <a:pPr lvl="0"/>
@@ -2837,6 +2908,88 @@
       </p:sp>
       <p:sp>
         <p:nvSpPr>
+          <p:cNvPr id="8" name="Freeform 11"/>
+          <p:cNvSpPr/>
+          <p:nvPr/>
+        </p:nvSpPr>
+        <p:spPr bwMode="auto">
+          <a:xfrm flipV="1">
+            <a:off x="-4189" y="714375"/>
+            <a:ext cx="1588527" cy="507297"/>
+          </a:xfrm>
+          <a:custGeom>
+            <a:avLst/>
+            <a:gdLst/>
+            <a:ahLst/>
+            <a:cxnLst/>
+            <a:rect l="l" t="t" r="r" b="b"/>
+            <a:pathLst>
+              <a:path w="9248" h="10000">
+                <a:moveTo>
+                  <a:pt x="9248" y="4701"/>
+                </a:moveTo>
+                <a:lnTo>
+                  <a:pt x="7915" y="188"/>
+                </a:lnTo>
+                <a:cubicBezTo>
+                  <a:pt x="7906" y="156"/>
+                  <a:pt x="7895" y="126"/>
+                  <a:pt x="7886" y="94"/>
+                </a:cubicBezTo>
+                <a:cubicBezTo>
+                  <a:pt x="7859" y="0"/>
+                  <a:pt x="7831" y="0"/>
+                  <a:pt x="7803" y="0"/>
+                </a:cubicBezTo>
+                <a:lnTo>
+                  <a:pt x="7275" y="0"/>
+                </a:lnTo>
+                <a:lnTo>
+                  <a:pt x="0" y="70"/>
+                </a:lnTo>
+                <a:cubicBezTo>
+                  <a:pt x="8" y="3380"/>
+                  <a:pt x="17" y="6690"/>
+                  <a:pt x="25" y="10000"/>
+                </a:cubicBezTo>
+                <a:lnTo>
+                  <a:pt x="7275" y="9966"/>
+                </a:lnTo>
+                <a:lnTo>
+                  <a:pt x="7803" y="9966"/>
+                </a:lnTo>
+                <a:cubicBezTo>
+                  <a:pt x="7831" y="9966"/>
+                  <a:pt x="7859" y="9872"/>
+                  <a:pt x="7886" y="9872"/>
+                </a:cubicBezTo>
+                <a:cubicBezTo>
+                  <a:pt x="7886" y="9778"/>
+                  <a:pt x="7915" y="9778"/>
+                  <a:pt x="7915" y="9778"/>
+                </a:cubicBezTo>
+                <a:lnTo>
+                  <a:pt x="9248" y="5265"/>
+                </a:lnTo>
+                <a:cubicBezTo>
+                  <a:pt x="9303" y="5077"/>
+                  <a:pt x="9303" y="4889"/>
+                  <a:pt x="9248" y="4701"/>
+                </a:cubicBezTo>
+                <a:close/>
+              </a:path>
+            </a:pathLst>
+          </a:custGeom>
+          <a:solidFill>
+            <a:schemeClr val="accent1"/>
+          </a:solidFill>
+          <a:ln>
+            <a:noFill/>
+          </a:ln>
+        </p:spPr>
+      </p:sp>
+      <p:sp>
+        <p:nvSpPr>
           <p:cNvPr id="6" name="Slide Number Placeholder 5"/>
           <p:cNvSpPr>
             <a:spLocks noGrp="1"/>
@@ -2861,7 +3014,7 @@
     </p:spTree>
     <p:extLst>
       <p:ext uri="{BB962C8B-B14F-4D97-AF65-F5344CB8AC3E}">
-        <p14:creationId xmlns:p14="http://schemas.microsoft.com/office/powerpoint/2010/main" val="1778389707"/>
+        <p14:creationId xmlns:p14="http://schemas.microsoft.com/office/powerpoint/2010/main" val="3771047405"/>
       </p:ext>
     </p:extLst>
   </p:cSld>
@@ -2900,17 +3053,15 @@
         </p:nvSpPr>
         <p:spPr>
           <a:xfrm>
-            <a:off x="684211" y="2006600"/>
-            <a:ext cx="8534401" cy="2281600"/>
+            <a:off x="2589212" y="2058750"/>
+            <a:ext cx="8915399" cy="1468800"/>
           </a:xfrm>
         </p:spPr>
         <p:txBody>
-          <a:bodyPr anchor="b">
-            <a:normAutofit/>
-          </a:bodyPr>
+          <a:bodyPr anchor="b"/>
           <a:lstStyle>
             <a:lvl1pPr algn="l">
-              <a:defRPr sz="3600" b="0" cap="all"/>
+              <a:defRPr sz="4000" b="0" cap="none"/>
             </a:lvl1pPr>
           </a:lstStyle>
           <a:p>
@@ -2934,21 +3085,20 @@
         </p:nvSpPr>
         <p:spPr>
           <a:xfrm>
-            <a:off x="684213" y="4495800"/>
-            <a:ext cx="8534400" cy="1498600"/>
+            <a:off x="2589212" y="3530129"/>
+            <a:ext cx="8915399" cy="860400"/>
           </a:xfrm>
         </p:spPr>
         <p:txBody>
-          <a:bodyPr anchor="t">
-            <a:normAutofit/>
-          </a:bodyPr>
+          <a:bodyPr anchor="t"/>
           <a:lstStyle>
             <a:lvl1pPr marL="0" indent="0" algn="l">
               <a:buNone/>
-              <a:defRPr sz="1800">
+              <a:defRPr sz="2000">
                 <a:solidFill>
-                  <a:schemeClr val="bg2">
-                    <a:lumMod val="75000"/>
+                  <a:schemeClr val="tx1">
+                    <a:lumMod val="65000"/>
+                    <a:lumOff val="35000"/>
                   </a:schemeClr>
                 </a:solidFill>
               </a:defRPr>
@@ -3087,6 +3237,88 @@
       </p:sp>
       <p:sp>
         <p:nvSpPr>
+          <p:cNvPr id="9" name="Freeform 11"/>
+          <p:cNvSpPr/>
+          <p:nvPr/>
+        </p:nvSpPr>
+        <p:spPr bwMode="auto">
+          <a:xfrm flipV="1">
+            <a:off x="-4189" y="3178175"/>
+            <a:ext cx="1588527" cy="507297"/>
+          </a:xfrm>
+          <a:custGeom>
+            <a:avLst/>
+            <a:gdLst/>
+            <a:ahLst/>
+            <a:cxnLst/>
+            <a:rect l="l" t="t" r="r" b="b"/>
+            <a:pathLst>
+              <a:path w="9248" h="10000">
+                <a:moveTo>
+                  <a:pt x="9248" y="4701"/>
+                </a:moveTo>
+                <a:lnTo>
+                  <a:pt x="7915" y="188"/>
+                </a:lnTo>
+                <a:cubicBezTo>
+                  <a:pt x="7906" y="156"/>
+                  <a:pt x="7895" y="126"/>
+                  <a:pt x="7886" y="94"/>
+                </a:cubicBezTo>
+                <a:cubicBezTo>
+                  <a:pt x="7859" y="0"/>
+                  <a:pt x="7831" y="0"/>
+                  <a:pt x="7803" y="0"/>
+                </a:cubicBezTo>
+                <a:lnTo>
+                  <a:pt x="7275" y="0"/>
+                </a:lnTo>
+                <a:lnTo>
+                  <a:pt x="0" y="70"/>
+                </a:lnTo>
+                <a:cubicBezTo>
+                  <a:pt x="8" y="3380"/>
+                  <a:pt x="17" y="6690"/>
+                  <a:pt x="25" y="10000"/>
+                </a:cubicBezTo>
+                <a:lnTo>
+                  <a:pt x="7275" y="9966"/>
+                </a:lnTo>
+                <a:lnTo>
+                  <a:pt x="7803" y="9966"/>
+                </a:lnTo>
+                <a:cubicBezTo>
+                  <a:pt x="7831" y="9966"/>
+                  <a:pt x="7859" y="9872"/>
+                  <a:pt x="7886" y="9872"/>
+                </a:cubicBezTo>
+                <a:cubicBezTo>
+                  <a:pt x="7886" y="9778"/>
+                  <a:pt x="7915" y="9778"/>
+                  <a:pt x="7915" y="9778"/>
+                </a:cubicBezTo>
+                <a:lnTo>
+                  <a:pt x="9248" y="5265"/>
+                </a:lnTo>
+                <a:cubicBezTo>
+                  <a:pt x="9303" y="5077"/>
+                  <a:pt x="9303" y="4889"/>
+                  <a:pt x="9248" y="4701"/>
+                </a:cubicBezTo>
+                <a:close/>
+              </a:path>
+            </a:pathLst>
+          </a:custGeom>
+          <a:solidFill>
+            <a:schemeClr val="accent1"/>
+          </a:solidFill>
+          <a:ln>
+            <a:noFill/>
+          </a:ln>
+        </p:spPr>
+      </p:sp>
+      <p:sp>
+        <p:nvSpPr>
           <p:cNvPr id="6" name="Slide Number Placeholder 5"/>
           <p:cNvSpPr>
             <a:spLocks noGrp="1"/>
@@ -3095,7 +3327,12 @@
             <p:ph type="sldNum" sz="quarter" idx="12"/>
           </p:nvPr>
         </p:nvSpPr>
-        <p:spPr/>
+        <p:spPr>
+          <a:xfrm>
+            <a:off x="531812" y="3244139"/>
+            <a:ext cx="779767" cy="365125"/>
+          </a:xfrm>
+        </p:spPr>
         <p:txBody>
           <a:bodyPr/>
           <a:lstStyle/>
@@ -3111,7 +3348,7 @@
     </p:spTree>
     <p:extLst>
       <p:ext uri="{BB962C8B-B14F-4D97-AF65-F5344CB8AC3E}">
-        <p14:creationId xmlns:p14="http://schemas.microsoft.com/office/powerpoint/2010/main" val="1309488534"/>
+        <p14:creationId xmlns:p14="http://schemas.microsoft.com/office/powerpoint/2010/main" val="2557197479"/>
       </p:ext>
     </p:extLst>
   </p:cSld>
@@ -3140,7 +3377,7 @@
       </p:grpSpPr>
       <p:sp>
         <p:nvSpPr>
-          <p:cNvPr id="2" name="Title 1"/>
+          <p:cNvPr id="8" name="Title 7"/>
           <p:cNvSpPr>
             <a:spLocks noGrp="1"/>
           </p:cNvSpPr>
@@ -3173,8 +3410,8 @@
         </p:nvSpPr>
         <p:spPr>
           <a:xfrm>
-            <a:off x="684211" y="685800"/>
-            <a:ext cx="4937655" cy="3615267"/>
+            <a:off x="2589212" y="2133600"/>
+            <a:ext cx="4313864" cy="3777622"/>
           </a:xfrm>
         </p:spPr>
         <p:txBody>
@@ -3232,8 +3469,8 @@
         </p:nvSpPr>
         <p:spPr>
           <a:xfrm>
-            <a:off x="5808133" y="685801"/>
-            <a:ext cx="4934479" cy="3615266"/>
+            <a:off x="7190747" y="2126222"/>
+            <a:ext cx="4313864" cy="3777622"/>
           </a:xfrm>
         </p:spPr>
         <p:txBody>
@@ -3323,7 +3560,89 @@
       </p:sp>
       <p:sp>
         <p:nvSpPr>
-          <p:cNvPr id="7" name="Slide Number Placeholder 6"/>
+          <p:cNvPr id="10" name="Freeform 11"/>
+          <p:cNvSpPr/>
+          <p:nvPr/>
+        </p:nvSpPr>
+        <p:spPr bwMode="auto">
+          <a:xfrm flipV="1">
+            <a:off x="-4189" y="714375"/>
+            <a:ext cx="1588527" cy="507297"/>
+          </a:xfrm>
+          <a:custGeom>
+            <a:avLst/>
+            <a:gdLst/>
+            <a:ahLst/>
+            <a:cxnLst/>
+            <a:rect l="l" t="t" r="r" b="b"/>
+            <a:pathLst>
+              <a:path w="9248" h="10000">
+                <a:moveTo>
+                  <a:pt x="9248" y="4701"/>
+                </a:moveTo>
+                <a:lnTo>
+                  <a:pt x="7915" y="188"/>
+                </a:lnTo>
+                <a:cubicBezTo>
+                  <a:pt x="7906" y="156"/>
+                  <a:pt x="7895" y="126"/>
+                  <a:pt x="7886" y="94"/>
+                </a:cubicBezTo>
+                <a:cubicBezTo>
+                  <a:pt x="7859" y="0"/>
+                  <a:pt x="7831" y="0"/>
+                  <a:pt x="7803" y="0"/>
+                </a:cubicBezTo>
+                <a:lnTo>
+                  <a:pt x="7275" y="0"/>
+                </a:lnTo>
+                <a:lnTo>
+                  <a:pt x="0" y="70"/>
+                </a:lnTo>
+                <a:cubicBezTo>
+                  <a:pt x="8" y="3380"/>
+                  <a:pt x="17" y="6690"/>
+                  <a:pt x="25" y="10000"/>
+                </a:cubicBezTo>
+                <a:lnTo>
+                  <a:pt x="7275" y="9966"/>
+                </a:lnTo>
+                <a:lnTo>
+                  <a:pt x="7803" y="9966"/>
+                </a:lnTo>
+                <a:cubicBezTo>
+                  <a:pt x="7831" y="9966"/>
+                  <a:pt x="7859" y="9872"/>
+                  <a:pt x="7886" y="9872"/>
+                </a:cubicBezTo>
+                <a:cubicBezTo>
+                  <a:pt x="7886" y="9778"/>
+                  <a:pt x="7915" y="9778"/>
+                  <a:pt x="7915" y="9778"/>
+                </a:cubicBezTo>
+                <a:lnTo>
+                  <a:pt x="9248" y="5265"/>
+                </a:lnTo>
+                <a:cubicBezTo>
+                  <a:pt x="9303" y="5077"/>
+                  <a:pt x="9303" y="4889"/>
+                  <a:pt x="9248" y="4701"/>
+                </a:cubicBezTo>
+                <a:close/>
+              </a:path>
+            </a:pathLst>
+          </a:custGeom>
+          <a:solidFill>
+            <a:schemeClr val="accent1"/>
+          </a:solidFill>
+          <a:ln>
+            <a:noFill/>
+          </a:ln>
+        </p:spPr>
+      </p:sp>
+      <p:sp>
+        <p:nvSpPr>
+          <p:cNvPr id="11" name="Slide Number Placeholder 5"/>
           <p:cNvSpPr>
             <a:spLocks noGrp="1"/>
           </p:cNvSpPr>
@@ -3331,7 +3650,12 @@
             <p:ph type="sldNum" sz="quarter" idx="12"/>
           </p:nvPr>
         </p:nvSpPr>
-        <p:spPr/>
+        <p:spPr>
+          <a:xfrm>
+            <a:off x="531812" y="787782"/>
+            <a:ext cx="779767" cy="365125"/>
+          </a:xfrm>
+        </p:spPr>
         <p:txBody>
           <a:bodyPr/>
           <a:lstStyle/>
@@ -3347,7 +3671,7 @@
     </p:spTree>
     <p:extLst>
       <p:ext uri="{BB962C8B-B14F-4D97-AF65-F5344CB8AC3E}">
-        <p14:creationId xmlns:p14="http://schemas.microsoft.com/office/powerpoint/2010/main" val="2515069304"/>
+        <p14:creationId xmlns:p14="http://schemas.microsoft.com/office/powerpoint/2010/main" val="2467630967"/>
       </p:ext>
     </p:extLst>
   </p:cSld>
@@ -3376,7 +3700,7 @@
       </p:grpSpPr>
       <p:sp>
         <p:nvSpPr>
-          <p:cNvPr id="2" name="Title 1"/>
+          <p:cNvPr id="10" name="Title 9"/>
           <p:cNvSpPr>
             <a:spLocks noGrp="1"/>
           </p:cNvSpPr>
@@ -3387,11 +3711,7 @@
         <p:spPr/>
         <p:txBody>
           <a:bodyPr/>
-          <a:lstStyle>
-            <a:lvl1pPr>
-              <a:defRPr/>
-            </a:lvl1pPr>
-          </a:lstStyle>
+          <a:lstStyle/>
           <a:p>
             <a:r>
               <a:rPr lang="fr-FR"/>
@@ -3413,8 +3733,8 @@
         </p:nvSpPr>
         <p:spPr>
           <a:xfrm>
-            <a:off x="972080" y="685800"/>
-            <a:ext cx="4649787" cy="576262"/>
+            <a:off x="2939373" y="1972703"/>
+            <a:ext cx="3992732" cy="576262"/>
           </a:xfrm>
         </p:spPr>
         <p:txBody>
@@ -3424,11 +3744,7 @@
           <a:lstStyle>
             <a:lvl1pPr marL="0" indent="0">
               <a:buNone/>
-              <a:defRPr sz="2800" b="0">
-                <a:solidFill>
-                  <a:schemeClr val="tx1"/>
-                </a:solidFill>
-              </a:defRPr>
+              <a:defRPr sz="2400" b="0"/>
             </a:lvl1pPr>
             <a:lvl2pPr marL="457200" indent="0">
               <a:buNone/>
@@ -3484,12 +3800,12 @@
         </p:nvSpPr>
         <p:spPr>
           <a:xfrm>
-            <a:off x="684211" y="1270529"/>
-            <a:ext cx="4937655" cy="3030538"/>
+            <a:off x="2589212" y="2548966"/>
+            <a:ext cx="4342893" cy="3354060"/>
           </a:xfrm>
         </p:spPr>
         <p:txBody>
-          <a:bodyPr anchor="t">
+          <a:bodyPr>
             <a:normAutofit/>
           </a:bodyPr>
           <a:lstStyle/>
@@ -3543,8 +3859,8 @@
         </p:nvSpPr>
         <p:spPr>
           <a:xfrm>
-            <a:off x="6079066" y="685800"/>
-            <a:ext cx="4665134" cy="576262"/>
+            <a:off x="7506629" y="1969475"/>
+            <a:ext cx="3999001" cy="576262"/>
           </a:xfrm>
         </p:spPr>
         <p:txBody>
@@ -3554,11 +3870,7 @@
           <a:lstStyle>
             <a:lvl1pPr marL="0" indent="0">
               <a:buNone/>
-              <a:defRPr sz="2800" b="0">
-                <a:solidFill>
-                  <a:schemeClr val="tx1"/>
-                </a:solidFill>
-              </a:defRPr>
+              <a:defRPr sz="2400" b="0"/>
             </a:lvl1pPr>
             <a:lvl2pPr marL="457200" indent="0">
               <a:buNone/>
@@ -3614,12 +3926,12 @@
         </p:nvSpPr>
         <p:spPr>
           <a:xfrm>
-            <a:off x="5806545" y="1262062"/>
-            <a:ext cx="4929188" cy="3030538"/>
+            <a:off x="7166957" y="2545738"/>
+            <a:ext cx="4338674" cy="3354060"/>
           </a:xfrm>
         </p:spPr>
         <p:txBody>
-          <a:bodyPr anchor="t">
+          <a:bodyPr>
             <a:normAutofit/>
           </a:bodyPr>
           <a:lstStyle/>
@@ -3705,7 +4017,89 @@
       </p:sp>
       <p:sp>
         <p:nvSpPr>
-          <p:cNvPr id="9" name="Slide Number Placeholder 8"/>
+          <p:cNvPr id="12" name="Freeform 11"/>
+          <p:cNvSpPr/>
+          <p:nvPr/>
+        </p:nvSpPr>
+        <p:spPr bwMode="auto">
+          <a:xfrm flipV="1">
+            <a:off x="-4189" y="714375"/>
+            <a:ext cx="1588527" cy="507297"/>
+          </a:xfrm>
+          <a:custGeom>
+            <a:avLst/>
+            <a:gdLst/>
+            <a:ahLst/>
+            <a:cxnLst/>
+            <a:rect l="l" t="t" r="r" b="b"/>
+            <a:pathLst>
+              <a:path w="9248" h="10000">
+                <a:moveTo>
+                  <a:pt x="9248" y="4701"/>
+                </a:moveTo>
+                <a:lnTo>
+                  <a:pt x="7915" y="188"/>
+                </a:lnTo>
+                <a:cubicBezTo>
+                  <a:pt x="7906" y="156"/>
+                  <a:pt x="7895" y="126"/>
+                  <a:pt x="7886" y="94"/>
+                </a:cubicBezTo>
+                <a:cubicBezTo>
+                  <a:pt x="7859" y="0"/>
+                  <a:pt x="7831" y="0"/>
+                  <a:pt x="7803" y="0"/>
+                </a:cubicBezTo>
+                <a:lnTo>
+                  <a:pt x="7275" y="0"/>
+                </a:lnTo>
+                <a:lnTo>
+                  <a:pt x="0" y="70"/>
+                </a:lnTo>
+                <a:cubicBezTo>
+                  <a:pt x="8" y="3380"/>
+                  <a:pt x="17" y="6690"/>
+                  <a:pt x="25" y="10000"/>
+                </a:cubicBezTo>
+                <a:lnTo>
+                  <a:pt x="7275" y="9966"/>
+                </a:lnTo>
+                <a:lnTo>
+                  <a:pt x="7803" y="9966"/>
+                </a:lnTo>
+                <a:cubicBezTo>
+                  <a:pt x="7831" y="9966"/>
+                  <a:pt x="7859" y="9872"/>
+                  <a:pt x="7886" y="9872"/>
+                </a:cubicBezTo>
+                <a:cubicBezTo>
+                  <a:pt x="7886" y="9778"/>
+                  <a:pt x="7915" y="9778"/>
+                  <a:pt x="7915" y="9778"/>
+                </a:cubicBezTo>
+                <a:lnTo>
+                  <a:pt x="9248" y="5265"/>
+                </a:lnTo>
+                <a:cubicBezTo>
+                  <a:pt x="9303" y="5077"/>
+                  <a:pt x="9303" y="4889"/>
+                  <a:pt x="9248" y="4701"/>
+                </a:cubicBezTo>
+                <a:close/>
+              </a:path>
+            </a:pathLst>
+          </a:custGeom>
+          <a:solidFill>
+            <a:schemeClr val="accent1"/>
+          </a:solidFill>
+          <a:ln>
+            <a:noFill/>
+          </a:ln>
+        </p:spPr>
+      </p:sp>
+      <p:sp>
+        <p:nvSpPr>
+          <p:cNvPr id="13" name="Slide Number Placeholder 5"/>
           <p:cNvSpPr>
             <a:spLocks noGrp="1"/>
           </p:cNvSpPr>
@@ -3713,7 +4107,12 @@
             <p:ph type="sldNum" sz="quarter" idx="12"/>
           </p:nvPr>
         </p:nvSpPr>
-        <p:spPr/>
+        <p:spPr>
+          <a:xfrm>
+            <a:off x="531812" y="787782"/>
+            <a:ext cx="779767" cy="365125"/>
+          </a:xfrm>
+        </p:spPr>
         <p:txBody>
           <a:bodyPr/>
           <a:lstStyle/>
@@ -3729,7 +4128,7 @@
     </p:spTree>
     <p:extLst>
       <p:ext uri="{BB962C8B-B14F-4D97-AF65-F5344CB8AC3E}">
-        <p14:creationId xmlns:p14="http://schemas.microsoft.com/office/powerpoint/2010/main" val="1917433509"/>
+        <p14:creationId xmlns:p14="http://schemas.microsoft.com/office/powerpoint/2010/main" val="770661014"/>
       </p:ext>
     </p:extLst>
   </p:cSld>
@@ -3823,6 +4222,88 @@
       </p:sp>
       <p:sp>
         <p:nvSpPr>
+          <p:cNvPr id="7" name="Freeform 11"/>
+          <p:cNvSpPr/>
+          <p:nvPr/>
+        </p:nvSpPr>
+        <p:spPr bwMode="auto">
+          <a:xfrm flipV="1">
+            <a:off x="-4189" y="714375"/>
+            <a:ext cx="1588527" cy="507297"/>
+          </a:xfrm>
+          <a:custGeom>
+            <a:avLst/>
+            <a:gdLst/>
+            <a:ahLst/>
+            <a:cxnLst/>
+            <a:rect l="l" t="t" r="r" b="b"/>
+            <a:pathLst>
+              <a:path w="9248" h="10000">
+                <a:moveTo>
+                  <a:pt x="9248" y="4701"/>
+                </a:moveTo>
+                <a:lnTo>
+                  <a:pt x="7915" y="188"/>
+                </a:lnTo>
+                <a:cubicBezTo>
+                  <a:pt x="7906" y="156"/>
+                  <a:pt x="7895" y="126"/>
+                  <a:pt x="7886" y="94"/>
+                </a:cubicBezTo>
+                <a:cubicBezTo>
+                  <a:pt x="7859" y="0"/>
+                  <a:pt x="7831" y="0"/>
+                  <a:pt x="7803" y="0"/>
+                </a:cubicBezTo>
+                <a:lnTo>
+                  <a:pt x="7275" y="0"/>
+                </a:lnTo>
+                <a:lnTo>
+                  <a:pt x="0" y="70"/>
+                </a:lnTo>
+                <a:cubicBezTo>
+                  <a:pt x="8" y="3380"/>
+                  <a:pt x="17" y="6690"/>
+                  <a:pt x="25" y="10000"/>
+                </a:cubicBezTo>
+                <a:lnTo>
+                  <a:pt x="7275" y="9966"/>
+                </a:lnTo>
+                <a:lnTo>
+                  <a:pt x="7803" y="9966"/>
+                </a:lnTo>
+                <a:cubicBezTo>
+                  <a:pt x="7831" y="9966"/>
+                  <a:pt x="7859" y="9872"/>
+                  <a:pt x="7886" y="9872"/>
+                </a:cubicBezTo>
+                <a:cubicBezTo>
+                  <a:pt x="7886" y="9778"/>
+                  <a:pt x="7915" y="9778"/>
+                  <a:pt x="7915" y="9778"/>
+                </a:cubicBezTo>
+                <a:lnTo>
+                  <a:pt x="9248" y="5265"/>
+                </a:lnTo>
+                <a:cubicBezTo>
+                  <a:pt x="9303" y="5077"/>
+                  <a:pt x="9303" y="4889"/>
+                  <a:pt x="9248" y="4701"/>
+                </a:cubicBezTo>
+                <a:close/>
+              </a:path>
+            </a:pathLst>
+          </a:custGeom>
+          <a:solidFill>
+            <a:schemeClr val="accent1"/>
+          </a:solidFill>
+          <a:ln>
+            <a:noFill/>
+          </a:ln>
+        </p:spPr>
+      </p:sp>
+      <p:sp>
+        <p:nvSpPr>
           <p:cNvPr id="5" name="Slide Number Placeholder 4"/>
           <p:cNvSpPr>
             <a:spLocks noGrp="1"/>
@@ -3847,7 +4328,7 @@
     </p:spTree>
     <p:extLst>
       <p:ext uri="{BB962C8B-B14F-4D97-AF65-F5344CB8AC3E}">
-        <p14:creationId xmlns:p14="http://schemas.microsoft.com/office/powerpoint/2010/main" val="2905676240"/>
+        <p14:creationId xmlns:p14="http://schemas.microsoft.com/office/powerpoint/2010/main" val="1578327736"/>
       </p:ext>
     </p:extLst>
   </p:cSld>
@@ -3918,6 +4399,88 @@
       </p:sp>
       <p:sp>
         <p:nvSpPr>
+          <p:cNvPr id="6" name="Freeform 11"/>
+          <p:cNvSpPr/>
+          <p:nvPr/>
+        </p:nvSpPr>
+        <p:spPr bwMode="auto">
+          <a:xfrm flipV="1">
+            <a:off x="-4189" y="714375"/>
+            <a:ext cx="1588527" cy="507297"/>
+          </a:xfrm>
+          <a:custGeom>
+            <a:avLst/>
+            <a:gdLst/>
+            <a:ahLst/>
+            <a:cxnLst/>
+            <a:rect l="l" t="t" r="r" b="b"/>
+            <a:pathLst>
+              <a:path w="9248" h="10000">
+                <a:moveTo>
+                  <a:pt x="9248" y="4701"/>
+                </a:moveTo>
+                <a:lnTo>
+                  <a:pt x="7915" y="188"/>
+                </a:lnTo>
+                <a:cubicBezTo>
+                  <a:pt x="7906" y="156"/>
+                  <a:pt x="7895" y="126"/>
+                  <a:pt x="7886" y="94"/>
+                </a:cubicBezTo>
+                <a:cubicBezTo>
+                  <a:pt x="7859" y="0"/>
+                  <a:pt x="7831" y="0"/>
+                  <a:pt x="7803" y="0"/>
+                </a:cubicBezTo>
+                <a:lnTo>
+                  <a:pt x="7275" y="0"/>
+                </a:lnTo>
+                <a:lnTo>
+                  <a:pt x="0" y="70"/>
+                </a:lnTo>
+                <a:cubicBezTo>
+                  <a:pt x="8" y="3380"/>
+                  <a:pt x="17" y="6690"/>
+                  <a:pt x="25" y="10000"/>
+                </a:cubicBezTo>
+                <a:lnTo>
+                  <a:pt x="7275" y="9966"/>
+                </a:lnTo>
+                <a:lnTo>
+                  <a:pt x="7803" y="9966"/>
+                </a:lnTo>
+                <a:cubicBezTo>
+                  <a:pt x="7831" y="9966"/>
+                  <a:pt x="7859" y="9872"/>
+                  <a:pt x="7886" y="9872"/>
+                </a:cubicBezTo>
+                <a:cubicBezTo>
+                  <a:pt x="7886" y="9778"/>
+                  <a:pt x="7915" y="9778"/>
+                  <a:pt x="7915" y="9778"/>
+                </a:cubicBezTo>
+                <a:lnTo>
+                  <a:pt x="9248" y="5265"/>
+                </a:lnTo>
+                <a:cubicBezTo>
+                  <a:pt x="9303" y="5077"/>
+                  <a:pt x="9303" y="4889"/>
+                  <a:pt x="9248" y="4701"/>
+                </a:cubicBezTo>
+                <a:close/>
+              </a:path>
+            </a:pathLst>
+          </a:custGeom>
+          <a:solidFill>
+            <a:schemeClr val="accent1"/>
+          </a:solidFill>
+          <a:ln>
+            <a:noFill/>
+          </a:ln>
+        </p:spPr>
+      </p:sp>
+      <p:sp>
+        <p:nvSpPr>
           <p:cNvPr id="4" name="Slide Number Placeholder 3"/>
           <p:cNvSpPr>
             <a:spLocks noGrp="1"/>
@@ -3942,7 +4505,7 @@
     </p:spTree>
     <p:extLst>
       <p:ext uri="{BB962C8B-B14F-4D97-AF65-F5344CB8AC3E}">
-        <p14:creationId xmlns:p14="http://schemas.microsoft.com/office/powerpoint/2010/main" val="2789918101"/>
+        <p14:creationId xmlns:p14="http://schemas.microsoft.com/office/powerpoint/2010/main" val="343547789"/>
       </p:ext>
     </p:extLst>
   </p:cSld>
@@ -3981,17 +4544,15 @@
         </p:nvSpPr>
         <p:spPr>
           <a:xfrm>
-            <a:off x="7085012" y="685800"/>
-            <a:ext cx="3657600" cy="1371600"/>
+            <a:off x="2589212" y="446088"/>
+            <a:ext cx="3505199" cy="976312"/>
           </a:xfrm>
         </p:spPr>
         <p:txBody>
-          <a:bodyPr anchor="b">
-            <a:normAutofit/>
-          </a:bodyPr>
+          <a:bodyPr anchor="b"/>
           <a:lstStyle>
             <a:lvl1pPr algn="l">
-              <a:defRPr sz="2400" b="0"/>
+              <a:defRPr sz="2000" b="0"/>
             </a:lvl1pPr>
           </a:lstStyle>
           <a:p>
@@ -4015,8 +4576,8 @@
         </p:nvSpPr>
         <p:spPr>
           <a:xfrm>
-            <a:off x="684212" y="685800"/>
-            <a:ext cx="5943601" cy="5308600"/>
+            <a:off x="6323012" y="446088"/>
+            <a:ext cx="5181600" cy="5414963"/>
           </a:xfrm>
         </p:spPr>
         <p:txBody>
@@ -4074,18 +4635,16 @@
         </p:nvSpPr>
         <p:spPr>
           <a:xfrm>
-            <a:off x="7085012" y="2209799"/>
-            <a:ext cx="3657600" cy="2091267"/>
+            <a:off x="2589212" y="1598613"/>
+            <a:ext cx="3505199" cy="4262436"/>
           </a:xfrm>
         </p:spPr>
         <p:txBody>
-          <a:bodyPr anchor="t">
-            <a:normAutofit/>
-          </a:bodyPr>
+          <a:bodyPr/>
           <a:lstStyle>
             <a:lvl1pPr marL="0" indent="0">
               <a:buNone/>
-              <a:defRPr sz="1600"/>
+              <a:defRPr sz="1400"/>
             </a:lvl1pPr>
             <a:lvl2pPr marL="457200" indent="0">
               <a:buNone/>
@@ -4173,6 +4732,88 @@
       </p:sp>
       <p:sp>
         <p:nvSpPr>
+          <p:cNvPr id="9" name="Freeform 11"/>
+          <p:cNvSpPr/>
+          <p:nvPr/>
+        </p:nvSpPr>
+        <p:spPr bwMode="auto">
+          <a:xfrm flipV="1">
+            <a:off x="-4189" y="714375"/>
+            <a:ext cx="1588527" cy="507297"/>
+          </a:xfrm>
+          <a:custGeom>
+            <a:avLst/>
+            <a:gdLst/>
+            <a:ahLst/>
+            <a:cxnLst/>
+            <a:rect l="l" t="t" r="r" b="b"/>
+            <a:pathLst>
+              <a:path w="9248" h="10000">
+                <a:moveTo>
+                  <a:pt x="9248" y="4701"/>
+                </a:moveTo>
+                <a:lnTo>
+                  <a:pt x="7915" y="188"/>
+                </a:lnTo>
+                <a:cubicBezTo>
+                  <a:pt x="7906" y="156"/>
+                  <a:pt x="7895" y="126"/>
+                  <a:pt x="7886" y="94"/>
+                </a:cubicBezTo>
+                <a:cubicBezTo>
+                  <a:pt x="7859" y="0"/>
+                  <a:pt x="7831" y="0"/>
+                  <a:pt x="7803" y="0"/>
+                </a:cubicBezTo>
+                <a:lnTo>
+                  <a:pt x="7275" y="0"/>
+                </a:lnTo>
+                <a:lnTo>
+                  <a:pt x="0" y="70"/>
+                </a:lnTo>
+                <a:cubicBezTo>
+                  <a:pt x="8" y="3380"/>
+                  <a:pt x="17" y="6690"/>
+                  <a:pt x="25" y="10000"/>
+                </a:cubicBezTo>
+                <a:lnTo>
+                  <a:pt x="7275" y="9966"/>
+                </a:lnTo>
+                <a:lnTo>
+                  <a:pt x="7803" y="9966"/>
+                </a:lnTo>
+                <a:cubicBezTo>
+                  <a:pt x="7831" y="9966"/>
+                  <a:pt x="7859" y="9872"/>
+                  <a:pt x="7886" y="9872"/>
+                </a:cubicBezTo>
+                <a:cubicBezTo>
+                  <a:pt x="7886" y="9778"/>
+                  <a:pt x="7915" y="9778"/>
+                  <a:pt x="7915" y="9778"/>
+                </a:cubicBezTo>
+                <a:lnTo>
+                  <a:pt x="9248" y="5265"/>
+                </a:lnTo>
+                <a:cubicBezTo>
+                  <a:pt x="9303" y="5077"/>
+                  <a:pt x="9303" y="4889"/>
+                  <a:pt x="9248" y="4701"/>
+                </a:cubicBezTo>
+                <a:close/>
+              </a:path>
+            </a:pathLst>
+          </a:custGeom>
+          <a:solidFill>
+            <a:schemeClr val="accent1"/>
+          </a:solidFill>
+          <a:ln>
+            <a:noFill/>
+          </a:ln>
+        </p:spPr>
+      </p:sp>
+      <p:sp>
+        <p:nvSpPr>
           <p:cNvPr id="7" name="Slide Number Placeholder 6"/>
           <p:cNvSpPr>
             <a:spLocks noGrp="1"/>
@@ -4197,7 +4838,7 @@
     </p:spTree>
     <p:extLst>
       <p:ext uri="{BB962C8B-B14F-4D97-AF65-F5344CB8AC3E}">
-        <p14:creationId xmlns:p14="http://schemas.microsoft.com/office/powerpoint/2010/main" val="2291354241"/>
+        <p14:creationId xmlns:p14="http://schemas.microsoft.com/office/powerpoint/2010/main" val="11755163"/>
       </p:ext>
     </p:extLst>
   </p:cSld>
@@ -4236,8 +4877,8 @@
         </p:nvSpPr>
         <p:spPr>
           <a:xfrm>
-            <a:off x="4722812" y="1447800"/>
-            <a:ext cx="6019800" cy="1143000"/>
+            <a:off x="2589213" y="4800600"/>
+            <a:ext cx="8915400" cy="566738"/>
           </a:xfrm>
         </p:spPr>
         <p:txBody>
@@ -4246,7 +4887,7 @@
           </a:bodyPr>
           <a:lstStyle>
             <a:lvl1pPr algn="l">
-              <a:defRPr sz="2800" b="0"/>
+              <a:defRPr sz="2400" b="0"/>
             </a:lvl1pPr>
           </a:lstStyle>
           <a:p>
@@ -4260,7 +4901,7 @@
       </p:sp>
       <p:sp>
         <p:nvSpPr>
-          <p:cNvPr id="14" name="Picture Placeholder 2"/>
+          <p:cNvPr id="3" name="Picture Placeholder 2"/>
           <p:cNvSpPr>
             <a:spLocks noGrp="1" noChangeAspect="1"/>
           </p:cNvSpPr>
@@ -4270,29 +4911,9 @@
         </p:nvSpPr>
         <p:spPr>
           <a:xfrm>
-            <a:off x="989012" y="914400"/>
-            <a:ext cx="3280974" cy="4572000"/>
-          </a:xfrm>
-          <a:prstGeom prst="snip2DiagRect">
-            <a:avLst>
-              <a:gd name="adj1" fmla="val 10815"/>
-              <a:gd name="adj2" fmla="val 0"/>
-            </a:avLst>
-          </a:prstGeom>
-          <a:ln w="15875">
-            <a:solidFill>
-              <a:schemeClr val="tx1">
-                <a:alpha val="40000"/>
-              </a:schemeClr>
-            </a:solidFill>
-          </a:ln>
-          <a:effectLst>
-            <a:innerShdw blurRad="57150" dist="38100" dir="14460000">
-              <a:srgbClr val="000000">
-                <a:alpha val="70000"/>
-              </a:srgbClr>
-            </a:innerShdw>
-          </a:effectLst>
+            <a:off x="2589212" y="634965"/>
+            <a:ext cx="8915400" cy="3854970"/>
+          </a:xfrm>
         </p:spPr>
         <p:txBody>
           <a:bodyPr anchor="t">
@@ -4357,18 +4978,18 @@
         </p:nvSpPr>
         <p:spPr>
           <a:xfrm>
-            <a:off x="4722812" y="2777066"/>
-            <a:ext cx="6021388" cy="2048933"/>
+            <a:off x="2589213" y="5367338"/>
+            <a:ext cx="8915400" cy="493712"/>
           </a:xfrm>
         </p:spPr>
         <p:txBody>
-          <a:bodyPr anchor="t">
+          <a:bodyPr>
             <a:normAutofit/>
           </a:bodyPr>
           <a:lstStyle>
             <a:lvl1pPr marL="0" indent="0">
               <a:buNone/>
-              <a:defRPr sz="1800"/>
+              <a:defRPr sz="1200"/>
             </a:lvl1pPr>
             <a:lvl2pPr marL="457200" indent="0">
               <a:buNone/>
@@ -4456,6 +5077,88 @@
       </p:sp>
       <p:sp>
         <p:nvSpPr>
+          <p:cNvPr id="9" name="Freeform 11"/>
+          <p:cNvSpPr/>
+          <p:nvPr/>
+        </p:nvSpPr>
+        <p:spPr bwMode="auto">
+          <a:xfrm flipV="1">
+            <a:off x="-4189" y="4911725"/>
+            <a:ext cx="1588527" cy="507297"/>
+          </a:xfrm>
+          <a:custGeom>
+            <a:avLst/>
+            <a:gdLst/>
+            <a:ahLst/>
+            <a:cxnLst/>
+            <a:rect l="l" t="t" r="r" b="b"/>
+            <a:pathLst>
+              <a:path w="9248" h="10000">
+                <a:moveTo>
+                  <a:pt x="9248" y="4701"/>
+                </a:moveTo>
+                <a:lnTo>
+                  <a:pt x="7915" y="188"/>
+                </a:lnTo>
+                <a:cubicBezTo>
+                  <a:pt x="7906" y="156"/>
+                  <a:pt x="7895" y="126"/>
+                  <a:pt x="7886" y="94"/>
+                </a:cubicBezTo>
+                <a:cubicBezTo>
+                  <a:pt x="7859" y="0"/>
+                  <a:pt x="7831" y="0"/>
+                  <a:pt x="7803" y="0"/>
+                </a:cubicBezTo>
+                <a:lnTo>
+                  <a:pt x="7275" y="0"/>
+                </a:lnTo>
+                <a:lnTo>
+                  <a:pt x="0" y="70"/>
+                </a:lnTo>
+                <a:cubicBezTo>
+                  <a:pt x="8" y="3380"/>
+                  <a:pt x="17" y="6690"/>
+                  <a:pt x="25" y="10000"/>
+                </a:cubicBezTo>
+                <a:lnTo>
+                  <a:pt x="7275" y="9966"/>
+                </a:lnTo>
+                <a:lnTo>
+                  <a:pt x="7803" y="9966"/>
+                </a:lnTo>
+                <a:cubicBezTo>
+                  <a:pt x="7831" y="9966"/>
+                  <a:pt x="7859" y="9872"/>
+                  <a:pt x="7886" y="9872"/>
+                </a:cubicBezTo>
+                <a:cubicBezTo>
+                  <a:pt x="7886" y="9778"/>
+                  <a:pt x="7915" y="9778"/>
+                  <a:pt x="7915" y="9778"/>
+                </a:cubicBezTo>
+                <a:lnTo>
+                  <a:pt x="9248" y="5265"/>
+                </a:lnTo>
+                <a:cubicBezTo>
+                  <a:pt x="9303" y="5077"/>
+                  <a:pt x="9303" y="4889"/>
+                  <a:pt x="9248" y="4701"/>
+                </a:cubicBezTo>
+                <a:close/>
+              </a:path>
+            </a:pathLst>
+          </a:custGeom>
+          <a:solidFill>
+            <a:schemeClr val="accent1"/>
+          </a:solidFill>
+          <a:ln>
+            <a:noFill/>
+          </a:ln>
+        </p:spPr>
+      </p:sp>
+      <p:sp>
+        <p:nvSpPr>
           <p:cNvPr id="7" name="Slide Number Placeholder 6"/>
           <p:cNvSpPr>
             <a:spLocks noGrp="1"/>
@@ -4464,7 +5167,12 @@
             <p:ph type="sldNum" sz="quarter" idx="12"/>
           </p:nvPr>
         </p:nvSpPr>
-        <p:spPr/>
+        <p:spPr>
+          <a:xfrm>
+            <a:off x="531812" y="4983087"/>
+            <a:ext cx="779767" cy="365125"/>
+          </a:xfrm>
+        </p:spPr>
         <p:txBody>
           <a:bodyPr/>
           <a:lstStyle/>
@@ -4480,7 +5188,7 @@
     </p:spTree>
     <p:extLst>
       <p:ext uri="{BB962C8B-B14F-4D97-AF65-F5344CB8AC3E}">
-        <p14:creationId xmlns:p14="http://schemas.microsoft.com/office/powerpoint/2010/main" val="1631578770"/>
+        <p14:creationId xmlns:p14="http://schemas.microsoft.com/office/powerpoint/2010/main" val="1781598668"/>
       </p:ext>
     </p:extLst>
   </p:cSld>
@@ -4494,7 +5202,7 @@
 <p:sldMaster xmlns:a="http://schemas.openxmlformats.org/drawingml/2006/main" xmlns:r="http://schemas.openxmlformats.org/officeDocument/2006/relationships" xmlns:p="http://schemas.openxmlformats.org/presentationml/2006/main">
   <p:cSld>
     <p:bg>
-      <p:bgRef idx="1002">
+      <p:bgRef idx="1003">
         <a:schemeClr val="bg2"/>
       </p:bgRef>
     </p:bg>
@@ -4514,285 +5222,1849 @@
       </p:grpSpPr>
       <p:grpSp>
         <p:nvGrpSpPr>
-          <p:cNvPr id="7" name="Group 6"/>
+          <p:cNvPr id="23" name="Group 22"/>
           <p:cNvGrpSpPr/>
           <p:nvPr/>
         </p:nvGrpSpPr>
         <p:grpSpPr>
           <a:xfrm>
-            <a:off x="9206969" y="2963333"/>
-            <a:ext cx="2981858" cy="3208867"/>
-            <a:chOff x="9206969" y="2963333"/>
-            <a:chExt cx="2981858" cy="3208867"/>
+            <a:off x="1" y="228600"/>
+            <a:ext cx="2851516" cy="6638628"/>
+            <a:chOff x="2487613" y="285750"/>
+            <a:chExt cx="2428875" cy="5654676"/>
           </a:xfrm>
         </p:grpSpPr>
-        <p:cxnSp>
-          <p:nvCxnSpPr>
-            <p:cNvPr id="8" name="Straight Connector 7"/>
-            <p:cNvCxnSpPr/>
+        <p:sp>
+          <p:nvSpPr>
+            <p:cNvPr id="24" name="Freeform 11"/>
+            <p:cNvSpPr/>
             <p:nvPr/>
-          </p:nvCxnSpPr>
-          <p:spPr>
-            <a:xfrm flipH="1">
-              <a:off x="11276012" y="2963333"/>
-              <a:ext cx="912814" cy="912812"/>
+          </p:nvSpPr>
+          <p:spPr bwMode="auto">
+            <a:xfrm>
+              <a:off x="2487613" y="2284413"/>
+              <a:ext cx="85725" cy="533400"/>
             </a:xfrm>
-            <a:prstGeom prst="line">
+            <a:custGeom>
               <a:avLst/>
-            </a:prstGeom>
-            <a:ln w="9525">
-              <a:solidFill>
-                <a:schemeClr val="tx1"/>
-              </a:solidFill>
+              <a:gdLst/>
+              <a:ahLst/>
+              <a:cxnLst/>
+              <a:rect l="0" t="0" r="r" b="b"/>
+              <a:pathLst>
+                <a:path w="22" h="136">
+                  <a:moveTo>
+                    <a:pt x="22" y="136"/>
+                  </a:moveTo>
+                  <a:cubicBezTo>
+                    <a:pt x="20" y="117"/>
+                    <a:pt x="19" y="99"/>
+                    <a:pt x="17" y="80"/>
+                  </a:cubicBezTo>
+                  <a:cubicBezTo>
+                    <a:pt x="11" y="54"/>
+                    <a:pt x="6" y="27"/>
+                    <a:pt x="0" y="0"/>
+                  </a:cubicBezTo>
+                  <a:cubicBezTo>
+                    <a:pt x="0" y="35"/>
+                    <a:pt x="0" y="35"/>
+                    <a:pt x="0" y="35"/>
+                  </a:cubicBezTo>
+                  <a:cubicBezTo>
+                    <a:pt x="6" y="64"/>
+                    <a:pt x="13" y="94"/>
+                    <a:pt x="20" y="124"/>
+                  </a:cubicBezTo>
+                  <a:cubicBezTo>
+                    <a:pt x="20" y="128"/>
+                    <a:pt x="21" y="132"/>
+                    <a:pt x="22" y="136"/>
+                  </a:cubicBezTo>
+                  <a:close/>
+                </a:path>
+              </a:pathLst>
+            </a:custGeom>
+            <a:solidFill>
+              <a:schemeClr val="tx2">
+                <a:alpha val="20000"/>
+              </a:schemeClr>
+            </a:solidFill>
+            <a:ln>
+              <a:noFill/>
             </a:ln>
           </p:spPr>
-          <p:style>
-            <a:lnRef idx="2">
-              <a:schemeClr val="accent1"/>
-            </a:lnRef>
-            <a:fillRef idx="0">
-              <a:schemeClr val="accent1"/>
-            </a:fillRef>
-            <a:effectRef idx="1">
-              <a:schemeClr val="accent1"/>
-            </a:effectRef>
-            <a:fontRef idx="minor">
-              <a:schemeClr val="tx1"/>
-            </a:fontRef>
-          </p:style>
-        </p:cxnSp>
-        <p:cxnSp>
-          <p:nvCxnSpPr>
-            <p:cNvPr id="9" name="Straight Connector 8"/>
-            <p:cNvCxnSpPr/>
+        </p:sp>
+        <p:sp>
+          <p:nvSpPr>
+            <p:cNvPr id="25" name="Freeform 12"/>
+            <p:cNvSpPr/>
             <p:nvPr/>
-          </p:nvCxnSpPr>
-          <p:spPr>
-            <a:xfrm flipH="1">
-              <a:off x="9206969" y="3190344"/>
-              <a:ext cx="2981857" cy="2981856"/>
+          </p:nvSpPr>
+          <p:spPr bwMode="auto">
+            <a:xfrm>
+              <a:off x="2597151" y="2779713"/>
+              <a:ext cx="550863" cy="1978025"/>
             </a:xfrm>
-            <a:prstGeom prst="line">
+            <a:custGeom>
               <a:avLst/>
-            </a:prstGeom>
-            <a:ln w="9525">
-              <a:solidFill>
-                <a:schemeClr val="tx1"/>
-              </a:solidFill>
+              <a:gdLst/>
+              <a:ahLst/>
+              <a:cxnLst/>
+              <a:rect l="0" t="0" r="r" b="b"/>
+              <a:pathLst>
+                <a:path w="140" h="504">
+                  <a:moveTo>
+                    <a:pt x="86" y="350"/>
+                  </a:moveTo>
+                  <a:cubicBezTo>
+                    <a:pt x="103" y="402"/>
+                    <a:pt x="120" y="453"/>
+                    <a:pt x="139" y="504"/>
+                  </a:cubicBezTo>
+                  <a:cubicBezTo>
+                    <a:pt x="139" y="495"/>
+                    <a:pt x="139" y="487"/>
+                    <a:pt x="140" y="478"/>
+                  </a:cubicBezTo>
+                  <a:cubicBezTo>
+                    <a:pt x="124" y="435"/>
+                    <a:pt x="109" y="391"/>
+                    <a:pt x="95" y="347"/>
+                  </a:cubicBezTo>
+                  <a:cubicBezTo>
+                    <a:pt x="58" y="233"/>
+                    <a:pt x="27" y="117"/>
+                    <a:pt x="0" y="0"/>
+                  </a:cubicBezTo>
+                  <a:cubicBezTo>
+                    <a:pt x="2" y="20"/>
+                    <a:pt x="4" y="41"/>
+                    <a:pt x="6" y="61"/>
+                  </a:cubicBezTo>
+                  <a:cubicBezTo>
+                    <a:pt x="30" y="158"/>
+                    <a:pt x="56" y="255"/>
+                    <a:pt x="86" y="350"/>
+                  </a:cubicBezTo>
+                  <a:close/>
+                </a:path>
+              </a:pathLst>
+            </a:custGeom>
+            <a:solidFill>
+              <a:schemeClr val="tx2">
+                <a:alpha val="20000"/>
+              </a:schemeClr>
+            </a:solidFill>
+            <a:ln>
+              <a:noFill/>
             </a:ln>
           </p:spPr>
-          <p:style>
-            <a:lnRef idx="2">
-              <a:schemeClr val="accent1"/>
-            </a:lnRef>
-            <a:fillRef idx="0">
-              <a:schemeClr val="accent1"/>
-            </a:fillRef>
-            <a:effectRef idx="1">
-              <a:schemeClr val="accent1"/>
-            </a:effectRef>
-            <a:fontRef idx="minor">
-              <a:schemeClr val="tx1"/>
-            </a:fontRef>
-          </p:style>
-        </p:cxnSp>
-        <p:cxnSp>
-          <p:nvCxnSpPr>
-            <p:cNvPr id="10" name="Straight Connector 9"/>
-            <p:cNvCxnSpPr/>
+        </p:sp>
+        <p:sp>
+          <p:nvSpPr>
+            <p:cNvPr id="26" name="Freeform 13"/>
+            <p:cNvSpPr/>
             <p:nvPr/>
-          </p:nvCxnSpPr>
-          <p:spPr>
-            <a:xfrm flipH="1">
-              <a:off x="10292292" y="3285067"/>
-              <a:ext cx="1896534" cy="1896533"/>
+          </p:nvSpPr>
+          <p:spPr bwMode="auto">
+            <a:xfrm>
+              <a:off x="3175001" y="4730750"/>
+              <a:ext cx="519113" cy="1209675"/>
             </a:xfrm>
-            <a:prstGeom prst="line">
+            <a:custGeom>
               <a:avLst/>
-            </a:prstGeom>
-            <a:ln w="9525">
-              <a:solidFill>
-                <a:schemeClr val="tx1"/>
-              </a:solidFill>
+              <a:gdLst/>
+              <a:ahLst/>
+              <a:cxnLst/>
+              <a:rect l="0" t="0" r="r" b="b"/>
+              <a:pathLst>
+                <a:path w="132" h="308">
+                  <a:moveTo>
+                    <a:pt x="8" y="22"/>
+                  </a:moveTo>
+                  <a:cubicBezTo>
+                    <a:pt x="5" y="15"/>
+                    <a:pt x="2" y="8"/>
+                    <a:pt x="0" y="0"/>
+                  </a:cubicBezTo>
+                  <a:cubicBezTo>
+                    <a:pt x="0" y="10"/>
+                    <a:pt x="0" y="19"/>
+                    <a:pt x="0" y="29"/>
+                  </a:cubicBezTo>
+                  <a:cubicBezTo>
+                    <a:pt x="21" y="85"/>
+                    <a:pt x="44" y="140"/>
+                    <a:pt x="68" y="194"/>
+                  </a:cubicBezTo>
+                  <a:cubicBezTo>
+                    <a:pt x="85" y="232"/>
+                    <a:pt x="104" y="270"/>
+                    <a:pt x="123" y="308"/>
+                  </a:cubicBezTo>
+                  <a:cubicBezTo>
+                    <a:pt x="132" y="308"/>
+                    <a:pt x="132" y="308"/>
+                    <a:pt x="132" y="308"/>
+                  </a:cubicBezTo>
+                  <a:cubicBezTo>
+                    <a:pt x="113" y="269"/>
+                    <a:pt x="94" y="230"/>
+                    <a:pt x="77" y="190"/>
+                  </a:cubicBezTo>
+                  <a:cubicBezTo>
+                    <a:pt x="52" y="135"/>
+                    <a:pt x="29" y="79"/>
+                    <a:pt x="8" y="22"/>
+                  </a:cubicBezTo>
+                  <a:close/>
+                </a:path>
+              </a:pathLst>
+            </a:custGeom>
+            <a:solidFill>
+              <a:schemeClr val="tx2">
+                <a:alpha val="20000"/>
+              </a:schemeClr>
+            </a:solidFill>
+            <a:ln>
+              <a:noFill/>
             </a:ln>
           </p:spPr>
-          <p:style>
-            <a:lnRef idx="2">
-              <a:schemeClr val="accent1"/>
-            </a:lnRef>
-            <a:fillRef idx="0">
-              <a:schemeClr val="accent1"/>
-            </a:fillRef>
-            <a:effectRef idx="1">
-              <a:schemeClr val="accent1"/>
-            </a:effectRef>
-            <a:fontRef idx="minor">
-              <a:schemeClr val="tx1"/>
-            </a:fontRef>
-          </p:style>
-        </p:cxnSp>
-        <p:cxnSp>
-          <p:nvCxnSpPr>
-            <p:cNvPr id="11" name="Straight Connector 10"/>
-            <p:cNvCxnSpPr/>
+        </p:sp>
+        <p:sp>
+          <p:nvSpPr>
+            <p:cNvPr id="27" name="Freeform 14"/>
+            <p:cNvSpPr/>
             <p:nvPr/>
-          </p:nvCxnSpPr>
-          <p:spPr>
-            <a:xfrm flipH="1">
-              <a:off x="10443103" y="3131080"/>
-              <a:ext cx="1745722" cy="1745720"/>
+          </p:nvSpPr>
+          <p:spPr bwMode="auto">
+            <a:xfrm>
+              <a:off x="3305176" y="5630863"/>
+              <a:ext cx="146050" cy="309563"/>
             </a:xfrm>
-            <a:prstGeom prst="line">
+            <a:custGeom>
               <a:avLst/>
-            </a:prstGeom>
-            <a:ln w="28575">
-              <a:solidFill>
-                <a:schemeClr val="tx1"/>
-              </a:solidFill>
+              <a:gdLst/>
+              <a:ahLst/>
+              <a:cxnLst/>
+              <a:rect l="0" t="0" r="r" b="b"/>
+              <a:pathLst>
+                <a:path w="37" h="79">
+                  <a:moveTo>
+                    <a:pt x="28" y="79"/>
+                  </a:moveTo>
+                  <a:cubicBezTo>
+                    <a:pt x="37" y="79"/>
+                    <a:pt x="37" y="79"/>
+                    <a:pt x="37" y="79"/>
+                  </a:cubicBezTo>
+                  <a:cubicBezTo>
+                    <a:pt x="24" y="53"/>
+                    <a:pt x="12" y="27"/>
+                    <a:pt x="0" y="0"/>
+                  </a:cubicBezTo>
+                  <a:cubicBezTo>
+                    <a:pt x="8" y="27"/>
+                    <a:pt x="17" y="53"/>
+                    <a:pt x="28" y="79"/>
+                  </a:cubicBezTo>
+                  <a:close/>
+                </a:path>
+              </a:pathLst>
+            </a:custGeom>
+            <a:solidFill>
+              <a:schemeClr val="tx2">
+                <a:alpha val="20000"/>
+              </a:schemeClr>
+            </a:solidFill>
+            <a:ln>
+              <a:noFill/>
             </a:ln>
           </p:spPr>
-          <p:style>
-            <a:lnRef idx="2">
-              <a:schemeClr val="accent1"/>
-            </a:lnRef>
-            <a:fillRef idx="0">
-              <a:schemeClr val="accent1"/>
-            </a:fillRef>
-            <a:effectRef idx="1">
-              <a:schemeClr val="accent1"/>
-            </a:effectRef>
-            <a:fontRef idx="minor">
-              <a:schemeClr val="tx1"/>
-            </a:fontRef>
-          </p:style>
-        </p:cxnSp>
-        <p:cxnSp>
-          <p:nvCxnSpPr>
-            <p:cNvPr id="12" name="Straight Connector 11"/>
-            <p:cNvCxnSpPr/>
+        </p:sp>
+        <p:sp>
+          <p:nvSpPr>
+            <p:cNvPr id="28" name="Freeform 15"/>
+            <p:cNvSpPr/>
             <p:nvPr/>
-          </p:nvCxnSpPr>
-          <p:spPr>
-            <a:xfrm flipH="1">
-              <a:off x="10918826" y="3683001"/>
-              <a:ext cx="1270001" cy="1269999"/>
+          </p:nvSpPr>
+          <p:spPr bwMode="auto">
+            <a:xfrm>
+              <a:off x="2573338" y="2817813"/>
+              <a:ext cx="700088" cy="2835275"/>
             </a:xfrm>
-            <a:prstGeom prst="line">
+            <a:custGeom>
               <a:avLst/>
-            </a:prstGeom>
-            <a:ln w="28575">
-              <a:solidFill>
-                <a:schemeClr val="tx1"/>
-              </a:solidFill>
+              <a:gdLst/>
+              <a:ahLst/>
+              <a:cxnLst/>
+              <a:rect l="0" t="0" r="r" b="b"/>
+              <a:pathLst>
+                <a:path w="178" h="722">
+                  <a:moveTo>
+                    <a:pt x="162" y="660"/>
+                  </a:moveTo>
+                  <a:cubicBezTo>
+                    <a:pt x="145" y="618"/>
+                    <a:pt x="130" y="576"/>
+                    <a:pt x="116" y="534"/>
+                  </a:cubicBezTo>
+                  <a:cubicBezTo>
+                    <a:pt x="84" y="437"/>
+                    <a:pt x="59" y="337"/>
+                    <a:pt x="40" y="236"/>
+                  </a:cubicBezTo>
+                  <a:cubicBezTo>
+                    <a:pt x="29" y="175"/>
+                    <a:pt x="20" y="113"/>
+                    <a:pt x="12" y="51"/>
+                  </a:cubicBezTo>
+                  <a:cubicBezTo>
+                    <a:pt x="8" y="34"/>
+                    <a:pt x="4" y="17"/>
+                    <a:pt x="0" y="0"/>
+                  </a:cubicBezTo>
+                  <a:cubicBezTo>
+                    <a:pt x="8" y="79"/>
+                    <a:pt x="19" y="159"/>
+                    <a:pt x="33" y="237"/>
+                  </a:cubicBezTo>
+                  <a:cubicBezTo>
+                    <a:pt x="51" y="339"/>
+                    <a:pt x="76" y="439"/>
+                    <a:pt x="107" y="537"/>
+                  </a:cubicBezTo>
+                  <a:cubicBezTo>
+                    <a:pt x="123" y="586"/>
+                    <a:pt x="141" y="634"/>
+                    <a:pt x="160" y="681"/>
+                  </a:cubicBezTo>
+                  <a:cubicBezTo>
+                    <a:pt x="166" y="695"/>
+                    <a:pt x="172" y="708"/>
+                    <a:pt x="178" y="722"/>
+                  </a:cubicBezTo>
+                  <a:cubicBezTo>
+                    <a:pt x="176" y="717"/>
+                    <a:pt x="175" y="713"/>
+                    <a:pt x="174" y="708"/>
+                  </a:cubicBezTo>
+                  <a:cubicBezTo>
+                    <a:pt x="169" y="692"/>
+                    <a:pt x="165" y="676"/>
+                    <a:pt x="162" y="660"/>
+                  </a:cubicBezTo>
+                  <a:close/>
+                </a:path>
+              </a:pathLst>
+            </a:custGeom>
+            <a:solidFill>
+              <a:schemeClr val="tx2">
+                <a:alpha val="20000"/>
+              </a:schemeClr>
+            </a:solidFill>
+            <a:ln>
+              <a:noFill/>
             </a:ln>
           </p:spPr>
-          <p:style>
-            <a:lnRef idx="2">
-              <a:schemeClr val="accent1"/>
-            </a:lnRef>
-            <a:fillRef idx="0">
-              <a:schemeClr val="accent1"/>
-            </a:fillRef>
-            <a:effectRef idx="1">
-              <a:schemeClr val="accent1"/>
-            </a:effectRef>
-            <a:fontRef idx="minor">
-              <a:schemeClr val="tx1"/>
-            </a:fontRef>
-          </p:style>
-        </p:cxnSp>
+        </p:sp>
+        <p:sp>
+          <p:nvSpPr>
+            <p:cNvPr id="29" name="Freeform 16"/>
+            <p:cNvSpPr/>
+            <p:nvPr/>
+          </p:nvSpPr>
+          <p:spPr bwMode="auto">
+            <a:xfrm>
+              <a:off x="2506663" y="285750"/>
+              <a:ext cx="90488" cy="2493963"/>
+            </a:xfrm>
+            <a:custGeom>
+              <a:avLst/>
+              <a:gdLst/>
+              <a:ahLst/>
+              <a:cxnLst/>
+              <a:rect l="0" t="0" r="r" b="b"/>
+              <a:pathLst>
+                <a:path w="23" h="635">
+                  <a:moveTo>
+                    <a:pt x="11" y="577"/>
+                  </a:moveTo>
+                  <a:cubicBezTo>
+                    <a:pt x="12" y="581"/>
+                    <a:pt x="12" y="585"/>
+                    <a:pt x="12" y="589"/>
+                  </a:cubicBezTo>
+                  <a:cubicBezTo>
+                    <a:pt x="15" y="603"/>
+                    <a:pt x="19" y="617"/>
+                    <a:pt x="22" y="632"/>
+                  </a:cubicBezTo>
+                  <a:cubicBezTo>
+                    <a:pt x="22" y="633"/>
+                    <a:pt x="22" y="634"/>
+                    <a:pt x="23" y="635"/>
+                  </a:cubicBezTo>
+                  <a:cubicBezTo>
+                    <a:pt x="21" y="615"/>
+                    <a:pt x="19" y="596"/>
+                    <a:pt x="17" y="576"/>
+                  </a:cubicBezTo>
+                  <a:cubicBezTo>
+                    <a:pt x="9" y="474"/>
+                    <a:pt x="5" y="372"/>
+                    <a:pt x="5" y="269"/>
+                  </a:cubicBezTo>
+                  <a:cubicBezTo>
+                    <a:pt x="6" y="179"/>
+                    <a:pt x="9" y="90"/>
+                    <a:pt x="15" y="0"/>
+                  </a:cubicBezTo>
+                  <a:cubicBezTo>
+                    <a:pt x="12" y="0"/>
+                    <a:pt x="12" y="0"/>
+                    <a:pt x="12" y="0"/>
+                  </a:cubicBezTo>
+                  <a:cubicBezTo>
+                    <a:pt x="5" y="89"/>
+                    <a:pt x="2" y="179"/>
+                    <a:pt x="1" y="269"/>
+                  </a:cubicBezTo>
+                  <a:cubicBezTo>
+                    <a:pt x="0" y="372"/>
+                    <a:pt x="3" y="474"/>
+                    <a:pt x="11" y="577"/>
+                  </a:cubicBezTo>
+                  <a:close/>
+                </a:path>
+              </a:pathLst>
+            </a:custGeom>
+            <a:solidFill>
+              <a:schemeClr val="tx2">
+                <a:alpha val="20000"/>
+              </a:schemeClr>
+            </a:solidFill>
+            <a:ln>
+              <a:noFill/>
+            </a:ln>
+          </p:spPr>
+        </p:sp>
+        <p:sp>
+          <p:nvSpPr>
+            <p:cNvPr id="30" name="Freeform 17"/>
+            <p:cNvSpPr/>
+            <p:nvPr/>
+          </p:nvSpPr>
+          <p:spPr bwMode="auto">
+            <a:xfrm>
+              <a:off x="2554288" y="2598738"/>
+              <a:ext cx="66675" cy="420688"/>
+            </a:xfrm>
+            <a:custGeom>
+              <a:avLst/>
+              <a:gdLst/>
+              <a:ahLst/>
+              <a:cxnLst/>
+              <a:rect l="0" t="0" r="r" b="b"/>
+              <a:pathLst>
+                <a:path w="17" h="107">
+                  <a:moveTo>
+                    <a:pt x="0" y="0"/>
+                  </a:moveTo>
+                  <a:cubicBezTo>
+                    <a:pt x="2" y="19"/>
+                    <a:pt x="3" y="37"/>
+                    <a:pt x="5" y="56"/>
+                  </a:cubicBezTo>
+                  <a:cubicBezTo>
+                    <a:pt x="9" y="73"/>
+                    <a:pt x="13" y="90"/>
+                    <a:pt x="17" y="107"/>
+                  </a:cubicBezTo>
+                  <a:cubicBezTo>
+                    <a:pt x="15" y="87"/>
+                    <a:pt x="13" y="66"/>
+                    <a:pt x="11" y="46"/>
+                  </a:cubicBezTo>
+                  <a:cubicBezTo>
+                    <a:pt x="10" y="45"/>
+                    <a:pt x="10" y="44"/>
+                    <a:pt x="10" y="43"/>
+                  </a:cubicBezTo>
+                  <a:cubicBezTo>
+                    <a:pt x="7" y="28"/>
+                    <a:pt x="3" y="14"/>
+                    <a:pt x="0" y="0"/>
+                  </a:cubicBezTo>
+                  <a:close/>
+                </a:path>
+              </a:pathLst>
+            </a:custGeom>
+            <a:solidFill>
+              <a:schemeClr val="tx2">
+                <a:alpha val="20000"/>
+              </a:schemeClr>
+            </a:solidFill>
+            <a:ln>
+              <a:noFill/>
+            </a:ln>
+          </p:spPr>
+        </p:sp>
+        <p:sp>
+          <p:nvSpPr>
+            <p:cNvPr id="31" name="Freeform 18"/>
+            <p:cNvSpPr/>
+            <p:nvPr/>
+          </p:nvSpPr>
+          <p:spPr bwMode="auto">
+            <a:xfrm>
+              <a:off x="3143251" y="4757738"/>
+              <a:ext cx="161925" cy="873125"/>
+            </a:xfrm>
+            <a:custGeom>
+              <a:avLst/>
+              <a:gdLst/>
+              <a:ahLst/>
+              <a:cxnLst/>
+              <a:rect l="0" t="0" r="r" b="b"/>
+              <a:pathLst>
+                <a:path w="41" h="222">
+                  <a:moveTo>
+                    <a:pt x="0" y="0"/>
+                  </a:moveTo>
+                  <a:cubicBezTo>
+                    <a:pt x="0" y="31"/>
+                    <a:pt x="2" y="62"/>
+                    <a:pt x="5" y="93"/>
+                  </a:cubicBezTo>
+                  <a:cubicBezTo>
+                    <a:pt x="8" y="117"/>
+                    <a:pt x="12" y="142"/>
+                    <a:pt x="17" y="166"/>
+                  </a:cubicBezTo>
+                  <a:cubicBezTo>
+                    <a:pt x="19" y="172"/>
+                    <a:pt x="22" y="178"/>
+                    <a:pt x="24" y="184"/>
+                  </a:cubicBezTo>
+                  <a:cubicBezTo>
+                    <a:pt x="30" y="197"/>
+                    <a:pt x="35" y="209"/>
+                    <a:pt x="41" y="222"/>
+                  </a:cubicBezTo>
+                  <a:cubicBezTo>
+                    <a:pt x="40" y="219"/>
+                    <a:pt x="39" y="215"/>
+                    <a:pt x="38" y="212"/>
+                  </a:cubicBezTo>
+                  <a:cubicBezTo>
+                    <a:pt x="26" y="172"/>
+                    <a:pt x="18" y="132"/>
+                    <a:pt x="13" y="92"/>
+                  </a:cubicBezTo>
+                  <a:cubicBezTo>
+                    <a:pt x="11" y="68"/>
+                    <a:pt x="9" y="45"/>
+                    <a:pt x="8" y="22"/>
+                  </a:cubicBezTo>
+                  <a:cubicBezTo>
+                    <a:pt x="8" y="21"/>
+                    <a:pt x="7" y="20"/>
+                    <a:pt x="7" y="18"/>
+                  </a:cubicBezTo>
+                  <a:cubicBezTo>
+                    <a:pt x="5" y="12"/>
+                    <a:pt x="2" y="6"/>
+                    <a:pt x="0" y="0"/>
+                  </a:cubicBezTo>
+                  <a:close/>
+                </a:path>
+              </a:pathLst>
+            </a:custGeom>
+            <a:solidFill>
+              <a:schemeClr val="tx2">
+                <a:alpha val="20000"/>
+              </a:schemeClr>
+            </a:solidFill>
+            <a:ln>
+              <a:noFill/>
+            </a:ln>
+          </p:spPr>
+        </p:sp>
+        <p:sp>
+          <p:nvSpPr>
+            <p:cNvPr id="32" name="Freeform 19"/>
+            <p:cNvSpPr/>
+            <p:nvPr/>
+          </p:nvSpPr>
+          <p:spPr bwMode="auto">
+            <a:xfrm>
+              <a:off x="3148013" y="1282700"/>
+              <a:ext cx="1768475" cy="3448050"/>
+            </a:xfrm>
+            <a:custGeom>
+              <a:avLst/>
+              <a:gdLst/>
+              <a:ahLst/>
+              <a:cxnLst/>
+              <a:rect l="0" t="0" r="r" b="b"/>
+              <a:pathLst>
+                <a:path w="450" h="878">
+                  <a:moveTo>
+                    <a:pt x="7" y="854"/>
+                  </a:moveTo>
+                  <a:cubicBezTo>
+                    <a:pt x="10" y="772"/>
+                    <a:pt x="26" y="691"/>
+                    <a:pt x="50" y="613"/>
+                  </a:cubicBezTo>
+                  <a:cubicBezTo>
+                    <a:pt x="75" y="535"/>
+                    <a:pt x="109" y="460"/>
+                    <a:pt x="149" y="388"/>
+                  </a:cubicBezTo>
+                  <a:cubicBezTo>
+                    <a:pt x="189" y="316"/>
+                    <a:pt x="235" y="248"/>
+                    <a:pt x="285" y="183"/>
+                  </a:cubicBezTo>
+                  <a:cubicBezTo>
+                    <a:pt x="310" y="151"/>
+                    <a:pt x="337" y="119"/>
+                    <a:pt x="364" y="89"/>
+                  </a:cubicBezTo>
+                  <a:cubicBezTo>
+                    <a:pt x="378" y="74"/>
+                    <a:pt x="392" y="58"/>
+                    <a:pt x="406" y="44"/>
+                  </a:cubicBezTo>
+                  <a:cubicBezTo>
+                    <a:pt x="421" y="29"/>
+                    <a:pt x="435" y="15"/>
+                    <a:pt x="450" y="1"/>
+                  </a:cubicBezTo>
+                  <a:cubicBezTo>
+                    <a:pt x="450" y="0"/>
+                    <a:pt x="450" y="0"/>
+                    <a:pt x="450" y="0"/>
+                  </a:cubicBezTo>
+                  <a:cubicBezTo>
+                    <a:pt x="434" y="14"/>
+                    <a:pt x="420" y="28"/>
+                    <a:pt x="405" y="43"/>
+                  </a:cubicBezTo>
+                  <a:cubicBezTo>
+                    <a:pt x="391" y="57"/>
+                    <a:pt x="377" y="72"/>
+                    <a:pt x="363" y="88"/>
+                  </a:cubicBezTo>
+                  <a:cubicBezTo>
+                    <a:pt x="335" y="118"/>
+                    <a:pt x="308" y="149"/>
+                    <a:pt x="283" y="181"/>
+                  </a:cubicBezTo>
+                  <a:cubicBezTo>
+                    <a:pt x="232" y="246"/>
+                    <a:pt x="185" y="314"/>
+                    <a:pt x="145" y="386"/>
+                  </a:cubicBezTo>
+                  <a:cubicBezTo>
+                    <a:pt x="104" y="457"/>
+                    <a:pt x="70" y="533"/>
+                    <a:pt x="45" y="611"/>
+                  </a:cubicBezTo>
+                  <a:cubicBezTo>
+                    <a:pt x="19" y="690"/>
+                    <a:pt x="3" y="771"/>
+                    <a:pt x="0" y="854"/>
+                  </a:cubicBezTo>
+                  <a:cubicBezTo>
+                    <a:pt x="0" y="856"/>
+                    <a:pt x="0" y="857"/>
+                    <a:pt x="0" y="859"/>
+                  </a:cubicBezTo>
+                  <a:cubicBezTo>
+                    <a:pt x="2" y="865"/>
+                    <a:pt x="4" y="872"/>
+                    <a:pt x="7" y="878"/>
+                  </a:cubicBezTo>
+                  <a:cubicBezTo>
+                    <a:pt x="7" y="870"/>
+                    <a:pt x="7" y="862"/>
+                    <a:pt x="7" y="854"/>
+                  </a:cubicBezTo>
+                  <a:close/>
+                </a:path>
+              </a:pathLst>
+            </a:custGeom>
+            <a:solidFill>
+              <a:schemeClr val="tx2">
+                <a:alpha val="20000"/>
+              </a:schemeClr>
+            </a:solidFill>
+            <a:ln>
+              <a:noFill/>
+            </a:ln>
+          </p:spPr>
+        </p:sp>
+        <p:sp>
+          <p:nvSpPr>
+            <p:cNvPr id="33" name="Freeform 20"/>
+            <p:cNvSpPr/>
+            <p:nvPr/>
+          </p:nvSpPr>
+          <p:spPr bwMode="auto">
+            <a:xfrm>
+              <a:off x="3273426" y="5653088"/>
+              <a:ext cx="138113" cy="287338"/>
+            </a:xfrm>
+            <a:custGeom>
+              <a:avLst/>
+              <a:gdLst/>
+              <a:ahLst/>
+              <a:cxnLst/>
+              <a:rect l="0" t="0" r="r" b="b"/>
+              <a:pathLst>
+                <a:path w="35" h="73">
+                  <a:moveTo>
+                    <a:pt x="0" y="0"/>
+                  </a:moveTo>
+                  <a:cubicBezTo>
+                    <a:pt x="7" y="24"/>
+                    <a:pt x="16" y="49"/>
+                    <a:pt x="26" y="73"/>
+                  </a:cubicBezTo>
+                  <a:cubicBezTo>
+                    <a:pt x="35" y="73"/>
+                    <a:pt x="35" y="73"/>
+                    <a:pt x="35" y="73"/>
+                  </a:cubicBezTo>
+                  <a:cubicBezTo>
+                    <a:pt x="23" y="49"/>
+                    <a:pt x="11" y="24"/>
+                    <a:pt x="0" y="0"/>
+                  </a:cubicBezTo>
+                  <a:close/>
+                </a:path>
+              </a:pathLst>
+            </a:custGeom>
+            <a:solidFill>
+              <a:schemeClr val="tx2">
+                <a:alpha val="20000"/>
+              </a:schemeClr>
+            </a:solidFill>
+            <a:ln>
+              <a:noFill/>
+            </a:ln>
+          </p:spPr>
+        </p:sp>
+        <p:sp>
+          <p:nvSpPr>
+            <p:cNvPr id="34" name="Freeform 21"/>
+            <p:cNvSpPr/>
+            <p:nvPr/>
+          </p:nvSpPr>
+          <p:spPr bwMode="auto">
+            <a:xfrm>
+              <a:off x="3143251" y="4656138"/>
+              <a:ext cx="31750" cy="188913"/>
+            </a:xfrm>
+            <a:custGeom>
+              <a:avLst/>
+              <a:gdLst/>
+              <a:ahLst/>
+              <a:cxnLst/>
+              <a:rect l="0" t="0" r="r" b="b"/>
+              <a:pathLst>
+                <a:path w="8" h="48">
+                  <a:moveTo>
+                    <a:pt x="7" y="44"/>
+                  </a:moveTo>
+                  <a:cubicBezTo>
+                    <a:pt x="7" y="46"/>
+                    <a:pt x="8" y="47"/>
+                    <a:pt x="8" y="48"/>
+                  </a:cubicBezTo>
+                  <a:cubicBezTo>
+                    <a:pt x="8" y="38"/>
+                    <a:pt x="8" y="29"/>
+                    <a:pt x="8" y="19"/>
+                  </a:cubicBezTo>
+                  <a:cubicBezTo>
+                    <a:pt x="5" y="13"/>
+                    <a:pt x="3" y="6"/>
+                    <a:pt x="1" y="0"/>
+                  </a:cubicBezTo>
+                  <a:cubicBezTo>
+                    <a:pt x="0" y="9"/>
+                    <a:pt x="0" y="17"/>
+                    <a:pt x="0" y="26"/>
+                  </a:cubicBezTo>
+                  <a:cubicBezTo>
+                    <a:pt x="2" y="32"/>
+                    <a:pt x="5" y="38"/>
+                    <a:pt x="7" y="44"/>
+                  </a:cubicBezTo>
+                  <a:close/>
+                </a:path>
+              </a:pathLst>
+            </a:custGeom>
+            <a:solidFill>
+              <a:schemeClr val="tx2">
+                <a:alpha val="20000"/>
+              </a:schemeClr>
+            </a:solidFill>
+            <a:ln>
+              <a:noFill/>
+            </a:ln>
+          </p:spPr>
+        </p:sp>
+        <p:sp>
+          <p:nvSpPr>
+            <p:cNvPr id="35" name="Freeform 22"/>
+            <p:cNvSpPr/>
+            <p:nvPr/>
+          </p:nvSpPr>
+          <p:spPr bwMode="auto">
+            <a:xfrm>
+              <a:off x="3211513" y="5410200"/>
+              <a:ext cx="203200" cy="530225"/>
+            </a:xfrm>
+            <a:custGeom>
+              <a:avLst/>
+              <a:gdLst/>
+              <a:ahLst/>
+              <a:cxnLst/>
+              <a:rect l="0" t="0" r="r" b="b"/>
+              <a:pathLst>
+                <a:path w="52" h="135">
+                  <a:moveTo>
+                    <a:pt x="7" y="18"/>
+                  </a:moveTo>
+                  <a:cubicBezTo>
+                    <a:pt x="5" y="12"/>
+                    <a:pt x="2" y="6"/>
+                    <a:pt x="0" y="0"/>
+                  </a:cubicBezTo>
+                  <a:cubicBezTo>
+                    <a:pt x="3" y="16"/>
+                    <a:pt x="7" y="32"/>
+                    <a:pt x="12" y="48"/>
+                  </a:cubicBezTo>
+                  <a:cubicBezTo>
+                    <a:pt x="13" y="53"/>
+                    <a:pt x="14" y="57"/>
+                    <a:pt x="16" y="62"/>
+                  </a:cubicBezTo>
+                  <a:cubicBezTo>
+                    <a:pt x="27" y="86"/>
+                    <a:pt x="39" y="111"/>
+                    <a:pt x="51" y="135"/>
+                  </a:cubicBezTo>
+                  <a:cubicBezTo>
+                    <a:pt x="52" y="135"/>
+                    <a:pt x="52" y="135"/>
+                    <a:pt x="52" y="135"/>
+                  </a:cubicBezTo>
+                  <a:cubicBezTo>
+                    <a:pt x="41" y="109"/>
+                    <a:pt x="32" y="83"/>
+                    <a:pt x="24" y="56"/>
+                  </a:cubicBezTo>
+                  <a:cubicBezTo>
+                    <a:pt x="18" y="43"/>
+                    <a:pt x="13" y="31"/>
+                    <a:pt x="7" y="18"/>
+                  </a:cubicBezTo>
+                  <a:close/>
+                </a:path>
+              </a:pathLst>
+            </a:custGeom>
+            <a:solidFill>
+              <a:schemeClr val="tx2">
+                <a:alpha val="20000"/>
+              </a:schemeClr>
+            </a:solidFill>
+            <a:ln>
+              <a:noFill/>
+            </a:ln>
+          </p:spPr>
+        </p:sp>
       </p:grpSp>
-      <p:sp>
-        <p:nvSpPr>
-          <p:cNvPr id="2" name="Title Placeholder 1"/>
-          <p:cNvSpPr>
-            <a:spLocks noGrp="1"/>
-          </p:cNvSpPr>
-          <p:nvPr>
-            <p:ph type="title"/>
-          </p:nvPr>
+      <p:grpSp>
+        <p:nvGrpSpPr>
+          <p:cNvPr id="10" name="Group 9"/>
+          <p:cNvGrpSpPr/>
+          <p:nvPr/>
+        </p:nvGrpSpPr>
+        <p:grpSpPr>
+          <a:xfrm>
+            <a:off x="27221" y="-786"/>
+            <a:ext cx="2356674" cy="6854039"/>
+            <a:chOff x="6627813" y="194833"/>
+            <a:chExt cx="1952625" cy="5678918"/>
+          </a:xfrm>
+        </p:grpSpPr>
+        <p:sp>
+          <p:nvSpPr>
+            <p:cNvPr id="11" name="Freeform 27"/>
+            <p:cNvSpPr/>
+            <p:nvPr/>
+          </p:nvSpPr>
+          <p:spPr bwMode="auto">
+            <a:xfrm>
+              <a:off x="6627813" y="194833"/>
+              <a:ext cx="409575" cy="3646488"/>
+            </a:xfrm>
+            <a:custGeom>
+              <a:avLst/>
+              <a:gdLst/>
+              <a:ahLst/>
+              <a:cxnLst/>
+              <a:rect l="0" t="0" r="r" b="b"/>
+              <a:pathLst>
+                <a:path w="103" h="920">
+                  <a:moveTo>
+                    <a:pt x="7" y="210"/>
+                  </a:moveTo>
+                  <a:cubicBezTo>
+                    <a:pt x="11" y="288"/>
+                    <a:pt x="17" y="367"/>
+                    <a:pt x="26" y="445"/>
+                  </a:cubicBezTo>
+                  <a:cubicBezTo>
+                    <a:pt x="34" y="523"/>
+                    <a:pt x="44" y="601"/>
+                    <a:pt x="57" y="679"/>
+                  </a:cubicBezTo>
+                  <a:cubicBezTo>
+                    <a:pt x="69" y="757"/>
+                    <a:pt x="84" y="834"/>
+                    <a:pt x="101" y="911"/>
+                  </a:cubicBezTo>
+                  <a:cubicBezTo>
+                    <a:pt x="102" y="914"/>
+                    <a:pt x="103" y="917"/>
+                    <a:pt x="103" y="920"/>
+                  </a:cubicBezTo>
+                  <a:cubicBezTo>
+                    <a:pt x="102" y="905"/>
+                    <a:pt x="100" y="889"/>
+                    <a:pt x="99" y="874"/>
+                  </a:cubicBezTo>
+                  <a:cubicBezTo>
+                    <a:pt x="99" y="871"/>
+                    <a:pt x="99" y="868"/>
+                    <a:pt x="99" y="866"/>
+                  </a:cubicBezTo>
+                  <a:cubicBezTo>
+                    <a:pt x="85" y="803"/>
+                    <a:pt x="73" y="741"/>
+                    <a:pt x="63" y="678"/>
+                  </a:cubicBezTo>
+                  <a:cubicBezTo>
+                    <a:pt x="50" y="600"/>
+                    <a:pt x="39" y="523"/>
+                    <a:pt x="30" y="444"/>
+                  </a:cubicBezTo>
+                  <a:cubicBezTo>
+                    <a:pt x="21" y="366"/>
+                    <a:pt x="14" y="288"/>
+                    <a:pt x="9" y="209"/>
+                  </a:cubicBezTo>
+                  <a:cubicBezTo>
+                    <a:pt x="7" y="170"/>
+                    <a:pt x="5" y="131"/>
+                    <a:pt x="3" y="92"/>
+                  </a:cubicBezTo>
+                  <a:cubicBezTo>
+                    <a:pt x="2" y="61"/>
+                    <a:pt x="1" y="31"/>
+                    <a:pt x="1" y="0"/>
+                  </a:cubicBezTo>
+                  <a:cubicBezTo>
+                    <a:pt x="0" y="0"/>
+                    <a:pt x="0" y="0"/>
+                    <a:pt x="0" y="0"/>
+                  </a:cubicBezTo>
+                  <a:cubicBezTo>
+                    <a:pt x="0" y="31"/>
+                    <a:pt x="1" y="61"/>
+                    <a:pt x="1" y="92"/>
+                  </a:cubicBezTo>
+                  <a:cubicBezTo>
+                    <a:pt x="3" y="131"/>
+                    <a:pt x="4" y="170"/>
+                    <a:pt x="7" y="210"/>
+                  </a:cubicBezTo>
+                  <a:close/>
+                </a:path>
+              </a:pathLst>
+            </a:custGeom>
+            <a:solidFill>
+              <a:schemeClr val="tx2"/>
+            </a:solidFill>
+            <a:ln>
+              <a:noFill/>
+            </a:ln>
+          </p:spPr>
+        </p:sp>
+        <p:sp>
+          <p:nvSpPr>
+            <p:cNvPr id="12" name="Freeform 28"/>
+            <p:cNvSpPr/>
+            <p:nvPr/>
+          </p:nvSpPr>
+          <p:spPr bwMode="auto">
+            <a:xfrm>
+              <a:off x="7061201" y="3771900"/>
+              <a:ext cx="350838" cy="1309688"/>
+            </a:xfrm>
+            <a:custGeom>
+              <a:avLst/>
+              <a:gdLst/>
+              <a:ahLst/>
+              <a:cxnLst/>
+              <a:rect l="0" t="0" r="r" b="b"/>
+              <a:pathLst>
+                <a:path w="88" h="330">
+                  <a:moveTo>
+                    <a:pt x="53" y="229"/>
+                  </a:moveTo>
+                  <a:cubicBezTo>
+                    <a:pt x="64" y="263"/>
+                    <a:pt x="75" y="297"/>
+                    <a:pt x="88" y="330"/>
+                  </a:cubicBezTo>
+                  <a:cubicBezTo>
+                    <a:pt x="88" y="323"/>
+                    <a:pt x="88" y="315"/>
+                    <a:pt x="88" y="308"/>
+                  </a:cubicBezTo>
+                  <a:cubicBezTo>
+                    <a:pt x="88" y="307"/>
+                    <a:pt x="88" y="305"/>
+                    <a:pt x="88" y="304"/>
+                  </a:cubicBezTo>
+                  <a:cubicBezTo>
+                    <a:pt x="79" y="278"/>
+                    <a:pt x="70" y="252"/>
+                    <a:pt x="62" y="226"/>
+                  </a:cubicBezTo>
+                  <a:cubicBezTo>
+                    <a:pt x="38" y="152"/>
+                    <a:pt x="17" y="76"/>
+                    <a:pt x="0" y="0"/>
+                  </a:cubicBezTo>
+                  <a:cubicBezTo>
+                    <a:pt x="2" y="21"/>
+                    <a:pt x="4" y="42"/>
+                    <a:pt x="7" y="63"/>
+                  </a:cubicBezTo>
+                  <a:cubicBezTo>
+                    <a:pt x="21" y="119"/>
+                    <a:pt x="36" y="174"/>
+                    <a:pt x="53" y="229"/>
+                  </a:cubicBezTo>
+                  <a:close/>
+                </a:path>
+              </a:pathLst>
+            </a:custGeom>
+            <a:solidFill>
+              <a:schemeClr val="tx2"/>
+            </a:solidFill>
+            <a:ln>
+              <a:noFill/>
+            </a:ln>
+          </p:spPr>
+        </p:sp>
+        <p:sp>
+          <p:nvSpPr>
+            <p:cNvPr id="13" name="Freeform 29"/>
+            <p:cNvSpPr/>
+            <p:nvPr/>
+          </p:nvSpPr>
+          <p:spPr bwMode="auto">
+            <a:xfrm>
+              <a:off x="7439026" y="5053013"/>
+              <a:ext cx="357188" cy="820738"/>
+            </a:xfrm>
+            <a:custGeom>
+              <a:avLst/>
+              <a:gdLst/>
+              <a:ahLst/>
+              <a:cxnLst/>
+              <a:rect l="0" t="0" r="r" b="b"/>
+              <a:pathLst>
+                <a:path w="90" h="207">
+                  <a:moveTo>
+                    <a:pt x="6" y="15"/>
+                  </a:moveTo>
+                  <a:cubicBezTo>
+                    <a:pt x="4" y="10"/>
+                    <a:pt x="2" y="5"/>
+                    <a:pt x="0" y="0"/>
+                  </a:cubicBezTo>
+                  <a:cubicBezTo>
+                    <a:pt x="0" y="9"/>
+                    <a:pt x="0" y="19"/>
+                    <a:pt x="1" y="29"/>
+                  </a:cubicBezTo>
+                  <a:cubicBezTo>
+                    <a:pt x="14" y="62"/>
+                    <a:pt x="27" y="95"/>
+                    <a:pt x="42" y="127"/>
+                  </a:cubicBezTo>
+                  <a:cubicBezTo>
+                    <a:pt x="54" y="154"/>
+                    <a:pt x="67" y="181"/>
+                    <a:pt x="80" y="207"/>
+                  </a:cubicBezTo>
+                  <a:cubicBezTo>
+                    <a:pt x="90" y="207"/>
+                    <a:pt x="90" y="207"/>
+                    <a:pt x="90" y="207"/>
+                  </a:cubicBezTo>
+                  <a:cubicBezTo>
+                    <a:pt x="76" y="180"/>
+                    <a:pt x="63" y="152"/>
+                    <a:pt x="50" y="123"/>
+                  </a:cubicBezTo>
+                  <a:cubicBezTo>
+                    <a:pt x="34" y="88"/>
+                    <a:pt x="20" y="51"/>
+                    <a:pt x="6" y="15"/>
+                  </a:cubicBezTo>
+                  <a:close/>
+                </a:path>
+              </a:pathLst>
+            </a:custGeom>
+            <a:solidFill>
+              <a:schemeClr val="tx2"/>
+            </a:solidFill>
+            <a:ln>
+              <a:noFill/>
+            </a:ln>
+          </p:spPr>
+        </p:sp>
+        <p:sp>
+          <p:nvSpPr>
+            <p:cNvPr id="14" name="Freeform 30"/>
+            <p:cNvSpPr/>
+            <p:nvPr/>
+          </p:nvSpPr>
+          <p:spPr bwMode="auto">
+            <a:xfrm>
+              <a:off x="7037388" y="3811588"/>
+              <a:ext cx="457200" cy="1852613"/>
+            </a:xfrm>
+            <a:custGeom>
+              <a:avLst/>
+              <a:gdLst/>
+              <a:ahLst/>
+              <a:cxnLst/>
+              <a:rect l="0" t="0" r="r" b="b"/>
+              <a:pathLst>
+                <a:path w="115" h="467">
+                  <a:moveTo>
+                    <a:pt x="101" y="409"/>
+                  </a:moveTo>
+                  <a:cubicBezTo>
+                    <a:pt x="93" y="388"/>
+                    <a:pt x="85" y="366"/>
+                    <a:pt x="78" y="344"/>
+                  </a:cubicBezTo>
+                  <a:cubicBezTo>
+                    <a:pt x="57" y="281"/>
+                    <a:pt x="41" y="216"/>
+                    <a:pt x="29" y="151"/>
+                  </a:cubicBezTo>
+                  <a:cubicBezTo>
+                    <a:pt x="22" y="119"/>
+                    <a:pt x="17" y="86"/>
+                    <a:pt x="13" y="53"/>
+                  </a:cubicBezTo>
+                  <a:cubicBezTo>
+                    <a:pt x="9" y="35"/>
+                    <a:pt x="4" y="18"/>
+                    <a:pt x="0" y="0"/>
+                  </a:cubicBezTo>
+                  <a:cubicBezTo>
+                    <a:pt x="5" y="51"/>
+                    <a:pt x="12" y="102"/>
+                    <a:pt x="21" y="152"/>
+                  </a:cubicBezTo>
+                  <a:cubicBezTo>
+                    <a:pt x="33" y="218"/>
+                    <a:pt x="49" y="283"/>
+                    <a:pt x="69" y="347"/>
+                  </a:cubicBezTo>
+                  <a:cubicBezTo>
+                    <a:pt x="79" y="378"/>
+                    <a:pt x="90" y="410"/>
+                    <a:pt x="103" y="441"/>
+                  </a:cubicBezTo>
+                  <a:cubicBezTo>
+                    <a:pt x="107" y="449"/>
+                    <a:pt x="111" y="458"/>
+                    <a:pt x="115" y="467"/>
+                  </a:cubicBezTo>
+                  <a:cubicBezTo>
+                    <a:pt x="114" y="464"/>
+                    <a:pt x="113" y="461"/>
+                    <a:pt x="112" y="458"/>
+                  </a:cubicBezTo>
+                  <a:cubicBezTo>
+                    <a:pt x="108" y="442"/>
+                    <a:pt x="104" y="425"/>
+                    <a:pt x="101" y="409"/>
+                  </a:cubicBezTo>
+                  <a:close/>
+                </a:path>
+              </a:pathLst>
+            </a:custGeom>
+            <a:solidFill>
+              <a:schemeClr val="tx2"/>
+            </a:solidFill>
+            <a:ln>
+              <a:noFill/>
+            </a:ln>
+          </p:spPr>
+        </p:sp>
+        <p:sp>
+          <p:nvSpPr>
+            <p:cNvPr id="15" name="Freeform 31"/>
+            <p:cNvSpPr/>
+            <p:nvPr/>
+          </p:nvSpPr>
+          <p:spPr bwMode="auto">
+            <a:xfrm>
+              <a:off x="6992938" y="1263650"/>
+              <a:ext cx="144463" cy="2508250"/>
+            </a:xfrm>
+            <a:custGeom>
+              <a:avLst/>
+              <a:gdLst/>
+              <a:ahLst/>
+              <a:cxnLst/>
+              <a:rect l="0" t="0" r="r" b="b"/>
+              <a:pathLst>
+                <a:path w="36" h="633">
+                  <a:moveTo>
+                    <a:pt x="17" y="633"/>
+                  </a:moveTo>
+                  <a:cubicBezTo>
+                    <a:pt x="15" y="621"/>
+                    <a:pt x="14" y="609"/>
+                    <a:pt x="13" y="597"/>
+                  </a:cubicBezTo>
+                  <a:cubicBezTo>
+                    <a:pt x="8" y="530"/>
+                    <a:pt x="5" y="464"/>
+                    <a:pt x="5" y="398"/>
+                  </a:cubicBezTo>
+                  <a:cubicBezTo>
+                    <a:pt x="5" y="331"/>
+                    <a:pt x="8" y="265"/>
+                    <a:pt x="13" y="198"/>
+                  </a:cubicBezTo>
+                  <a:cubicBezTo>
+                    <a:pt x="15" y="165"/>
+                    <a:pt x="18" y="132"/>
+                    <a:pt x="22" y="99"/>
+                  </a:cubicBezTo>
+                  <a:cubicBezTo>
+                    <a:pt x="26" y="66"/>
+                    <a:pt x="30" y="33"/>
+                    <a:pt x="36" y="0"/>
+                  </a:cubicBezTo>
+                  <a:cubicBezTo>
+                    <a:pt x="35" y="0"/>
+                    <a:pt x="35" y="0"/>
+                    <a:pt x="35" y="0"/>
+                  </a:cubicBezTo>
+                  <a:cubicBezTo>
+                    <a:pt x="29" y="33"/>
+                    <a:pt x="24" y="66"/>
+                    <a:pt x="20" y="99"/>
+                  </a:cubicBezTo>
+                  <a:cubicBezTo>
+                    <a:pt x="16" y="132"/>
+                    <a:pt x="13" y="165"/>
+                    <a:pt x="10" y="198"/>
+                  </a:cubicBezTo>
+                  <a:cubicBezTo>
+                    <a:pt x="4" y="264"/>
+                    <a:pt x="1" y="331"/>
+                    <a:pt x="1" y="398"/>
+                  </a:cubicBezTo>
+                  <a:cubicBezTo>
+                    <a:pt x="0" y="461"/>
+                    <a:pt x="2" y="525"/>
+                    <a:pt x="7" y="589"/>
+                  </a:cubicBezTo>
+                  <a:cubicBezTo>
+                    <a:pt x="10" y="603"/>
+                    <a:pt x="13" y="618"/>
+                    <a:pt x="16" y="632"/>
+                  </a:cubicBezTo>
+                  <a:cubicBezTo>
+                    <a:pt x="16" y="632"/>
+                    <a:pt x="17" y="633"/>
+                    <a:pt x="17" y="633"/>
+                  </a:cubicBezTo>
+                  <a:close/>
+                </a:path>
+              </a:pathLst>
+            </a:custGeom>
+            <a:solidFill>
+              <a:schemeClr val="tx2"/>
+            </a:solidFill>
+            <a:ln>
+              <a:noFill/>
+            </a:ln>
+          </p:spPr>
+        </p:sp>
+        <p:sp>
+          <p:nvSpPr>
+            <p:cNvPr id="16" name="Freeform 32"/>
+            <p:cNvSpPr/>
+            <p:nvPr/>
+          </p:nvSpPr>
+          <p:spPr bwMode="auto">
+            <a:xfrm>
+              <a:off x="7526338" y="5640388"/>
+              <a:ext cx="111125" cy="233363"/>
+            </a:xfrm>
+            <a:custGeom>
+              <a:avLst/>
+              <a:gdLst/>
+              <a:ahLst/>
+              <a:cxnLst/>
+              <a:rect l="0" t="0" r="r" b="b"/>
+              <a:pathLst>
+                <a:path w="28" h="59">
+                  <a:moveTo>
+                    <a:pt x="22" y="59"/>
+                  </a:moveTo>
+                  <a:cubicBezTo>
+                    <a:pt x="28" y="59"/>
+                    <a:pt x="28" y="59"/>
+                    <a:pt x="28" y="59"/>
+                  </a:cubicBezTo>
+                  <a:cubicBezTo>
+                    <a:pt x="18" y="40"/>
+                    <a:pt x="9" y="20"/>
+                    <a:pt x="0" y="0"/>
+                  </a:cubicBezTo>
+                  <a:cubicBezTo>
+                    <a:pt x="6" y="20"/>
+                    <a:pt x="13" y="40"/>
+                    <a:pt x="22" y="59"/>
+                  </a:cubicBezTo>
+                  <a:close/>
+                </a:path>
+              </a:pathLst>
+            </a:custGeom>
+            <a:solidFill>
+              <a:schemeClr val="tx2"/>
+            </a:solidFill>
+            <a:ln>
+              <a:noFill/>
+            </a:ln>
+          </p:spPr>
+        </p:sp>
+        <p:sp>
+          <p:nvSpPr>
+            <p:cNvPr id="17" name="Freeform 33"/>
+            <p:cNvSpPr/>
+            <p:nvPr/>
+          </p:nvSpPr>
+          <p:spPr bwMode="auto">
+            <a:xfrm>
+              <a:off x="7021513" y="3598863"/>
+              <a:ext cx="68263" cy="423863"/>
+            </a:xfrm>
+            <a:custGeom>
+              <a:avLst/>
+              <a:gdLst/>
+              <a:ahLst/>
+              <a:cxnLst/>
+              <a:rect l="0" t="0" r="r" b="b"/>
+              <a:pathLst>
+                <a:path w="17" h="107">
+                  <a:moveTo>
+                    <a:pt x="4" y="54"/>
+                  </a:moveTo>
+                  <a:cubicBezTo>
+                    <a:pt x="8" y="72"/>
+                    <a:pt x="13" y="89"/>
+                    <a:pt x="17" y="107"/>
+                  </a:cubicBezTo>
+                  <a:cubicBezTo>
+                    <a:pt x="14" y="86"/>
+                    <a:pt x="12" y="65"/>
+                    <a:pt x="10" y="44"/>
+                  </a:cubicBezTo>
+                  <a:cubicBezTo>
+                    <a:pt x="10" y="44"/>
+                    <a:pt x="9" y="43"/>
+                    <a:pt x="9" y="43"/>
+                  </a:cubicBezTo>
+                  <a:cubicBezTo>
+                    <a:pt x="6" y="29"/>
+                    <a:pt x="3" y="14"/>
+                    <a:pt x="0" y="0"/>
+                  </a:cubicBezTo>
+                  <a:cubicBezTo>
+                    <a:pt x="0" y="2"/>
+                    <a:pt x="0" y="5"/>
+                    <a:pt x="0" y="8"/>
+                  </a:cubicBezTo>
+                  <a:cubicBezTo>
+                    <a:pt x="1" y="23"/>
+                    <a:pt x="3" y="39"/>
+                    <a:pt x="4" y="54"/>
+                  </a:cubicBezTo>
+                  <a:close/>
+                </a:path>
+              </a:pathLst>
+            </a:custGeom>
+            <a:solidFill>
+              <a:schemeClr val="tx2"/>
+            </a:solidFill>
+            <a:ln>
+              <a:noFill/>
+            </a:ln>
+          </p:spPr>
+        </p:sp>
+        <p:sp>
+          <p:nvSpPr>
+            <p:cNvPr id="18" name="Freeform 34"/>
+            <p:cNvSpPr/>
+            <p:nvPr/>
+          </p:nvSpPr>
+          <p:spPr bwMode="auto">
+            <a:xfrm>
+              <a:off x="7412038" y="2801938"/>
+              <a:ext cx="1168400" cy="2251075"/>
+            </a:xfrm>
+            <a:custGeom>
+              <a:avLst/>
+              <a:gdLst/>
+              <a:ahLst/>
+              <a:cxnLst/>
+              <a:rect l="0" t="0" r="r" b="b"/>
+              <a:pathLst>
+                <a:path w="294" h="568">
+                  <a:moveTo>
+                    <a:pt x="8" y="553"/>
+                  </a:moveTo>
+                  <a:cubicBezTo>
+                    <a:pt x="9" y="501"/>
+                    <a:pt x="19" y="448"/>
+                    <a:pt x="35" y="397"/>
+                  </a:cubicBezTo>
+                  <a:cubicBezTo>
+                    <a:pt x="51" y="347"/>
+                    <a:pt x="73" y="298"/>
+                    <a:pt x="99" y="252"/>
+                  </a:cubicBezTo>
+                  <a:cubicBezTo>
+                    <a:pt x="124" y="205"/>
+                    <a:pt x="154" y="161"/>
+                    <a:pt x="187" y="119"/>
+                  </a:cubicBezTo>
+                  <a:cubicBezTo>
+                    <a:pt x="203" y="98"/>
+                    <a:pt x="220" y="77"/>
+                    <a:pt x="238" y="58"/>
+                  </a:cubicBezTo>
+                  <a:cubicBezTo>
+                    <a:pt x="247" y="48"/>
+                    <a:pt x="256" y="38"/>
+                    <a:pt x="265" y="28"/>
+                  </a:cubicBezTo>
+                  <a:cubicBezTo>
+                    <a:pt x="274" y="19"/>
+                    <a:pt x="284" y="9"/>
+                    <a:pt x="294" y="0"/>
+                  </a:cubicBezTo>
+                  <a:cubicBezTo>
+                    <a:pt x="293" y="0"/>
+                    <a:pt x="293" y="0"/>
+                    <a:pt x="293" y="0"/>
+                  </a:cubicBezTo>
+                  <a:cubicBezTo>
+                    <a:pt x="283" y="9"/>
+                    <a:pt x="273" y="18"/>
+                    <a:pt x="264" y="27"/>
+                  </a:cubicBezTo>
+                  <a:cubicBezTo>
+                    <a:pt x="255" y="37"/>
+                    <a:pt x="246" y="47"/>
+                    <a:pt x="237" y="56"/>
+                  </a:cubicBezTo>
+                  <a:cubicBezTo>
+                    <a:pt x="218" y="76"/>
+                    <a:pt x="201" y="96"/>
+                    <a:pt x="185" y="117"/>
+                  </a:cubicBezTo>
+                  <a:cubicBezTo>
+                    <a:pt x="151" y="159"/>
+                    <a:pt x="121" y="203"/>
+                    <a:pt x="95" y="249"/>
+                  </a:cubicBezTo>
+                  <a:cubicBezTo>
+                    <a:pt x="68" y="296"/>
+                    <a:pt x="46" y="345"/>
+                    <a:pt x="30" y="396"/>
+                  </a:cubicBezTo>
+                  <a:cubicBezTo>
+                    <a:pt x="13" y="445"/>
+                    <a:pt x="3" y="497"/>
+                    <a:pt x="0" y="549"/>
+                  </a:cubicBezTo>
+                  <a:cubicBezTo>
+                    <a:pt x="3" y="555"/>
+                    <a:pt x="5" y="561"/>
+                    <a:pt x="7" y="568"/>
+                  </a:cubicBezTo>
+                  <a:cubicBezTo>
+                    <a:pt x="7" y="563"/>
+                    <a:pt x="7" y="558"/>
+                    <a:pt x="8" y="553"/>
+                  </a:cubicBezTo>
+                  <a:close/>
+                </a:path>
+              </a:pathLst>
+            </a:custGeom>
+            <a:solidFill>
+              <a:schemeClr val="tx2"/>
+            </a:solidFill>
+            <a:ln>
+              <a:noFill/>
+            </a:ln>
+          </p:spPr>
+        </p:sp>
+        <p:sp>
+          <p:nvSpPr>
+            <p:cNvPr id="19" name="Freeform 35"/>
+            <p:cNvSpPr/>
+            <p:nvPr/>
+          </p:nvSpPr>
+          <p:spPr bwMode="auto">
+            <a:xfrm>
+              <a:off x="7494588" y="5664200"/>
+              <a:ext cx="100013" cy="209550"/>
+            </a:xfrm>
+            <a:custGeom>
+              <a:avLst/>
+              <a:gdLst/>
+              <a:ahLst/>
+              <a:cxnLst/>
+              <a:rect l="0" t="0" r="r" b="b"/>
+              <a:pathLst>
+                <a:path w="25" h="53">
+                  <a:moveTo>
+                    <a:pt x="0" y="0"/>
+                  </a:moveTo>
+                  <a:cubicBezTo>
+                    <a:pt x="5" y="18"/>
+                    <a:pt x="12" y="36"/>
+                    <a:pt x="19" y="53"/>
+                  </a:cubicBezTo>
+                  <a:cubicBezTo>
+                    <a:pt x="25" y="53"/>
+                    <a:pt x="25" y="53"/>
+                    <a:pt x="25" y="53"/>
+                  </a:cubicBezTo>
+                  <a:cubicBezTo>
+                    <a:pt x="16" y="36"/>
+                    <a:pt x="8" y="18"/>
+                    <a:pt x="0" y="0"/>
+                  </a:cubicBezTo>
+                  <a:close/>
+                </a:path>
+              </a:pathLst>
+            </a:custGeom>
+            <a:solidFill>
+              <a:schemeClr val="tx2"/>
+            </a:solidFill>
+            <a:ln>
+              <a:noFill/>
+            </a:ln>
+          </p:spPr>
+        </p:sp>
+        <p:sp>
+          <p:nvSpPr>
+            <p:cNvPr id="20" name="Freeform 36"/>
+            <p:cNvSpPr/>
+            <p:nvPr/>
+          </p:nvSpPr>
+          <p:spPr bwMode="auto">
+            <a:xfrm>
+              <a:off x="7412038" y="5081588"/>
+              <a:ext cx="114300" cy="558800"/>
+            </a:xfrm>
+            <a:custGeom>
+              <a:avLst/>
+              <a:gdLst/>
+              <a:ahLst/>
+              <a:cxnLst/>
+              <a:rect l="0" t="0" r="r" b="b"/>
+              <a:pathLst>
+                <a:path w="29" h="141">
+                  <a:moveTo>
+                    <a:pt x="0" y="0"/>
+                  </a:moveTo>
+                  <a:cubicBezTo>
+                    <a:pt x="0" y="30"/>
+                    <a:pt x="2" y="60"/>
+                    <a:pt x="7" y="89"/>
+                  </a:cubicBezTo>
+                  <a:cubicBezTo>
+                    <a:pt x="11" y="98"/>
+                    <a:pt x="14" y="108"/>
+                    <a:pt x="18" y="117"/>
+                  </a:cubicBezTo>
+                  <a:cubicBezTo>
+                    <a:pt x="22" y="125"/>
+                    <a:pt x="25" y="133"/>
+                    <a:pt x="29" y="141"/>
+                  </a:cubicBezTo>
+                  <a:cubicBezTo>
+                    <a:pt x="28" y="139"/>
+                    <a:pt x="28" y="137"/>
+                    <a:pt x="27" y="135"/>
+                  </a:cubicBezTo>
+                  <a:cubicBezTo>
+                    <a:pt x="16" y="98"/>
+                    <a:pt x="10" y="60"/>
+                    <a:pt x="8" y="22"/>
+                  </a:cubicBezTo>
+                  <a:cubicBezTo>
+                    <a:pt x="7" y="18"/>
+                    <a:pt x="5" y="15"/>
+                    <a:pt x="4" y="11"/>
+                  </a:cubicBezTo>
+                  <a:cubicBezTo>
+                    <a:pt x="2" y="7"/>
+                    <a:pt x="1" y="3"/>
+                    <a:pt x="0" y="0"/>
+                  </a:cubicBezTo>
+                  <a:close/>
+                </a:path>
+              </a:pathLst>
+            </a:custGeom>
+            <a:solidFill>
+              <a:schemeClr val="tx2"/>
+            </a:solidFill>
+            <a:ln>
+              <a:noFill/>
+            </a:ln>
+          </p:spPr>
+        </p:sp>
+        <p:sp>
+          <p:nvSpPr>
+            <p:cNvPr id="21" name="Freeform 37"/>
+            <p:cNvSpPr/>
+            <p:nvPr/>
+          </p:nvSpPr>
+          <p:spPr bwMode="auto">
+            <a:xfrm>
+              <a:off x="7412038" y="4978400"/>
+              <a:ext cx="31750" cy="188913"/>
+            </a:xfrm>
+            <a:custGeom>
+              <a:avLst/>
+              <a:gdLst/>
+              <a:ahLst/>
+              <a:cxnLst/>
+              <a:rect l="0" t="0" r="r" b="b"/>
+              <a:pathLst>
+                <a:path w="8" h="48">
+                  <a:moveTo>
+                    <a:pt x="0" y="26"/>
+                  </a:moveTo>
+                  <a:cubicBezTo>
+                    <a:pt x="1" y="29"/>
+                    <a:pt x="2" y="33"/>
+                    <a:pt x="4" y="37"/>
+                  </a:cubicBezTo>
+                  <a:cubicBezTo>
+                    <a:pt x="5" y="41"/>
+                    <a:pt x="7" y="44"/>
+                    <a:pt x="8" y="48"/>
+                  </a:cubicBezTo>
+                  <a:cubicBezTo>
+                    <a:pt x="7" y="38"/>
+                    <a:pt x="7" y="28"/>
+                    <a:pt x="7" y="19"/>
+                  </a:cubicBezTo>
+                  <a:cubicBezTo>
+                    <a:pt x="5" y="12"/>
+                    <a:pt x="3" y="6"/>
+                    <a:pt x="0" y="0"/>
+                  </a:cubicBezTo>
+                  <a:cubicBezTo>
+                    <a:pt x="0" y="1"/>
+                    <a:pt x="0" y="3"/>
+                    <a:pt x="0" y="4"/>
+                  </a:cubicBezTo>
+                  <a:cubicBezTo>
+                    <a:pt x="0" y="11"/>
+                    <a:pt x="0" y="19"/>
+                    <a:pt x="0" y="26"/>
+                  </a:cubicBezTo>
+                  <a:close/>
+                </a:path>
+              </a:pathLst>
+            </a:custGeom>
+            <a:solidFill>
+              <a:schemeClr val="tx2"/>
+            </a:solidFill>
+            <a:ln>
+              <a:noFill/>
+            </a:ln>
+          </p:spPr>
+        </p:sp>
+        <p:sp>
+          <p:nvSpPr>
+            <p:cNvPr id="22" name="Freeform 38"/>
+            <p:cNvSpPr/>
+            <p:nvPr/>
+          </p:nvSpPr>
+          <p:spPr bwMode="auto">
+            <a:xfrm>
+              <a:off x="7439026" y="5434013"/>
+              <a:ext cx="174625" cy="439738"/>
+            </a:xfrm>
+            <a:custGeom>
+              <a:avLst/>
+              <a:gdLst/>
+              <a:ahLst/>
+              <a:cxnLst/>
+              <a:rect l="0" t="0" r="r" b="b"/>
+              <a:pathLst>
+                <a:path w="44" h="111">
+                  <a:moveTo>
+                    <a:pt x="11" y="28"/>
+                  </a:moveTo>
+                  <a:cubicBezTo>
+                    <a:pt x="7" y="19"/>
+                    <a:pt x="4" y="9"/>
+                    <a:pt x="0" y="0"/>
+                  </a:cubicBezTo>
+                  <a:cubicBezTo>
+                    <a:pt x="3" y="16"/>
+                    <a:pt x="7" y="33"/>
+                    <a:pt x="11" y="49"/>
+                  </a:cubicBezTo>
+                  <a:cubicBezTo>
+                    <a:pt x="12" y="52"/>
+                    <a:pt x="13" y="55"/>
+                    <a:pt x="14" y="58"/>
+                  </a:cubicBezTo>
+                  <a:cubicBezTo>
+                    <a:pt x="22" y="76"/>
+                    <a:pt x="30" y="94"/>
+                    <a:pt x="39" y="111"/>
+                  </a:cubicBezTo>
+                  <a:cubicBezTo>
+                    <a:pt x="44" y="111"/>
+                    <a:pt x="44" y="111"/>
+                    <a:pt x="44" y="111"/>
+                  </a:cubicBezTo>
+                  <a:cubicBezTo>
+                    <a:pt x="35" y="92"/>
+                    <a:pt x="28" y="72"/>
+                    <a:pt x="22" y="52"/>
+                  </a:cubicBezTo>
+                  <a:cubicBezTo>
+                    <a:pt x="18" y="44"/>
+                    <a:pt x="15" y="36"/>
+                    <a:pt x="11" y="28"/>
+                  </a:cubicBezTo>
+                  <a:close/>
+                </a:path>
+              </a:pathLst>
+            </a:custGeom>
+            <a:solidFill>
+              <a:schemeClr val="tx2"/>
+            </a:solidFill>
+            <a:ln>
+              <a:noFill/>
+            </a:ln>
+          </p:spPr>
+        </p:sp>
+      </p:grpSp>
+      <p:sp>
+        <p:nvSpPr>
+          <p:cNvPr id="7" name="Rectangle 6"/>
+          <p:cNvSpPr/>
+          <p:nvPr/>
         </p:nvSpPr>
         <p:spPr>
           <a:xfrm>
-            <a:off x="684212" y="4487332"/>
-            <a:ext cx="8534400" cy="1507067"/>
+            <a:off x="0" y="0"/>
+            <a:ext cx="182880" cy="6858000"/>
           </a:xfrm>
           <a:prstGeom prst="rect">
             <a:avLst/>
           </a:prstGeom>
+          <a:solidFill>
+            <a:schemeClr val="tx2"/>
+          </a:solidFill>
+          <a:ln>
+            <a:noFill/>
+          </a:ln>
           <a:effectLst/>
         </p:spPr>
-        <p:txBody>
-          <a:bodyPr vert="horz" lIns="91440" tIns="45720" rIns="91440" bIns="45720" rtlCol="0" anchor="ctr">
-            <a:normAutofit/>
-          </a:bodyPr>
-          <a:lstStyle/>
-          <a:p>
-            <a:r>
-              <a:rPr lang="fr-FR"/>
-              <a:t>Modifiez le style du titre</a:t>
-            </a:r>
-            <a:endParaRPr lang="en-US" dirty="0"/>
-          </a:p>
-        </p:txBody>
-      </p:sp>
-      <p:sp>
-        <p:nvSpPr>
-          <p:cNvPr id="3" name="Text Placeholder 2"/>
-          <p:cNvSpPr>
-            <a:spLocks noGrp="1"/>
-          </p:cNvSpPr>
-          <p:nvPr>
-            <p:ph type="body" idx="1"/>
+        <p:style>
+          <a:lnRef idx="1">
+            <a:schemeClr val="accent1"/>
+          </a:lnRef>
+          <a:fillRef idx="3">
+            <a:schemeClr val="accent1"/>
+          </a:fillRef>
+          <a:effectRef idx="2">
+            <a:schemeClr val="accent1"/>
+          </a:effectRef>
+          <a:fontRef idx="minor">
+            <a:schemeClr val="lt1"/>
+          </a:fontRef>
+        </p:style>
+      </p:sp>
+      <p:sp>
+        <p:nvSpPr>
+          <p:cNvPr id="2" name="Title Placeholder 1"/>
+          <p:cNvSpPr>
+            <a:spLocks noGrp="1"/>
+          </p:cNvSpPr>
+          <p:nvPr>
+            <p:ph type="title"/>
           </p:nvPr>
         </p:nvSpPr>
         <p:spPr>
           <a:xfrm>
-            <a:off x="684212" y="685800"/>
-            <a:ext cx="8534400" cy="3615267"/>
+            <a:off x="2592924" y="624110"/>
+            <a:ext cx="8911687" cy="1280890"/>
           </a:xfrm>
           <a:prstGeom prst="rect">
             <a:avLst/>
           </a:prstGeom>
         </p:spPr>
         <p:txBody>
-          <a:bodyPr vert="horz" lIns="91440" tIns="45720" rIns="91440" bIns="45720" rtlCol="0" anchor="ctr">
+          <a:bodyPr vert="horz" lIns="91440" tIns="45720" rIns="91440" bIns="45720" rtlCol="0" anchor="t">
             <a:normAutofit/>
           </a:bodyPr>
           <a:lstStyle/>
           <a:p>
-            <a:pPr lvl="0"/>
             <a:r>
               <a:rPr lang="fr-FR"/>
-              <a:t>Cliquez pour modifier les styles du texte du masque</a:t>
-            </a:r>
-          </a:p>
-          <a:p>
-            <a:pPr lvl="1"/>
-            <a:r>
-              <a:rPr lang="fr-FR"/>
-              <a:t>Deuxième niveau</a:t>
-            </a:r>
-          </a:p>
-          <a:p>
-            <a:pPr lvl="2"/>
-            <a:r>
-              <a:rPr lang="fr-FR"/>
-              <a:t>Troisième niveau</a:t>
-            </a:r>
-          </a:p>
-          <a:p>
-            <a:pPr lvl="3"/>
-            <a:r>
-              <a:rPr lang="fr-FR"/>
-              <a:t>Quatrième niveau</a:t>
-            </a:r>
-          </a:p>
-          <a:p>
-            <a:pPr lvl="4"/>
-            <a:r>
-              <a:rPr lang="fr-FR"/>
-              <a:t>Cinquième niveau</a:t>
+              <a:t>Modifiez le style du titre</a:t>
             </a:r>
             <a:endParaRPr lang="en-US" dirty="0"/>
           </a:p>
@@ -4800,35 +7072,95 @@
       </p:sp>
       <p:sp>
         <p:nvSpPr>
-          <p:cNvPr id="4" name="Date Placeholder 3"/>
-          <p:cNvSpPr>
-            <a:spLocks noGrp="1"/>
-          </p:cNvSpPr>
-          <p:nvPr>
-            <p:ph type="dt" sz="half" idx="2"/>
+          <p:cNvPr id="3" name="Text Placeholder 2"/>
+          <p:cNvSpPr>
+            <a:spLocks noGrp="1"/>
+          </p:cNvSpPr>
+          <p:nvPr>
+            <p:ph type="body" idx="1"/>
           </p:nvPr>
         </p:nvSpPr>
         <p:spPr>
           <a:xfrm>
-            <a:off x="9904412" y="6172200"/>
-            <a:ext cx="1600200" cy="365125"/>
+            <a:off x="2589212" y="2133600"/>
+            <a:ext cx="8915400" cy="3886200"/>
           </a:xfrm>
           <a:prstGeom prst="rect">
             <a:avLst/>
           </a:prstGeom>
         </p:spPr>
         <p:txBody>
-          <a:bodyPr vert="horz" lIns="91440" tIns="45720" rIns="91440" bIns="45720" rtlCol="0" anchor="t"/>
+          <a:bodyPr vert="horz" lIns="91440" tIns="45720" rIns="91440" bIns="45720" rtlCol="0">
+            <a:normAutofit/>
+          </a:bodyPr>
+          <a:lstStyle/>
+          <a:p>
+            <a:pPr lvl="0"/>
+            <a:r>
+              <a:rPr lang="fr-FR"/>
+              <a:t>Cliquez pour modifier les styles du texte du masque</a:t>
+            </a:r>
+          </a:p>
+          <a:p>
+            <a:pPr lvl="1"/>
+            <a:r>
+              <a:rPr lang="fr-FR"/>
+              <a:t>Deuxième niveau</a:t>
+            </a:r>
+          </a:p>
+          <a:p>
+            <a:pPr lvl="2"/>
+            <a:r>
+              <a:rPr lang="fr-FR"/>
+              <a:t>Troisième niveau</a:t>
+            </a:r>
+          </a:p>
+          <a:p>
+            <a:pPr lvl="3"/>
+            <a:r>
+              <a:rPr lang="fr-FR"/>
+              <a:t>Quatrième niveau</a:t>
+            </a:r>
+          </a:p>
+          <a:p>
+            <a:pPr lvl="4"/>
+            <a:r>
+              <a:rPr lang="fr-FR"/>
+              <a:t>Cinquième niveau</a:t>
+            </a:r>
+            <a:endParaRPr lang="en-US" dirty="0"/>
+          </a:p>
+        </p:txBody>
+      </p:sp>
+      <p:sp>
+        <p:nvSpPr>
+          <p:cNvPr id="4" name="Date Placeholder 3"/>
+          <p:cNvSpPr>
+            <a:spLocks noGrp="1"/>
+          </p:cNvSpPr>
+          <p:nvPr>
+            <p:ph type="dt" sz="half" idx="2"/>
+          </p:nvPr>
+        </p:nvSpPr>
+        <p:spPr>
+          <a:xfrm>
+            <a:off x="10361612" y="6130437"/>
+            <a:ext cx="1146283" cy="370396"/>
+          </a:xfrm>
+          <a:prstGeom prst="rect">
+            <a:avLst/>
+          </a:prstGeom>
+        </p:spPr>
+        <p:txBody>
+          <a:bodyPr vert="horz" lIns="91440" tIns="45720" rIns="91440" bIns="45720" rtlCol="0" anchor="ctr"/>
           <a:lstStyle>
             <a:lvl1pPr algn="r">
-              <a:defRPr sz="1000" b="0" i="0">
+              <a:defRPr sz="900">
                 <a:solidFill>
-                  <a:schemeClr val="bg2">
-                    <a:lumMod val="50000"/>
+                  <a:schemeClr val="tx1">
+                    <a:tint val="75000"/>
                   </a:schemeClr>
                 </a:solidFill>
-                <a:effectLst/>
-                <a:latin typeface="+mn-lt"/>
               </a:defRPr>
             </a:lvl1pPr>
           </a:lstStyle>
@@ -4853,25 +7185,23 @@
         </p:nvSpPr>
         <p:spPr>
           <a:xfrm>
-            <a:off x="684212" y="6172200"/>
-            <a:ext cx="7543800" cy="365125"/>
+            <a:off x="2589212" y="6135808"/>
+            <a:ext cx="7619999" cy="365125"/>
           </a:xfrm>
           <a:prstGeom prst="rect">
             <a:avLst/>
           </a:prstGeom>
         </p:spPr>
         <p:txBody>
-          <a:bodyPr vert="horz" lIns="91440" tIns="45720" rIns="91440" bIns="45720" rtlCol="0" anchor="t"/>
+          <a:bodyPr vert="horz" lIns="91440" tIns="45720" rIns="91440" bIns="45720" rtlCol="0" anchor="ctr"/>
           <a:lstStyle>
             <a:lvl1pPr algn="l">
-              <a:defRPr sz="1000" b="0" i="0">
+              <a:defRPr sz="900">
                 <a:solidFill>
-                  <a:schemeClr val="bg2">
-                    <a:lumMod val="50000"/>
+                  <a:schemeClr val="tx1">
+                    <a:tint val="75000"/>
                   </a:schemeClr>
                 </a:solidFill>
-                <a:effectLst/>
-                <a:latin typeface="+mn-lt"/>
               </a:defRPr>
             </a:lvl1pPr>
           </a:lstStyle>
@@ -4890,27 +7220,23 @@
             <p:ph type="sldNum" sz="quarter" idx="4"/>
           </p:nvPr>
         </p:nvSpPr>
-        <p:spPr>
+        <p:spPr bwMode="gray">
           <a:xfrm>
-            <a:off x="10363200" y="5578475"/>
-            <a:ext cx="1142245" cy="669925"/>
+            <a:off x="531812" y="787782"/>
+            <a:ext cx="779767" cy="365125"/>
           </a:xfrm>
           <a:prstGeom prst="rect">
             <a:avLst/>
           </a:prstGeom>
         </p:spPr>
         <p:txBody>
-          <a:bodyPr vert="horz" lIns="91440" tIns="45720" rIns="91440" bIns="45720" rtlCol="0" anchor="b"/>
+          <a:bodyPr vert="horz" lIns="91440" tIns="45720" rIns="91440" bIns="45720" rtlCol="0" anchor="ctr"/>
           <a:lstStyle>
             <a:lvl1pPr algn="r">
-              <a:defRPr sz="3200" b="0" i="0">
+              <a:defRPr sz="2000">
                 <a:solidFill>
-                  <a:schemeClr val="bg2">
-                    <a:lumMod val="50000"/>
-                  </a:schemeClr>
+                  <a:srgbClr val="FEFFFF"/>
                 </a:solidFill>
-                <a:effectLst/>
-                <a:latin typeface="+mn-lt"/>
               </a:defRPr>
             </a:lvl1pPr>
           </a:lstStyle>
@@ -4926,29 +7252,28 @@
     </p:spTree>
     <p:extLst>
       <p:ext uri="{BB962C8B-B14F-4D97-AF65-F5344CB8AC3E}">
-        <p14:creationId xmlns:p14="http://schemas.microsoft.com/office/powerpoint/2010/main" val="3528222777"/>
+        <p14:creationId xmlns:p14="http://schemas.microsoft.com/office/powerpoint/2010/main" val="3388221688"/>
       </p:ext>
     </p:extLst>
   </p:cSld>
-  <p:clrMap bg1="dk1" tx1="lt1" bg2="dk2" tx2="lt2" accent1="accent1" accent2="accent2" accent3="accent3" accent4="accent4" accent5="accent5" accent6="accent6" hlink="hlink" folHlink="folHlink"/>
+  <p:clrMap bg1="lt1" tx1="dk1" bg2="lt2" tx2="dk2" accent1="accent1" accent2="accent2" accent3="accent3" accent4="accent4" accent5="accent5" accent6="accent6" hlink="hlink" folHlink="folHlink"/>
   <p:sldLayoutIdLst>
-    <p:sldLayoutId id="2147483690" r:id="rId1"/>
-    <p:sldLayoutId id="2147483691" r:id="rId2"/>
-    <p:sldLayoutId id="2147483692" r:id="rId3"/>
-    <p:sldLayoutId id="2147483693" r:id="rId4"/>
-    <p:sldLayoutId id="2147483694" r:id="rId5"/>
-    <p:sldLayoutId id="2147483695" r:id="rId6"/>
-    <p:sldLayoutId id="2147483696" r:id="rId7"/>
-    <p:sldLayoutId id="2147483697" r:id="rId8"/>
-    <p:sldLayoutId id="2147483698" r:id="rId9"/>
-    <p:sldLayoutId id="2147483699" r:id="rId10"/>
-    <p:sldLayoutId id="2147483700" r:id="rId11"/>
-    <p:sldLayoutId id="2147483701" r:id="rId12"/>
-    <p:sldLayoutId id="2147483702" r:id="rId13"/>
-    <p:sldLayoutId id="2147483703" r:id="rId14"/>
-    <p:sldLayoutId id="2147483704" r:id="rId15"/>
-    <p:sldLayoutId id="2147483705" r:id="rId16"/>
-    <p:sldLayoutId id="2147483706" r:id="rId17"/>
+    <p:sldLayoutId id="2147483708" r:id="rId1"/>
+    <p:sldLayoutId id="2147483709" r:id="rId2"/>
+    <p:sldLayoutId id="2147483710" r:id="rId3"/>
+    <p:sldLayoutId id="2147483711" r:id="rId4"/>
+    <p:sldLayoutId id="2147483712" r:id="rId5"/>
+    <p:sldLayoutId id="2147483713" r:id="rId6"/>
+    <p:sldLayoutId id="2147483714" r:id="rId7"/>
+    <p:sldLayoutId id="2147483715" r:id="rId8"/>
+    <p:sldLayoutId id="2147483716" r:id="rId9"/>
+    <p:sldLayoutId id="2147483717" r:id="rId10"/>
+    <p:sldLayoutId id="2147483718" r:id="rId11"/>
+    <p:sldLayoutId id="2147483719" r:id="rId12"/>
+    <p:sldLayoutId id="2147483720" r:id="rId13"/>
+    <p:sldLayoutId id="2147483721" r:id="rId14"/>
+    <p:sldLayoutId id="2147483722" r:id="rId15"/>
+    <p:sldLayoutId id="2147483723" r:id="rId16"/>
   </p:sldLayoutIdLst>
   <p:txStyles>
     <p:titleStyle>
@@ -4957,14 +7282,13 @@
           <a:spcPct val="0"/>
         </a:spcBef>
         <a:buNone/>
-        <a:defRPr sz="3600" kern="1200" cap="all">
-          <a:ln w="3175" cmpd="sng">
-            <a:noFill/>
-          </a:ln>
+        <a:defRPr sz="3600" kern="1200">
           <a:solidFill>
-            <a:schemeClr val="tx1"/>
+            <a:schemeClr val="tx1">
+              <a:lumMod val="85000"/>
+              <a:lumOff val="15000"/>
+            </a:schemeClr>
           </a:solidFill>
-          <a:effectLst/>
           <a:latin typeface="+mj-lt"/>
           <a:ea typeface="+mj-ea"/>
           <a:cs typeface="+mj-cs"/>
@@ -5028,26 +7352,25 @@
       </a:lvl9pPr>
     </p:titleStyle>
     <p:bodyStyle>
-      <a:lvl1pPr marL="285750" indent="-285750" algn="l" defTabSz="457200" rtl="0" eaLnBrk="1" latinLnBrk="0" hangingPunct="1">
+      <a:lvl1pPr marL="342900" indent="-342900" algn="l" defTabSz="457200" rtl="0" eaLnBrk="1" latinLnBrk="0" hangingPunct="1">
         <a:spcBef>
-          <a:spcPct val="20000"/>
+          <a:spcPts val="1000"/>
         </a:spcBef>
         <a:spcAft>
-          <a:spcPts val="600"/>
+          <a:spcPts val="0"/>
         </a:spcAft>
         <a:buClr>
-          <a:schemeClr val="tx1"/>
+          <a:schemeClr val="accent1"/>
         </a:buClr>
-        <a:buSzPct val="80000"/>
-        <a:buFont typeface="Wingdings 3" panose="05040102010807070707" pitchFamily="18" charset="2"/>
-        <a:buChar char=""/>
-        <a:defRPr sz="2000" kern="1200" cap="none">
+        <a:buFont typeface="Wingdings 3" charset="2"/>
+        <a:buChar char=""/>
+        <a:defRPr sz="1800" kern="1200">
           <a:solidFill>
-            <a:schemeClr val="bg2">
+            <a:schemeClr val="tx1">
               <a:lumMod val="75000"/>
+              <a:lumOff val="25000"/>
             </a:schemeClr>
           </a:solidFill>
-          <a:effectLst/>
           <a:latin typeface="+mn-lt"/>
           <a:ea typeface="+mn-ea"/>
           <a:cs typeface="+mn-cs"/>
@@ -5055,99 +7378,95 @@
       </a:lvl1pPr>
       <a:lvl2pPr marL="742950" indent="-285750" algn="l" defTabSz="457200" rtl="0" eaLnBrk="1" latinLnBrk="0" hangingPunct="1">
         <a:spcBef>
-          <a:spcPct val="20000"/>
+          <a:spcPts val="1000"/>
         </a:spcBef>
         <a:spcAft>
-          <a:spcPts val="600"/>
+          <a:spcPts val="0"/>
         </a:spcAft>
         <a:buClr>
-          <a:schemeClr val="tx1"/>
+          <a:schemeClr val="accent1"/>
         </a:buClr>
-        <a:buSzPct val="80000"/>
-        <a:buFont typeface="Wingdings 3" panose="05040102010807070707" pitchFamily="18" charset="2"/>
-        <a:buChar char=""/>
-        <a:defRPr sz="1800" kern="1200" cap="none">
+        <a:buFont typeface="Wingdings 3" charset="2"/>
+        <a:buChar char=""/>
+        <a:defRPr sz="1600" kern="1200">
           <a:solidFill>
-            <a:schemeClr val="bg2">
+            <a:schemeClr val="tx1">
               <a:lumMod val="75000"/>
+              <a:lumOff val="25000"/>
             </a:schemeClr>
           </a:solidFill>
-          <a:effectLst/>
           <a:latin typeface="+mn-lt"/>
           <a:ea typeface="+mn-ea"/>
           <a:cs typeface="+mn-cs"/>
         </a:defRPr>
       </a:lvl2pPr>
-      <a:lvl3pPr marL="1200150" indent="-285750" algn="l" defTabSz="457200" rtl="0" eaLnBrk="1" latinLnBrk="0" hangingPunct="1">
+      <a:lvl3pPr marL="1143000" indent="-228600" algn="l" defTabSz="457200" rtl="0" eaLnBrk="1" latinLnBrk="0" hangingPunct="1">
         <a:spcBef>
-          <a:spcPct val="20000"/>
+          <a:spcPts val="1000"/>
         </a:spcBef>
         <a:spcAft>
-          <a:spcPts val="600"/>
+          <a:spcPts val="0"/>
         </a:spcAft>
         <a:buClr>
-          <a:schemeClr val="tx1"/>
+          <a:schemeClr val="accent1"/>
         </a:buClr>
-        <a:buSzPct val="80000"/>
-        <a:buFont typeface="Wingdings 3" panose="05040102010807070707" pitchFamily="18" charset="2"/>
-        <a:buChar char=""/>
-        <a:defRPr sz="1600" kern="1200" cap="none">
+        <a:buFont typeface="Wingdings 3" charset="2"/>
+        <a:buChar char=""/>
+        <a:defRPr sz="1400" kern="1200">
           <a:solidFill>
-            <a:schemeClr val="bg2">
+            <a:schemeClr val="tx1">
               <a:lumMod val="75000"/>
+              <a:lumOff val="25000"/>
             </a:schemeClr>
           </a:solidFill>
-          <a:effectLst/>
           <a:latin typeface="+mn-lt"/>
           <a:ea typeface="+mn-ea"/>
           <a:cs typeface="+mn-cs"/>
         </a:defRPr>
       </a:lvl3pPr>
-      <a:lvl4pPr marL="1543050" indent="-171450" algn="l" defTabSz="457200" rtl="0" eaLnBrk="1" latinLnBrk="0" hangingPunct="1">
+      <a:lvl4pPr marL="1600200" indent="-228600" algn="l" defTabSz="457200" rtl="0" eaLnBrk="1" latinLnBrk="0" hangingPunct="1">
         <a:spcBef>
-          <a:spcPct val="20000"/>
+          <a:spcPts val="1000"/>
         </a:spcBef>
         <a:spcAft>
-          <a:spcPts val="600"/>
+          <a:spcPts val="0"/>
         </a:spcAft>
         <a:buClr>
-          <a:schemeClr val="tx1"/>
+          <a:schemeClr val="accent1"/>
         </a:buClr>
-        <a:buSzPct val="80000"/>
-        <a:buFont typeface="Wingdings 3" panose="05040102010807070707" pitchFamily="18" charset="2"/>
-        <a:buChar char=""/>
-        <a:defRPr sz="1400" kern="1200" cap="none">
+        <a:buFont typeface="Wingdings 3" charset="2"/>
+        <a:buChar char=""/>
+        <a:defRPr sz="1200" kern="1200">
           <a:solidFill>
-            <a:schemeClr val="bg2">
+            <a:schemeClr val="tx1">
               <a:lumMod val="75000"/>
+              <a:lumOff val="25000"/>
             </a:schemeClr>
           </a:solidFill>
-          <a:effectLst/>
           <a:latin typeface="+mn-lt"/>
           <a:ea typeface="+mn-ea"/>
           <a:cs typeface="+mn-cs"/>
         </a:defRPr>
       </a:lvl4pPr>
-      <a:lvl5pPr marL="2000250" indent="-171450" algn="l" defTabSz="457200" rtl="0" eaLnBrk="1" latinLnBrk="0" hangingPunct="1">
+      <a:lvl5pPr marL="2057400" indent="-228600" algn="l" defTabSz="457200" rtl="0" eaLnBrk="1" latinLnBrk="0" hangingPunct="1">
         <a:spcBef>
-          <a:spcPct val="20000"/>
+          <a:spcPts val="1000"/>
         </a:spcBef>
         <a:spcAft>
-          <a:spcPts val="600"/>
+          <a:spcPts val="0"/>
         </a:spcAft>
         <a:buClr>
-          <a:schemeClr val="tx1"/>
+          <a:schemeClr val="accent1"/>
         </a:buClr>
-        <a:buSzPct val="80000"/>
-        <a:buFont typeface="Wingdings 3" panose="05040102010807070707" pitchFamily="18" charset="2"/>
-        <a:buChar char=""/>
-        <a:defRPr sz="1400" kern="1200" cap="none">
+        <a:buFont typeface="Wingdings 3" charset="2"/>
+        <a:buChar char=""/>
+        <a:defRPr sz="1200" kern="1200">
           <a:solidFill>
-            <a:schemeClr val="bg2">
+            <a:schemeClr val="tx1">
               <a:lumMod val="75000"/>
+              <a:lumOff val="25000"/>
             </a:schemeClr>
           </a:solidFill>
-          <a:effectLst/>
           <a:latin typeface="+mn-lt"/>
           <a:ea typeface="+mn-ea"/>
           <a:cs typeface="+mn-cs"/>
@@ -5155,24 +7474,23 @@
       </a:lvl5pPr>
       <a:lvl6pPr marL="2514600" indent="-228600" algn="l" defTabSz="457200" rtl="0" eaLnBrk="1" latinLnBrk="0" hangingPunct="1">
         <a:spcBef>
-          <a:spcPct val="20000"/>
+          <a:spcPts val="1000"/>
         </a:spcBef>
         <a:spcAft>
-          <a:spcPts val="600"/>
+          <a:spcPts val="0"/>
         </a:spcAft>
         <a:buClr>
-          <a:schemeClr val="tx1"/>
+          <a:schemeClr val="accent1"/>
         </a:buClr>
-        <a:buSzPct val="80000"/>
-        <a:buFont typeface="Wingdings 3" panose="05040102010807070707" pitchFamily="18" charset="2"/>
-        <a:buChar char=""/>
-        <a:defRPr sz="1400" kern="1200" cap="none">
+        <a:buFont typeface="Wingdings 3" charset="2"/>
+        <a:buChar char=""/>
+        <a:defRPr sz="1200" kern="1200">
           <a:solidFill>
-            <a:schemeClr val="bg2">
+            <a:schemeClr val="tx1">
               <a:lumMod val="75000"/>
+              <a:lumOff val="25000"/>
             </a:schemeClr>
           </a:solidFill>
-          <a:effectLst/>
           <a:latin typeface="+mn-lt"/>
           <a:ea typeface="+mn-ea"/>
           <a:cs typeface="+mn-cs"/>
@@ -5180,24 +7498,23 @@
       </a:lvl6pPr>
       <a:lvl7pPr marL="2971800" indent="-228600" algn="l" defTabSz="457200" rtl="0" eaLnBrk="1" latinLnBrk="0" hangingPunct="1">
         <a:spcBef>
-          <a:spcPct val="20000"/>
+          <a:spcPts val="1000"/>
         </a:spcBef>
         <a:spcAft>
-          <a:spcPts val="600"/>
+          <a:spcPts val="0"/>
         </a:spcAft>
         <a:buClr>
-          <a:schemeClr val="tx1"/>
+          <a:schemeClr val="accent1"/>
         </a:buClr>
-        <a:buSzPct val="80000"/>
-        <a:buFont typeface="Wingdings 3" panose="05040102010807070707" pitchFamily="18" charset="2"/>
-        <a:buChar char=""/>
-        <a:defRPr sz="1400" kern="1200" cap="none">
+        <a:buFont typeface="Wingdings 3" charset="2"/>
+        <a:buChar char=""/>
+        <a:defRPr sz="1200" kern="1200">
           <a:solidFill>
-            <a:schemeClr val="bg2">
+            <a:schemeClr val="tx1">
               <a:lumMod val="75000"/>
+              <a:lumOff val="25000"/>
             </a:schemeClr>
           </a:solidFill>
-          <a:effectLst/>
           <a:latin typeface="+mn-lt"/>
           <a:ea typeface="+mn-ea"/>
           <a:cs typeface="+mn-cs"/>
@@ -5205,24 +7522,23 @@
       </a:lvl7pPr>
       <a:lvl8pPr marL="3429000" indent="-228600" algn="l" defTabSz="457200" rtl="0" eaLnBrk="1" latinLnBrk="0" hangingPunct="1">
         <a:spcBef>
-          <a:spcPct val="20000"/>
+          <a:spcPts val="1000"/>
         </a:spcBef>
         <a:spcAft>
-          <a:spcPts val="600"/>
+          <a:spcPts val="0"/>
         </a:spcAft>
         <a:buClr>
-          <a:schemeClr val="tx1"/>
+          <a:schemeClr val="accent1"/>
         </a:buClr>
-        <a:buSzPct val="80000"/>
-        <a:buFont typeface="Wingdings 3" panose="05040102010807070707" pitchFamily="18" charset="2"/>
-        <a:buChar char=""/>
-        <a:defRPr sz="1400" kern="1200" cap="none">
+        <a:buFont typeface="Wingdings 3" charset="2"/>
+        <a:buChar char=""/>
+        <a:defRPr sz="1200" kern="1200">
           <a:solidFill>
-            <a:schemeClr val="bg2">
+            <a:schemeClr val="tx1">
               <a:lumMod val="75000"/>
+              <a:lumOff val="25000"/>
             </a:schemeClr>
           </a:solidFill>
-          <a:effectLst/>
           <a:latin typeface="+mn-lt"/>
           <a:ea typeface="+mn-ea"/>
           <a:cs typeface="+mn-cs"/>
@@ -5230,24 +7546,23 @@
       </a:lvl8pPr>
       <a:lvl9pPr marL="3886200" indent="-228600" algn="l" defTabSz="457200" rtl="0" eaLnBrk="1" latinLnBrk="0" hangingPunct="1">
         <a:spcBef>
-          <a:spcPct val="20000"/>
+          <a:spcPts val="1000"/>
         </a:spcBef>
         <a:spcAft>
-          <a:spcPts val="600"/>
+          <a:spcPts val="0"/>
         </a:spcAft>
         <a:buClr>
-          <a:schemeClr val="tx1"/>
+          <a:schemeClr val="accent1"/>
         </a:buClr>
-        <a:buSzPct val="80000"/>
-        <a:buFont typeface="Wingdings 3" panose="05040102010807070707" pitchFamily="18" charset="2"/>
-        <a:buChar char=""/>
-        <a:defRPr sz="1400" kern="1200" cap="none">
+        <a:buFont typeface="Wingdings 3" charset="2"/>
+        <a:buChar char=""/>
+        <a:defRPr sz="1200" kern="1200">
           <a:solidFill>
-            <a:schemeClr val="bg2">
+            <a:schemeClr val="tx1">
               <a:lumMod val="75000"/>
+              <a:lumOff val="25000"/>
             </a:schemeClr>
           </a:solidFill>
-          <a:effectLst/>
           <a:latin typeface="+mn-lt"/>
           <a:ea typeface="+mn-ea"/>
           <a:cs typeface="+mn-cs"/>
@@ -5436,7 +7751,7 @@
         </p:spPr>
         <p:txBody>
           <a:bodyPr>
-            <a:normAutofit fontScale="92500"/>
+            <a:normAutofit/>
           </a:bodyPr>
           <a:lstStyle/>
           <a:p>
@@ -5447,10 +7762,344 @@
           </a:p>
         </p:txBody>
       </p:sp>
+      <p:pic>
+        <p:nvPicPr>
+          <p:cNvPr id="5" name="Image 4">
+            <a:extLst>
+              <a:ext uri="{FF2B5EF4-FFF2-40B4-BE49-F238E27FC236}">
+                <a16:creationId xmlns:a16="http://schemas.microsoft.com/office/drawing/2014/main" id="{653CBD93-84EE-4689-A9B6-DE3F32106395}"/>
+              </a:ext>
+            </a:extLst>
+          </p:cNvPr>
+          <p:cNvPicPr>
+            <a:picLocks noChangeAspect="1"/>
+          </p:cNvPicPr>
+          <p:nvPr/>
+        </p:nvPicPr>
+        <p:blipFill>
+          <a:blip r:embed="rId2">
+            <a:extLst>
+              <a:ext uri="{28A0092B-C50C-407E-A947-70E740481C1C}">
+                <a14:useLocalDpi xmlns:a14="http://schemas.microsoft.com/office/drawing/2010/main" val="0"/>
+              </a:ext>
+            </a:extLst>
+          </a:blip>
+          <a:stretch>
+            <a:fillRect/>
+          </a:stretch>
+        </p:blipFill>
+        <p:spPr>
+          <a:xfrm>
+            <a:off x="8041866" y="5459506"/>
+            <a:ext cx="3764650" cy="1186880"/>
+          </a:xfrm>
+          <a:prstGeom prst="rect">
+            <a:avLst/>
+          </a:prstGeom>
+        </p:spPr>
+      </p:pic>
     </p:spTree>
     <p:extLst>
       <p:ext uri="{BB962C8B-B14F-4D97-AF65-F5344CB8AC3E}">
         <p14:creationId xmlns:p14="http://schemas.microsoft.com/office/powerpoint/2010/main" val="1625218284"/>
+      </p:ext>
+    </p:extLst>
+  </p:cSld>
+  <p:clrMapOvr>
+    <a:masterClrMapping/>
+  </p:clrMapOvr>
+</p:sld>
+</file>
+
+<file path=ppt/slides/slide10.xml><?xml version="1.0" encoding="utf-8"?>
+<p:sld xmlns:a="http://schemas.openxmlformats.org/drawingml/2006/main" xmlns:r="http://schemas.openxmlformats.org/officeDocument/2006/relationships" xmlns:p="http://schemas.openxmlformats.org/presentationml/2006/main">
+  <p:cSld>
+    <p:spTree>
+      <p:nvGrpSpPr>
+        <p:cNvPr id="1" name=""/>
+        <p:cNvGrpSpPr/>
+        <p:nvPr/>
+      </p:nvGrpSpPr>
+      <p:grpSpPr>
+        <a:xfrm>
+          <a:off x="0" y="0"/>
+          <a:ext cx="0" cy="0"/>
+          <a:chOff x="0" y="0"/>
+          <a:chExt cx="0" cy="0"/>
+        </a:xfrm>
+      </p:grpSpPr>
+      <p:sp>
+        <p:nvSpPr>
+          <p:cNvPr id="2" name="Titre 1">
+            <a:extLst>
+              <a:ext uri="{FF2B5EF4-FFF2-40B4-BE49-F238E27FC236}">
+                <a16:creationId xmlns:a16="http://schemas.microsoft.com/office/drawing/2014/main" id="{CAFD6992-DE36-6D89-C9A8-57FFA1518A50}"/>
+              </a:ext>
+            </a:extLst>
+          </p:cNvPr>
+          <p:cNvSpPr>
+            <a:spLocks noGrp="1"/>
+          </p:cNvSpPr>
+          <p:nvPr>
+            <p:ph type="title"/>
+          </p:nvPr>
+        </p:nvSpPr>
+        <p:spPr>
+          <a:xfrm>
+            <a:off x="1473106" y="226200"/>
+            <a:ext cx="8534400" cy="1507067"/>
+          </a:xfrm>
+        </p:spPr>
+        <p:txBody>
+          <a:bodyPr/>
+          <a:lstStyle/>
+          <a:p>
+            <a:r>
+              <a:rPr lang="fr-CH" dirty="0"/>
+              <a:t>Sources</a:t>
+            </a:r>
+          </a:p>
+        </p:txBody>
+      </p:sp>
+      <p:sp>
+        <p:nvSpPr>
+          <p:cNvPr id="3" name="Espace réservé du contenu 2">
+            <a:extLst>
+              <a:ext uri="{FF2B5EF4-FFF2-40B4-BE49-F238E27FC236}">
+                <a16:creationId xmlns:a16="http://schemas.microsoft.com/office/drawing/2014/main" id="{1A0105DA-EE56-4699-AFFC-A1102329B73F}"/>
+              </a:ext>
+            </a:extLst>
+          </p:cNvPr>
+          <p:cNvSpPr>
+            <a:spLocks noGrp="1"/>
+          </p:cNvSpPr>
+          <p:nvPr>
+            <p:ph idx="1"/>
+          </p:nvPr>
+        </p:nvSpPr>
+        <p:spPr>
+          <a:xfrm>
+            <a:off x="684212" y="2192867"/>
+            <a:ext cx="8534400" cy="1580535"/>
+          </a:xfrm>
+        </p:spPr>
+        <p:txBody>
+          <a:bodyPr>
+            <a:noAutofit/>
+          </a:bodyPr>
+          <a:lstStyle/>
+          <a:p>
+            <a:pPr>
+              <a:lnSpc>
+                <a:spcPct val="107000"/>
+              </a:lnSpc>
+              <a:spcAft>
+                <a:spcPts val="800"/>
+              </a:spcAft>
+            </a:pPr>
+            <a:r>
+              <a:rPr lang="fr-CH" u="sng" kern="100" dirty="0">
+                <a:solidFill>
+                  <a:srgbClr val="0563C1"/>
+                </a:solidFill>
+                <a:effectLst/>
+                <a:latin typeface="Calibri" panose="020F0502020204030204" pitchFamily="34" charset="0"/>
+                <a:ea typeface="Calibri" panose="020F0502020204030204" pitchFamily="34" charset="0"/>
+                <a:cs typeface="Arial" panose="020B0604020202020204" pitchFamily="34" charset="0"/>
+                <a:hlinkClick r:id="rId2"/>
+              </a:rPr>
+              <a:t>https://docs.oracle.com/javafx/2/css_tutorial/jfxpub-css_tutorial.htm#BJEJGIGC</a:t>
+            </a:r>
+            <a:endParaRPr lang="fr-CH" kern="100" dirty="0">
+              <a:effectLst/>
+              <a:latin typeface="Calibri" panose="020F0502020204030204" pitchFamily="34" charset="0"/>
+              <a:ea typeface="Calibri" panose="020F0502020204030204" pitchFamily="34" charset="0"/>
+              <a:cs typeface="Arial" panose="020B0604020202020204" pitchFamily="34" charset="0"/>
+            </a:endParaRPr>
+          </a:p>
+          <a:p>
+            <a:pPr>
+              <a:lnSpc>
+                <a:spcPct val="107000"/>
+              </a:lnSpc>
+              <a:spcAft>
+                <a:spcPts val="800"/>
+              </a:spcAft>
+            </a:pPr>
+            <a:r>
+              <a:rPr lang="fr-CH" u="sng" kern="100" dirty="0">
+                <a:solidFill>
+                  <a:srgbClr val="0563C1"/>
+                </a:solidFill>
+                <a:effectLst/>
+                <a:latin typeface="Calibri" panose="020F0502020204030204" pitchFamily="34" charset="0"/>
+                <a:ea typeface="Calibri" panose="020F0502020204030204" pitchFamily="34" charset="0"/>
+                <a:cs typeface="Arial" panose="020B0604020202020204" pitchFamily="34" charset="0"/>
+                <a:hlinkClick r:id="rId3"/>
+              </a:rPr>
+              <a:t>https://guigarage.com/2015/11/styling-a-javafx-scrollbar/</a:t>
+            </a:r>
+            <a:endParaRPr lang="fr-CH" kern="100" dirty="0">
+              <a:effectLst/>
+              <a:latin typeface="Calibri" panose="020F0502020204030204" pitchFamily="34" charset="0"/>
+              <a:ea typeface="Calibri" panose="020F0502020204030204" pitchFamily="34" charset="0"/>
+              <a:cs typeface="Arial" panose="020B0604020202020204" pitchFamily="34" charset="0"/>
+            </a:endParaRPr>
+          </a:p>
+          <a:p>
+            <a:pPr>
+              <a:lnSpc>
+                <a:spcPct val="107000"/>
+              </a:lnSpc>
+              <a:spcAft>
+                <a:spcPts val="800"/>
+              </a:spcAft>
+            </a:pPr>
+            <a:r>
+              <a:rPr lang="fr-CH" u="sng" kern="100" dirty="0">
+                <a:solidFill>
+                  <a:srgbClr val="0563C1"/>
+                </a:solidFill>
+                <a:effectLst/>
+                <a:latin typeface="Calibri" panose="020F0502020204030204" pitchFamily="34" charset="0"/>
+                <a:ea typeface="Calibri" panose="020F0502020204030204" pitchFamily="34" charset="0"/>
+                <a:cs typeface="Arial" panose="020B0604020202020204" pitchFamily="34" charset="0"/>
+                <a:hlinkClick r:id="rId4"/>
+              </a:rPr>
+              <a:t>https://dx.dragan.ba/javafx-tabpane-custom-css/</a:t>
+            </a:r>
+            <a:endParaRPr lang="fr-CH" kern="100" dirty="0">
+              <a:effectLst/>
+              <a:latin typeface="Calibri" panose="020F0502020204030204" pitchFamily="34" charset="0"/>
+              <a:ea typeface="Calibri" panose="020F0502020204030204" pitchFamily="34" charset="0"/>
+              <a:cs typeface="Arial" panose="020B0604020202020204" pitchFamily="34" charset="0"/>
+            </a:endParaRPr>
+          </a:p>
+          <a:p>
+            <a:pPr>
+              <a:lnSpc>
+                <a:spcPct val="107000"/>
+              </a:lnSpc>
+              <a:spcAft>
+                <a:spcPts val="800"/>
+              </a:spcAft>
+            </a:pPr>
+            <a:r>
+              <a:rPr lang="fr-CH" u="sng" kern="100" dirty="0">
+                <a:solidFill>
+                  <a:srgbClr val="0563C1"/>
+                </a:solidFill>
+                <a:effectLst/>
+                <a:latin typeface="Calibri" panose="020F0502020204030204" pitchFamily="34" charset="0"/>
+                <a:ea typeface="Calibri" panose="020F0502020204030204" pitchFamily="34" charset="0"/>
+                <a:cs typeface="Arial" panose="020B0604020202020204" pitchFamily="34" charset="0"/>
+                <a:hlinkClick r:id="rId5"/>
+              </a:rPr>
+              <a:t>https://code.makery.ch/blog/javafx-dialogs-official/</a:t>
+            </a:r>
+            <a:endParaRPr lang="fr-CH" kern="100" dirty="0">
+              <a:effectLst/>
+              <a:latin typeface="Calibri" panose="020F0502020204030204" pitchFamily="34" charset="0"/>
+              <a:ea typeface="Calibri" panose="020F0502020204030204" pitchFamily="34" charset="0"/>
+              <a:cs typeface="Arial" panose="020B0604020202020204" pitchFamily="34" charset="0"/>
+            </a:endParaRPr>
+          </a:p>
+          <a:p>
+            <a:pPr>
+              <a:lnSpc>
+                <a:spcPct val="107000"/>
+              </a:lnSpc>
+              <a:spcAft>
+                <a:spcPts val="800"/>
+              </a:spcAft>
+            </a:pPr>
+            <a:r>
+              <a:rPr lang="fr-CH" u="sng" kern="100" dirty="0">
+                <a:solidFill>
+                  <a:srgbClr val="0563C1"/>
+                </a:solidFill>
+                <a:effectLst/>
+                <a:latin typeface="Calibri" panose="020F0502020204030204" pitchFamily="34" charset="0"/>
+                <a:ea typeface="Calibri" panose="020F0502020204030204" pitchFamily="34" charset="0"/>
+                <a:cs typeface="Arial" panose="020B0604020202020204" pitchFamily="34" charset="0"/>
+                <a:hlinkClick r:id="rId6"/>
+              </a:rPr>
+              <a:t>https://github.com/bitnami/containers/blob/main/bitnami/postgresql/README.md</a:t>
+            </a:r>
+            <a:endParaRPr lang="fr-CH" kern="100" dirty="0">
+              <a:effectLst/>
+              <a:latin typeface="Calibri" panose="020F0502020204030204" pitchFamily="34" charset="0"/>
+              <a:ea typeface="Calibri" panose="020F0502020204030204" pitchFamily="34" charset="0"/>
+              <a:cs typeface="Arial" panose="020B0604020202020204" pitchFamily="34" charset="0"/>
+            </a:endParaRPr>
+          </a:p>
+          <a:p>
+            <a:pPr>
+              <a:lnSpc>
+                <a:spcPct val="107000"/>
+              </a:lnSpc>
+              <a:spcAft>
+                <a:spcPts val="800"/>
+              </a:spcAft>
+            </a:pPr>
+            <a:r>
+              <a:rPr lang="fr-CH" u="sng" kern="100" dirty="0">
+                <a:solidFill>
+                  <a:srgbClr val="0563C1"/>
+                </a:solidFill>
+                <a:effectLst/>
+                <a:latin typeface="Calibri" panose="020F0502020204030204" pitchFamily="34" charset="0"/>
+                <a:ea typeface="Calibri" panose="020F0502020204030204" pitchFamily="34" charset="0"/>
+                <a:cs typeface="Arial" panose="020B0604020202020204" pitchFamily="34" charset="0"/>
+                <a:hlinkClick r:id="rId7"/>
+              </a:rPr>
+              <a:t>https://en.wikipedia.org/wiki/List_of_video_game_genres</a:t>
+            </a:r>
+            <a:endParaRPr lang="fr-CH" kern="100" dirty="0">
+              <a:effectLst/>
+              <a:latin typeface="Calibri" panose="020F0502020204030204" pitchFamily="34" charset="0"/>
+              <a:ea typeface="Calibri" panose="020F0502020204030204" pitchFamily="34" charset="0"/>
+              <a:cs typeface="Arial" panose="020B0604020202020204" pitchFamily="34" charset="0"/>
+            </a:endParaRPr>
+          </a:p>
+          <a:p>
+            <a:pPr>
+              <a:lnSpc>
+                <a:spcPct val="107000"/>
+              </a:lnSpc>
+              <a:spcAft>
+                <a:spcPts val="800"/>
+              </a:spcAft>
+            </a:pPr>
+            <a:r>
+              <a:rPr lang="fr-CH" u="sng" kern="100" dirty="0">
+                <a:solidFill>
+                  <a:srgbClr val="0563C1"/>
+                </a:solidFill>
+                <a:effectLst/>
+                <a:latin typeface="Calibri" panose="020F0502020204030204" pitchFamily="34" charset="0"/>
+                <a:ea typeface="Calibri" panose="020F0502020204030204" pitchFamily="34" charset="0"/>
+                <a:cs typeface="Arial" panose="020B0604020202020204" pitchFamily="34" charset="0"/>
+                <a:hlinkClick r:id="rId8"/>
+              </a:rPr>
+              <a:t>https://www.9minecraft.net/</a:t>
+            </a:r>
+            <a:endParaRPr lang="fr-CH" kern="100" dirty="0">
+              <a:effectLst/>
+              <a:latin typeface="Calibri" panose="020F0502020204030204" pitchFamily="34" charset="0"/>
+              <a:ea typeface="Calibri" panose="020F0502020204030204" pitchFamily="34" charset="0"/>
+              <a:cs typeface="Arial" panose="020B0604020202020204" pitchFamily="34" charset="0"/>
+            </a:endParaRPr>
+          </a:p>
+          <a:p>
+            <a:endParaRPr lang="fr-CH" dirty="0"/>
+          </a:p>
+        </p:txBody>
+      </p:sp>
+    </p:spTree>
+    <p:extLst>
+      <p:ext uri="{BB962C8B-B14F-4D97-AF65-F5344CB8AC3E}">
+        <p14:creationId xmlns:p14="http://schemas.microsoft.com/office/powerpoint/2010/main" val="627504308"/>
       </p:ext>
     </p:extLst>
   </p:cSld>
@@ -5482,7 +8131,7 @@
           <p:cNvPr id="2" name="Titre 1">
             <a:extLst>
               <a:ext uri="{FF2B5EF4-FFF2-40B4-BE49-F238E27FC236}">
-                <a16:creationId xmlns:a16="http://schemas.microsoft.com/office/drawing/2014/main" id="{B16E9BEE-FED9-610E-5259-3BE6C7F3048E}"/>
+                <a16:creationId xmlns:a16="http://schemas.microsoft.com/office/drawing/2014/main" id="{8FE272A4-2577-525B-AE1F-F6200E4F1EFB}"/>
               </a:ext>
             </a:extLst>
           </p:cNvPr>
@@ -5495,7 +8144,7 @@
         </p:nvSpPr>
         <p:spPr>
           <a:xfrm>
-            <a:off x="684212" y="685800"/>
+            <a:off x="1455177" y="165847"/>
             <a:ext cx="8534400" cy="1507067"/>
           </a:xfrm>
         </p:spPr>
@@ -5505,8 +8154,13 @@
           <a:p>
             <a:r>
               <a:rPr lang="fr-CH" dirty="0"/>
-              <a:t>Vue d’ensemble</a:t>
-            </a:r>
+              <a:t>Description de la </a:t>
+            </a:r>
+            <a:r>
+              <a:rPr lang="fr-CH" dirty="0" err="1"/>
+              <a:t>problèmatique</a:t>
+            </a:r>
+            <a:endParaRPr lang="fr-CH" dirty="0"/>
           </a:p>
         </p:txBody>
       </p:sp>
@@ -5515,7 +8169,7 @@
           <p:cNvPr id="3" name="Espace réservé du contenu 2">
             <a:extLst>
               <a:ext uri="{FF2B5EF4-FFF2-40B4-BE49-F238E27FC236}">
-                <a16:creationId xmlns:a16="http://schemas.microsoft.com/office/drawing/2014/main" id="{C73EED9C-22A6-788D-A4CA-9F31A94D5C96}"/>
+                <a16:creationId xmlns:a16="http://schemas.microsoft.com/office/drawing/2014/main" id="{86AA5A2C-A098-4B70-93A2-2893CB5F5BEA}"/>
               </a:ext>
             </a:extLst>
           </p:cNvPr>
@@ -5529,38 +8183,58 @@
         <p:spPr>
           <a:xfrm>
             <a:off x="684212" y="2192867"/>
-            <a:ext cx="8534400" cy="1386349"/>
+            <a:ext cx="8534400" cy="1580535"/>
           </a:xfrm>
         </p:spPr>
         <p:txBody>
-          <a:bodyPr/>
+          <a:bodyPr>
+            <a:normAutofit fontScale="85000" lnSpcReduction="20000"/>
+          </a:bodyPr>
           <a:lstStyle/>
           <a:p>
             <a:r>
               <a:rPr lang="fr-CH" dirty="0"/>
-              <a:t>Application graphique utilisant </a:t>
+              <a:t>Gérer des mods</a:t>
+            </a:r>
+          </a:p>
+          <a:p>
+            <a:r>
+              <a:rPr lang="fr-CH" dirty="0"/>
+              <a:t>Pour tous les jeux</a:t>
+            </a:r>
+          </a:p>
+          <a:p>
+            <a:r>
+              <a:rPr lang="fr-CH" dirty="0"/>
+              <a:t>Gestion d’utilisateur</a:t>
+            </a:r>
+          </a:p>
+          <a:p>
+            <a:r>
+              <a:rPr lang="fr-CH" dirty="0"/>
+              <a:t>Les utilisateurs peuvent noter et commenter les mods</a:t>
+            </a:r>
+          </a:p>
+          <a:p>
+            <a:r>
+              <a:rPr lang="fr-CH" dirty="0"/>
+              <a:t>Les utilisateurs  </a:t>
             </a:r>
             <a:r>
               <a:rPr lang="fr-CH" dirty="0" err="1"/>
-              <a:t>JavaFX</a:t>
-            </a:r>
-            <a:endParaRPr lang="fr-CH" dirty="0"/>
-          </a:p>
-          <a:p>
+              <a:t>modder</a:t>
+            </a:r>
             <a:r>
               <a:rPr lang="fr-CH" dirty="0"/>
-              <a:t>Gestion de mods, collections et utilisateurs</a:t>
-            </a:r>
-          </a:p>
-          <a:p>
-            <a:endParaRPr lang="fr-CH" dirty="0"/>
+              <a:t> peuvent ajouter des mods (de leur conception)</a:t>
+            </a:r>
           </a:p>
         </p:txBody>
       </p:sp>
     </p:spTree>
     <p:extLst>
       <p:ext uri="{BB962C8B-B14F-4D97-AF65-F5344CB8AC3E}">
-        <p14:creationId xmlns:p14="http://schemas.microsoft.com/office/powerpoint/2010/main" val="1898535202"/>
+        <p14:creationId xmlns:p14="http://schemas.microsoft.com/office/powerpoint/2010/main" val="3059552460"/>
       </p:ext>
     </p:extLst>
   </p:cSld>
@@ -5592,7 +8266,7 @@
           <p:cNvPr id="2" name="Titre 1">
             <a:extLst>
               <a:ext uri="{FF2B5EF4-FFF2-40B4-BE49-F238E27FC236}">
-                <a16:creationId xmlns:a16="http://schemas.microsoft.com/office/drawing/2014/main" id="{8FE272A4-2577-525B-AE1F-F6200E4F1EFB}"/>
+                <a16:creationId xmlns:a16="http://schemas.microsoft.com/office/drawing/2014/main" id="{7C4BDD8A-02B6-844C-C074-7A9901E50385}"/>
               </a:ext>
             </a:extLst>
           </p:cNvPr>
@@ -5605,7 +8279,7 @@
         </p:nvSpPr>
         <p:spPr>
           <a:xfrm>
-            <a:off x="684212" y="685800"/>
+            <a:off x="1419318" y="147918"/>
             <a:ext cx="8534400" cy="1507067"/>
           </a:xfrm>
         </p:spPr>
@@ -5615,8 +8289,13 @@
           <a:p>
             <a:r>
               <a:rPr lang="fr-CH" dirty="0"/>
-              <a:t>Problématique et but de l’app</a:t>
-            </a:r>
+              <a:t>Choix des </a:t>
+            </a:r>
+            <a:r>
+              <a:rPr lang="fr-CH" dirty="0" err="1"/>
+              <a:t>techonolgies</a:t>
+            </a:r>
+            <a:endParaRPr lang="fr-CH" dirty="0"/>
           </a:p>
         </p:txBody>
       </p:sp>
@@ -5625,7 +8304,7 @@
           <p:cNvPr id="3" name="Espace réservé du contenu 2">
             <a:extLst>
               <a:ext uri="{FF2B5EF4-FFF2-40B4-BE49-F238E27FC236}">
-                <a16:creationId xmlns:a16="http://schemas.microsoft.com/office/drawing/2014/main" id="{86AA5A2C-A098-4B70-93A2-2893CB5F5BEA}"/>
+                <a16:creationId xmlns:a16="http://schemas.microsoft.com/office/drawing/2014/main" id="{AE1C98E3-EA24-6FC0-989A-3A076BC57F2A}"/>
               </a:ext>
             </a:extLst>
           </p:cNvPr>
@@ -5639,36 +8318,197 @@
         <p:spPr>
           <a:xfrm>
             <a:off x="684212" y="2192867"/>
-            <a:ext cx="8534400" cy="1580535"/>
+            <a:ext cx="8534400" cy="1944329"/>
           </a:xfrm>
         </p:spPr>
         <p:txBody>
-          <a:bodyPr/>
+          <a:bodyPr>
+            <a:normAutofit/>
+          </a:bodyPr>
           <a:lstStyle/>
           <a:p>
             <a:r>
               <a:rPr lang="fr-CH" dirty="0"/>
-              <a:t>Peu d’applications de gestion de mods</a:t>
-            </a:r>
+              <a:t>PostgreSQL pour la </a:t>
+            </a:r>
+            <a:r>
+              <a:rPr lang="fr-CH" dirty="0" err="1"/>
+              <a:t>db</a:t>
+            </a:r>
+            <a:endParaRPr lang="fr-CH" dirty="0"/>
           </a:p>
           <a:p>
             <a:r>
               <a:rPr lang="fr-CH" dirty="0"/>
-              <a:t>Ou solutions adaptées uniquement à une poignée de jeu</a:t>
-            </a:r>
-          </a:p>
-          <a:p>
+              <a:t>Java pour l’app standalone</a:t>
+            </a:r>
+          </a:p>
+          <a:p>
+            <a:r>
+              <a:rPr lang="fr-CH" dirty="0" err="1"/>
+              <a:t>JavaFX</a:t>
+            </a:r>
             <a:r>
               <a:rPr lang="fr-CH" dirty="0"/>
-              <a:t>Le but : faire une application qui puisse gérer tous les jeux</a:t>
-            </a:r>
-          </a:p>
-        </p:txBody>
-      </p:sp>
+              <a:t> avec CSS pour l’UI</a:t>
+            </a:r>
+          </a:p>
+          <a:p>
+            <a:r>
+              <a:rPr lang="fr-CH" dirty="0"/>
+              <a:t>SHA256 pour l’encryptage des mots de passe</a:t>
+            </a:r>
+          </a:p>
+          <a:p>
+            <a:endParaRPr lang="fr-CH" dirty="0"/>
+          </a:p>
+        </p:txBody>
+      </p:sp>
+      <p:pic>
+        <p:nvPicPr>
+          <p:cNvPr id="1026" name="Picture 2" descr="Getting Started With PostgreSQL. There are numerous different types of… |  by Alex Mitrani | Medium">
+            <a:extLst>
+              <a:ext uri="{FF2B5EF4-FFF2-40B4-BE49-F238E27FC236}">
+                <a16:creationId xmlns:a16="http://schemas.microsoft.com/office/drawing/2014/main" id="{2B6A681D-9472-42C2-A7FC-DA3F152A387C}"/>
+              </a:ext>
+            </a:extLst>
+          </p:cNvPr>
+          <p:cNvPicPr>
+            <a:picLocks noChangeAspect="1" noChangeArrowheads="1"/>
+          </p:cNvPicPr>
+          <p:nvPr/>
+        </p:nvPicPr>
+        <p:blipFill>
+          <a:blip r:embed="rId2">
+            <a:extLst>
+              <a:ext uri="{28A0092B-C50C-407E-A947-70E740481C1C}">
+                <a14:useLocalDpi xmlns:a14="http://schemas.microsoft.com/office/drawing/2010/main" val="0"/>
+              </a:ext>
+            </a:extLst>
+          </a:blip>
+          <a:srcRect/>
+          <a:stretch>
+            <a:fillRect/>
+          </a:stretch>
+        </p:blipFill>
+        <p:spPr bwMode="auto">
+          <a:xfrm>
+            <a:off x="5686518" y="1322498"/>
+            <a:ext cx="3162300" cy="1447800"/>
+          </a:xfrm>
+          <a:prstGeom prst="rect">
+            <a:avLst/>
+          </a:prstGeom>
+          <a:noFill/>
+          <a:extLst>
+            <a:ext uri="{909E8E84-426E-40DD-AFC4-6F175D3DCCD1}">
+              <a14:hiddenFill xmlns:a14="http://schemas.microsoft.com/office/drawing/2010/main">
+                <a:solidFill>
+                  <a:srgbClr val="FFFFFF"/>
+                </a:solidFill>
+              </a14:hiddenFill>
+            </a:ext>
+          </a:extLst>
+        </p:spPr>
+      </p:pic>
+      <p:pic>
+        <p:nvPicPr>
+          <p:cNvPr id="1028" name="Picture 4" descr="JavaFX — Wikipédia">
+            <a:extLst>
+              <a:ext uri="{FF2B5EF4-FFF2-40B4-BE49-F238E27FC236}">
+                <a16:creationId xmlns:a16="http://schemas.microsoft.com/office/drawing/2014/main" id="{1DB4BFFC-19AF-482B-9FAF-B5D9E4B28D86}"/>
+              </a:ext>
+            </a:extLst>
+          </p:cNvPr>
+          <p:cNvPicPr>
+            <a:picLocks noChangeAspect="1" noChangeArrowheads="1"/>
+          </p:cNvPicPr>
+          <p:nvPr/>
+        </p:nvPicPr>
+        <p:blipFill>
+          <a:blip r:embed="rId3">
+            <a:extLst>
+              <a:ext uri="{28A0092B-C50C-407E-A947-70E740481C1C}">
+                <a14:useLocalDpi xmlns:a14="http://schemas.microsoft.com/office/drawing/2010/main" val="0"/>
+              </a:ext>
+            </a:extLst>
+          </a:blip>
+          <a:srcRect/>
+          <a:stretch>
+            <a:fillRect/>
+          </a:stretch>
+        </p:blipFill>
+        <p:spPr bwMode="auto">
+          <a:xfrm>
+            <a:off x="2653366" y="4528609"/>
+            <a:ext cx="3305175" cy="1381125"/>
+          </a:xfrm>
+          <a:prstGeom prst="rect">
+            <a:avLst/>
+          </a:prstGeom>
+          <a:noFill/>
+          <a:extLst>
+            <a:ext uri="{909E8E84-426E-40DD-AFC4-6F175D3DCCD1}">
+              <a14:hiddenFill xmlns:a14="http://schemas.microsoft.com/office/drawing/2010/main">
+                <a:solidFill>
+                  <a:srgbClr val="FFFFFF"/>
+                </a:solidFill>
+              </a14:hiddenFill>
+            </a:ext>
+          </a:extLst>
+        </p:spPr>
+      </p:pic>
+      <p:pic>
+        <p:nvPicPr>
+          <p:cNvPr id="1030" name="Picture 6" descr="CSS, quelques astuces pour se simplifier la vie - SoftFluent">
+            <a:extLst>
+              <a:ext uri="{FF2B5EF4-FFF2-40B4-BE49-F238E27FC236}">
+                <a16:creationId xmlns:a16="http://schemas.microsoft.com/office/drawing/2014/main" id="{238D09DA-23D9-4ED5-9EF8-2B4469CD70E6}"/>
+              </a:ext>
+            </a:extLst>
+          </p:cNvPr>
+          <p:cNvPicPr>
+            <a:picLocks noChangeAspect="1" noChangeArrowheads="1"/>
+          </p:cNvPicPr>
+          <p:nvPr/>
+        </p:nvPicPr>
+        <p:blipFill>
+          <a:blip r:embed="rId4">
+            <a:extLst>
+              <a:ext uri="{28A0092B-C50C-407E-A947-70E740481C1C}">
+                <a14:useLocalDpi xmlns:a14="http://schemas.microsoft.com/office/drawing/2010/main" val="0"/>
+              </a:ext>
+            </a:extLst>
+          </a:blip>
+          <a:srcRect/>
+          <a:stretch>
+            <a:fillRect/>
+          </a:stretch>
+        </p:blipFill>
+        <p:spPr bwMode="auto">
+          <a:xfrm>
+            <a:off x="8187577" y="3556615"/>
+            <a:ext cx="2952750" cy="1552575"/>
+          </a:xfrm>
+          <a:prstGeom prst="rect">
+            <a:avLst/>
+          </a:prstGeom>
+          <a:noFill/>
+          <a:extLst>
+            <a:ext uri="{909E8E84-426E-40DD-AFC4-6F175D3DCCD1}">
+              <a14:hiddenFill xmlns:a14="http://schemas.microsoft.com/office/drawing/2010/main">
+                <a:solidFill>
+                  <a:srgbClr val="FFFFFF"/>
+                </a:solidFill>
+              </a14:hiddenFill>
+            </a:ext>
+          </a:extLst>
+        </p:spPr>
+      </p:pic>
     </p:spTree>
     <p:extLst>
       <p:ext uri="{BB962C8B-B14F-4D97-AF65-F5344CB8AC3E}">
-        <p14:creationId xmlns:p14="http://schemas.microsoft.com/office/powerpoint/2010/main" val="3059552460"/>
+        <p14:creationId xmlns:p14="http://schemas.microsoft.com/office/powerpoint/2010/main" val="1003116"/>
       </p:ext>
     </p:extLst>
   </p:cSld>
@@ -5700,7 +8540,7 @@
           <p:cNvPr id="2" name="Titre 1">
             <a:extLst>
               <a:ext uri="{FF2B5EF4-FFF2-40B4-BE49-F238E27FC236}">
-                <a16:creationId xmlns:a16="http://schemas.microsoft.com/office/drawing/2014/main" id="{7C4BDD8A-02B6-844C-C074-7A9901E50385}"/>
+                <a16:creationId xmlns:a16="http://schemas.microsoft.com/office/drawing/2014/main" id="{CAFD6992-DE36-6D89-C9A8-57FFA1518A50}"/>
               </a:ext>
             </a:extLst>
           </p:cNvPr>
@@ -5713,7 +8553,7 @@
         </p:nvSpPr>
         <p:spPr>
           <a:xfrm>
-            <a:off x="684212" y="685800"/>
+            <a:off x="1473106" y="226200"/>
             <a:ext cx="8534400" cy="1507067"/>
           </a:xfrm>
         </p:spPr>
@@ -5723,66 +8563,45 @@
           <a:p>
             <a:r>
               <a:rPr lang="fr-CH" dirty="0"/>
-              <a:t>Points positifs</a:t>
-            </a:r>
-          </a:p>
-        </p:txBody>
-      </p:sp>
-      <p:sp>
-        <p:nvSpPr>
-          <p:cNvPr id="3" name="Espace réservé du contenu 2">
+              <a:t>Schéma entité-Association</a:t>
+            </a:r>
+          </a:p>
+        </p:txBody>
+      </p:sp>
+      <p:pic>
+        <p:nvPicPr>
+          <p:cNvPr id="5" name="Image 4">
             <a:extLst>
               <a:ext uri="{FF2B5EF4-FFF2-40B4-BE49-F238E27FC236}">
-                <a16:creationId xmlns:a16="http://schemas.microsoft.com/office/drawing/2014/main" id="{AE1C98E3-EA24-6FC0-989A-3A076BC57F2A}"/>
+                <a16:creationId xmlns:a16="http://schemas.microsoft.com/office/drawing/2014/main" id="{50F2B70B-5295-4DE2-9692-06C4A2AAD7A5}"/>
               </a:ext>
             </a:extLst>
           </p:cNvPr>
-          <p:cNvSpPr>
-            <a:spLocks noGrp="1"/>
-          </p:cNvSpPr>
-          <p:nvPr>
-            <p:ph idx="1"/>
-          </p:nvPr>
-        </p:nvSpPr>
+          <p:cNvPicPr>
+            <a:picLocks noChangeAspect="1"/>
+          </p:cNvPicPr>
+          <p:nvPr/>
+        </p:nvPicPr>
+        <p:blipFill>
+          <a:blip r:embed="rId2"/>
+          <a:stretch>
+            <a:fillRect/>
+          </a:stretch>
+        </p:blipFill>
         <p:spPr>
           <a:xfrm>
-            <a:off x="684212" y="2192867"/>
-            <a:ext cx="8534400" cy="1944329"/>
-          </a:xfrm>
+            <a:off x="2713773" y="546846"/>
+            <a:ext cx="9055132" cy="6311153"/>
+          </a:xfrm>
+          <a:prstGeom prst="rect">
+            <a:avLst/>
+          </a:prstGeom>
         </p:spPr>
-        <p:txBody>
-          <a:bodyPr/>
-          <a:lstStyle/>
-          <a:p>
-            <a:r>
-              <a:rPr lang="fr-CH" dirty="0"/>
-              <a:t>UI simple</a:t>
-            </a:r>
-          </a:p>
-          <a:p>
-            <a:r>
-              <a:rPr lang="fr-CH" dirty="0"/>
-              <a:t>Facile à prendre en main</a:t>
-            </a:r>
-          </a:p>
-          <a:p>
-            <a:r>
-              <a:rPr lang="fr-CH" dirty="0"/>
-              <a:t>Application légère et non-intrusive</a:t>
-            </a:r>
-          </a:p>
-          <a:p>
-            <a:r>
-              <a:rPr lang="fr-CH" dirty="0"/>
-              <a:t>Facile de créer et supprimer son compte (pas d’email requis)</a:t>
-            </a:r>
-          </a:p>
-        </p:txBody>
-      </p:sp>
+      </p:pic>
     </p:spTree>
     <p:extLst>
       <p:ext uri="{BB962C8B-B14F-4D97-AF65-F5344CB8AC3E}">
-        <p14:creationId xmlns:p14="http://schemas.microsoft.com/office/powerpoint/2010/main" val="1003116"/>
+        <p14:creationId xmlns:p14="http://schemas.microsoft.com/office/powerpoint/2010/main" val="2320369754"/>
       </p:ext>
     </p:extLst>
   </p:cSld>
@@ -5827,7 +8646,7 @@
         </p:nvSpPr>
         <p:spPr>
           <a:xfrm>
-            <a:off x="684212" y="685800"/>
+            <a:off x="1473106" y="226200"/>
             <a:ext cx="8534400" cy="1507067"/>
           </a:xfrm>
         </p:spPr>
@@ -5837,75 +8656,62 @@
           <a:p>
             <a:r>
               <a:rPr lang="fr-CH" dirty="0"/>
-              <a:t>Points négatifs</a:t>
-            </a:r>
-          </a:p>
-        </p:txBody>
-      </p:sp>
-      <p:sp>
-        <p:nvSpPr>
-          <p:cNvPr id="3" name="Espace réservé du contenu 2">
+              <a:t>Schéma relationnel</a:t>
+            </a:r>
+          </a:p>
+        </p:txBody>
+      </p:sp>
+      <p:pic>
+        <p:nvPicPr>
+          <p:cNvPr id="2050" name="Picture 2">
             <a:extLst>
               <a:ext uri="{FF2B5EF4-FFF2-40B4-BE49-F238E27FC236}">
-                <a16:creationId xmlns:a16="http://schemas.microsoft.com/office/drawing/2014/main" id="{8EAE3D1C-9A1D-0397-8F70-1FB2CEABD7E1}"/>
+                <a16:creationId xmlns:a16="http://schemas.microsoft.com/office/drawing/2014/main" id="{8C4FCADE-317C-49C1-A001-921FAD5DDC6A}"/>
               </a:ext>
             </a:extLst>
           </p:cNvPr>
-          <p:cNvSpPr>
-            <a:spLocks noGrp="1"/>
-          </p:cNvSpPr>
-          <p:nvPr>
-            <p:ph idx="1"/>
-          </p:nvPr>
-        </p:nvSpPr>
-        <p:spPr>
+          <p:cNvPicPr>
+            <a:picLocks noChangeAspect="1" noChangeArrowheads="1"/>
+          </p:cNvPicPr>
+          <p:nvPr/>
+        </p:nvPicPr>
+        <p:blipFill>
+          <a:blip r:embed="rId2">
+            <a:extLst>
+              <a:ext uri="{28A0092B-C50C-407E-A947-70E740481C1C}">
+                <a14:useLocalDpi xmlns:a14="http://schemas.microsoft.com/office/drawing/2010/main" val="0"/>
+              </a:ext>
+            </a:extLst>
+          </a:blip>
+          <a:srcRect/>
+          <a:stretch>
+            <a:fillRect/>
+          </a:stretch>
+        </p:blipFill>
+        <p:spPr bwMode="auto">
           <a:xfrm>
-            <a:off x="684212" y="2197510"/>
-            <a:ext cx="9059556" cy="1507067"/>
-          </a:xfrm>
+            <a:off x="2913965" y="1733267"/>
+            <a:ext cx="8892551" cy="4603748"/>
+          </a:xfrm>
+          <a:prstGeom prst="rect">
+            <a:avLst/>
+          </a:prstGeom>
+          <a:noFill/>
+          <a:extLst>
+            <a:ext uri="{909E8E84-426E-40DD-AFC4-6F175D3DCCD1}">
+              <a14:hiddenFill xmlns:a14="http://schemas.microsoft.com/office/drawing/2010/main">
+                <a:solidFill>
+                  <a:srgbClr val="FFFFFF"/>
+                </a:solidFill>
+              </a14:hiddenFill>
+            </a:ext>
+          </a:extLst>
         </p:spPr>
-        <p:txBody>
-          <a:bodyPr/>
-          <a:lstStyle/>
-          <a:p>
-            <a:r>
-              <a:rPr lang="fr-CH" dirty="0"/>
-              <a:t>Encore en développement (manque de fonctionnalités)</a:t>
-            </a:r>
-          </a:p>
-          <a:p>
-            <a:r>
-              <a:rPr lang="fr-CH" dirty="0"/>
-              <a:t>Nécessite une plateforme qui héberge les mods (</a:t>
-            </a:r>
-            <a:r>
-              <a:rPr lang="fr-CH" dirty="0" err="1"/>
-              <a:t>github</a:t>
-            </a:r>
-            <a:r>
-              <a:rPr lang="fr-CH" dirty="0"/>
-              <a:t> par exemple)</a:t>
-            </a:r>
-          </a:p>
-          <a:p>
-            <a:r>
-              <a:rPr lang="fr-CH" dirty="0"/>
-              <a:t>Application non-profitable </a:t>
-            </a:r>
-            <a:r>
-              <a:rPr lang="fr-CH" dirty="0">
-                <a:sym typeface="Wingdings" panose="05000000000000000000" pitchFamily="2" charset="2"/>
-              </a:rPr>
-              <a:t></a:t>
-            </a:r>
-            <a:endParaRPr lang="fr-CH" dirty="0"/>
-          </a:p>
-        </p:txBody>
-      </p:sp>
+      </p:pic>
     </p:spTree>
     <p:extLst>
       <p:ext uri="{BB962C8B-B14F-4D97-AF65-F5344CB8AC3E}">
-        <p14:creationId xmlns:p14="http://schemas.microsoft.com/office/powerpoint/2010/main" val="2320369754"/>
+        <p14:creationId xmlns:p14="http://schemas.microsoft.com/office/powerpoint/2010/main" val="3965485145"/>
       </p:ext>
     </p:extLst>
   </p:cSld>
@@ -5937,7 +8743,7 @@
           <p:cNvPr id="2" name="Titre 1">
             <a:extLst>
               <a:ext uri="{FF2B5EF4-FFF2-40B4-BE49-F238E27FC236}">
-                <a16:creationId xmlns:a16="http://schemas.microsoft.com/office/drawing/2014/main" id="{CF45FC79-E287-665E-5666-3A977B4512D1}"/>
+                <a16:creationId xmlns:a16="http://schemas.microsoft.com/office/drawing/2014/main" id="{CAFD6992-DE36-6D89-C9A8-57FFA1518A50}"/>
               </a:ext>
             </a:extLst>
           </p:cNvPr>
@@ -5950,7 +8756,7 @@
         </p:nvSpPr>
         <p:spPr>
           <a:xfrm>
-            <a:off x="684212" y="685800"/>
+            <a:off x="1473106" y="226200"/>
             <a:ext cx="8534400" cy="1507067"/>
           </a:xfrm>
         </p:spPr>
@@ -5960,15 +8766,51 @@
           <a:p>
             <a:r>
               <a:rPr lang="fr-CH" dirty="0"/>
-              <a:t>Visite guidée de l’app</a:t>
-            </a:r>
-          </a:p>
-        </p:txBody>
-      </p:sp>
+              <a:t>Diagramme de classe</a:t>
+            </a:r>
+          </a:p>
+        </p:txBody>
+      </p:sp>
+      <p:pic>
+        <p:nvPicPr>
+          <p:cNvPr id="4" name="Image 3">
+            <a:extLst>
+              <a:ext uri="{FF2B5EF4-FFF2-40B4-BE49-F238E27FC236}">
+                <a16:creationId xmlns:a16="http://schemas.microsoft.com/office/drawing/2014/main" id="{05DDB5A5-E319-4C97-A47B-740C8641066C}"/>
+              </a:ext>
+            </a:extLst>
+          </p:cNvPr>
+          <p:cNvPicPr>
+            <a:picLocks noChangeAspect="1"/>
+          </p:cNvPicPr>
+          <p:nvPr/>
+        </p:nvPicPr>
+        <p:blipFill>
+          <a:blip r:embed="rId2">
+            <a:extLst>
+              <a:ext uri="{28A0092B-C50C-407E-A947-70E740481C1C}">
+                <a14:useLocalDpi xmlns:a14="http://schemas.microsoft.com/office/drawing/2010/main" val="0"/>
+              </a:ext>
+            </a:extLst>
+          </a:blip>
+          <a:stretch>
+            <a:fillRect/>
+          </a:stretch>
+        </p:blipFill>
+        <p:spPr>
+          <a:xfrm>
+            <a:off x="3935506" y="880610"/>
+            <a:ext cx="5067557" cy="5977390"/>
+          </a:xfrm>
+          <a:prstGeom prst="rect">
+            <a:avLst/>
+          </a:prstGeom>
+        </p:spPr>
+      </p:pic>
     </p:spTree>
     <p:extLst>
       <p:ext uri="{BB962C8B-B14F-4D97-AF65-F5344CB8AC3E}">
-        <p14:creationId xmlns:p14="http://schemas.microsoft.com/office/powerpoint/2010/main" val="3299241619"/>
+        <p14:creationId xmlns:p14="http://schemas.microsoft.com/office/powerpoint/2010/main" val="690191087"/>
       </p:ext>
     </p:extLst>
   </p:cSld>
@@ -6000,7 +8842,7 @@
           <p:cNvPr id="2" name="Titre 1">
             <a:extLst>
               <a:ext uri="{FF2B5EF4-FFF2-40B4-BE49-F238E27FC236}">
-                <a16:creationId xmlns:a16="http://schemas.microsoft.com/office/drawing/2014/main" id="{3EA083A6-9812-B522-0D54-5286AEDD3DE6}"/>
+                <a16:creationId xmlns:a16="http://schemas.microsoft.com/office/drawing/2014/main" id="{CAFD6992-DE36-6D89-C9A8-57FFA1518A50}"/>
               </a:ext>
             </a:extLst>
           </p:cNvPr>
@@ -6013,8 +8855,41 @@
         </p:nvSpPr>
         <p:spPr>
           <a:xfrm>
-            <a:off x="4117693" y="3015908"/>
-            <a:ext cx="3956614" cy="826183"/>
+            <a:off x="1473106" y="226200"/>
+            <a:ext cx="8534400" cy="1507067"/>
+          </a:xfrm>
+        </p:spPr>
+        <p:txBody>
+          <a:bodyPr/>
+          <a:lstStyle/>
+          <a:p>
+            <a:r>
+              <a:rPr lang="fr-CH" dirty="0"/>
+              <a:t>Problèmes rencontré résolus</a:t>
+            </a:r>
+          </a:p>
+        </p:txBody>
+      </p:sp>
+      <p:sp>
+        <p:nvSpPr>
+          <p:cNvPr id="3" name="Espace réservé du contenu 2">
+            <a:extLst>
+              <a:ext uri="{FF2B5EF4-FFF2-40B4-BE49-F238E27FC236}">
+                <a16:creationId xmlns:a16="http://schemas.microsoft.com/office/drawing/2014/main" id="{74E6B250-7193-4607-8320-C43C0E3C6064}"/>
+              </a:ext>
+            </a:extLst>
+          </p:cNvPr>
+          <p:cNvSpPr>
+            <a:spLocks noGrp="1"/>
+          </p:cNvSpPr>
+          <p:nvPr>
+            <p:ph idx="1"/>
+          </p:nvPr>
+        </p:nvSpPr>
+        <p:spPr>
+          <a:xfrm>
+            <a:off x="684212" y="2192867"/>
+            <a:ext cx="8534400" cy="1580535"/>
           </a:xfrm>
         </p:spPr>
         <p:txBody>
@@ -6024,8 +8899,46 @@
           <a:lstStyle/>
           <a:p>
             <a:r>
-              <a:rPr lang="fr-CH" sz="4800" dirty="0"/>
-              <a:t>Questions ?</a:t>
+              <a:rPr lang="fr-CH" dirty="0"/>
+              <a:t>Intégration CSS dans </a:t>
+            </a:r>
+            <a:r>
+              <a:rPr lang="fr-CH" dirty="0" err="1"/>
+              <a:t>JavaFX</a:t>
+            </a:r>
+            <a:endParaRPr lang="fr-CH" dirty="0"/>
+          </a:p>
+          <a:p>
+            <a:r>
+              <a:rPr lang="fr-CH" dirty="0"/>
+              <a:t>Affichage de </a:t>
+            </a:r>
+            <a:r>
+              <a:rPr lang="fr-CH" dirty="0" err="1"/>
+              <a:t>popups</a:t>
+            </a:r>
+            <a:r>
+              <a:rPr lang="fr-CH" dirty="0"/>
+              <a:t> en </a:t>
+            </a:r>
+            <a:r>
+              <a:rPr lang="fr-CH" dirty="0" err="1"/>
+              <a:t>JavaFX</a:t>
+            </a:r>
+            <a:endParaRPr lang="fr-CH" dirty="0"/>
+          </a:p>
+          <a:p>
+            <a:r>
+              <a:rPr lang="fr-CH" dirty="0"/>
+              <a:t>Afficher des images provenant d’URL internet (directement dans notre app </a:t>
+            </a:r>
+            <a:r>
+              <a:rPr lang="fr-CH" dirty="0" err="1"/>
+              <a:t>javafx</a:t>
+            </a:r>
+            <a:r>
+              <a:rPr lang="fr-CH" dirty="0"/>
+              <a:t>)</a:t>
             </a:r>
           </a:p>
         </p:txBody>
@@ -6033,7 +8946,7 @@
     </p:spTree>
     <p:extLst>
       <p:ext uri="{BB962C8B-B14F-4D97-AF65-F5344CB8AC3E}">
-        <p14:creationId xmlns:p14="http://schemas.microsoft.com/office/powerpoint/2010/main" val="3047723938"/>
+        <p14:creationId xmlns:p14="http://schemas.microsoft.com/office/powerpoint/2010/main" val="3007424040"/>
       </p:ext>
     </p:extLst>
   </p:cSld>
@@ -6065,7 +8978,7 @@
           <p:cNvPr id="2" name="Titre 1">
             <a:extLst>
               <a:ext uri="{FF2B5EF4-FFF2-40B4-BE49-F238E27FC236}">
-                <a16:creationId xmlns:a16="http://schemas.microsoft.com/office/drawing/2014/main" id="{45BC7BBA-A62F-C58C-2669-13E6A6D82DAA}"/>
+                <a16:creationId xmlns:a16="http://schemas.microsoft.com/office/drawing/2014/main" id="{CAFD6992-DE36-6D89-C9A8-57FFA1518A50}"/>
               </a:ext>
             </a:extLst>
           </p:cNvPr>
@@ -6078,8 +8991,41 @@
         </p:nvSpPr>
         <p:spPr>
           <a:xfrm>
-            <a:off x="2922204" y="3106174"/>
-            <a:ext cx="6347592" cy="645651"/>
+            <a:off x="1473106" y="226200"/>
+            <a:ext cx="8534400" cy="1507067"/>
+          </a:xfrm>
+        </p:spPr>
+        <p:txBody>
+          <a:bodyPr/>
+          <a:lstStyle/>
+          <a:p>
+            <a:r>
+              <a:rPr lang="fr-CH" dirty="0"/>
+              <a:t>Problèmes connu</a:t>
+            </a:r>
+          </a:p>
+        </p:txBody>
+      </p:sp>
+      <p:sp>
+        <p:nvSpPr>
+          <p:cNvPr id="3" name="Espace réservé du contenu 2">
+            <a:extLst>
+              <a:ext uri="{FF2B5EF4-FFF2-40B4-BE49-F238E27FC236}">
+                <a16:creationId xmlns:a16="http://schemas.microsoft.com/office/drawing/2014/main" id="{88A44453-326F-4D77-BC38-4DA923BC43F3}"/>
+              </a:ext>
+            </a:extLst>
+          </p:cNvPr>
+          <p:cNvSpPr>
+            <a:spLocks noGrp="1"/>
+          </p:cNvSpPr>
+          <p:nvPr>
+            <p:ph idx="1"/>
+          </p:nvPr>
+        </p:nvSpPr>
+        <p:spPr>
+          <a:xfrm>
+            <a:off x="684212" y="2192867"/>
+            <a:ext cx="8534400" cy="1580535"/>
           </a:xfrm>
         </p:spPr>
         <p:txBody>
@@ -6088,18 +9034,169 @@
           </a:bodyPr>
           <a:lstStyle/>
           <a:p>
-            <a:pPr algn="ctr"/>
             <a:r>
               <a:rPr lang="fr-CH" dirty="0"/>
-              <a:t>Merci de votre attention</a:t>
-            </a:r>
+              <a:t>CSS pas fini (couleurs pas juste à certaines place, texte pas en gras)</a:t>
+            </a:r>
+          </a:p>
+          <a:p>
+            <a:r>
+              <a:rPr lang="fr-CH" dirty="0"/>
+              <a:t>Connexion/déconnexion -&gt; problèmes d’affichage</a:t>
+            </a:r>
+          </a:p>
+          <a:p>
+            <a:r>
+              <a:rPr lang="fr-CH" dirty="0" err="1"/>
+              <a:t>NullPointerException</a:t>
+            </a:r>
+            <a:endParaRPr lang="fr-CH" dirty="0"/>
           </a:p>
         </p:txBody>
       </p:sp>
     </p:spTree>
     <p:extLst>
       <p:ext uri="{BB962C8B-B14F-4D97-AF65-F5344CB8AC3E}">
-        <p14:creationId xmlns:p14="http://schemas.microsoft.com/office/powerpoint/2010/main" val="2830161567"/>
+        <p14:creationId xmlns:p14="http://schemas.microsoft.com/office/powerpoint/2010/main" val="928769782"/>
+      </p:ext>
+    </p:extLst>
+  </p:cSld>
+  <p:clrMapOvr>
+    <a:masterClrMapping/>
+  </p:clrMapOvr>
+</p:sld>
+</file>
+
+<file path=ppt/slides/slide9.xml><?xml version="1.0" encoding="utf-8"?>
+<p:sld xmlns:a="http://schemas.openxmlformats.org/drawingml/2006/main" xmlns:r="http://schemas.openxmlformats.org/officeDocument/2006/relationships" xmlns:p="http://schemas.openxmlformats.org/presentationml/2006/main">
+  <p:cSld>
+    <p:spTree>
+      <p:nvGrpSpPr>
+        <p:cNvPr id="1" name=""/>
+        <p:cNvGrpSpPr/>
+        <p:nvPr/>
+      </p:nvGrpSpPr>
+      <p:grpSpPr>
+        <a:xfrm>
+          <a:off x="0" y="0"/>
+          <a:ext cx="0" cy="0"/>
+          <a:chOff x="0" y="0"/>
+          <a:chExt cx="0" cy="0"/>
+        </a:xfrm>
+      </p:grpSpPr>
+      <p:sp>
+        <p:nvSpPr>
+          <p:cNvPr id="2" name="Titre 1">
+            <a:extLst>
+              <a:ext uri="{FF2B5EF4-FFF2-40B4-BE49-F238E27FC236}">
+                <a16:creationId xmlns:a16="http://schemas.microsoft.com/office/drawing/2014/main" id="{CAFD6992-DE36-6D89-C9A8-57FFA1518A50}"/>
+              </a:ext>
+            </a:extLst>
+          </p:cNvPr>
+          <p:cNvSpPr>
+            <a:spLocks noGrp="1"/>
+          </p:cNvSpPr>
+          <p:nvPr>
+            <p:ph type="title"/>
+          </p:nvPr>
+        </p:nvSpPr>
+        <p:spPr>
+          <a:xfrm>
+            <a:off x="1473106" y="226200"/>
+            <a:ext cx="8534400" cy="1507067"/>
+          </a:xfrm>
+        </p:spPr>
+        <p:txBody>
+          <a:bodyPr/>
+          <a:lstStyle/>
+          <a:p>
+            <a:r>
+              <a:rPr lang="fr-CH" dirty="0"/>
+              <a:t>Etat du projet</a:t>
+            </a:r>
+          </a:p>
+        </p:txBody>
+      </p:sp>
+      <p:sp>
+        <p:nvSpPr>
+          <p:cNvPr id="3" name="Espace réservé du contenu 2">
+            <a:extLst>
+              <a:ext uri="{FF2B5EF4-FFF2-40B4-BE49-F238E27FC236}">
+                <a16:creationId xmlns:a16="http://schemas.microsoft.com/office/drawing/2014/main" id="{C149B3CE-4117-4347-9872-FF462FDBC487}"/>
+              </a:ext>
+            </a:extLst>
+          </p:cNvPr>
+          <p:cNvSpPr>
+            <a:spLocks noGrp="1"/>
+          </p:cNvSpPr>
+          <p:nvPr>
+            <p:ph idx="1"/>
+          </p:nvPr>
+        </p:nvSpPr>
+        <p:spPr>
+          <a:xfrm>
+            <a:off x="684212" y="2192867"/>
+            <a:ext cx="8534400" cy="1580535"/>
+          </a:xfrm>
+        </p:spPr>
+        <p:txBody>
+          <a:bodyPr>
+            <a:normAutofit/>
+          </a:bodyPr>
+          <a:lstStyle/>
+          <a:p>
+            <a:r>
+              <a:rPr lang="fr-CH" dirty="0"/>
+              <a:t>Convainquant</a:t>
+            </a:r>
+          </a:p>
+          <a:p>
+            <a:r>
+              <a:rPr lang="fr-CH" dirty="0"/>
+              <a:t>56% des fonctionnalités implémentés (20/36)</a:t>
+            </a:r>
+          </a:p>
+          <a:p>
+            <a:r>
+              <a:rPr lang="fr-CH" dirty="0"/>
+              <a:t>Nous somme au milieu de la priorité 4 sur 8</a:t>
+            </a:r>
+          </a:p>
+        </p:txBody>
+      </p:sp>
+      <p:pic>
+        <p:nvPicPr>
+          <p:cNvPr id="4" name="Image 3">
+            <a:extLst>
+              <a:ext uri="{FF2B5EF4-FFF2-40B4-BE49-F238E27FC236}">
+                <a16:creationId xmlns:a16="http://schemas.microsoft.com/office/drawing/2014/main" id="{6846EFF7-AC83-4B02-94DD-38F9A20349EF}"/>
+              </a:ext>
+            </a:extLst>
+          </p:cNvPr>
+          <p:cNvPicPr>
+            <a:picLocks noChangeAspect="1"/>
+          </p:cNvPicPr>
+          <p:nvPr/>
+        </p:nvPicPr>
+        <p:blipFill rotWithShape="1">
+          <a:blip r:embed="rId2"/>
+          <a:srcRect l="660" t="660" r="599"/>
+          <a:stretch/>
+        </p:blipFill>
+        <p:spPr>
+          <a:xfrm>
+            <a:off x="6195893" y="1133154"/>
+            <a:ext cx="5700272" cy="4591691"/>
+          </a:xfrm>
+          <a:prstGeom prst="rect">
+            <a:avLst/>
+          </a:prstGeom>
+        </p:spPr>
+      </p:pic>
+    </p:spTree>
+    <p:extLst>
+      <p:ext uri="{BB962C8B-B14F-4D97-AF65-F5344CB8AC3E}">
+        <p14:creationId xmlns:p14="http://schemas.microsoft.com/office/powerpoint/2010/main" val="2950864590"/>
       </p:ext>
     </p:extLst>
   </p:cSld>
@@ -6110,9 +9207,9 @@
 </file>
 
 <file path=ppt/theme/theme1.xml><?xml version="1.0" encoding="utf-8"?>
-<a:theme xmlns:a="http://schemas.openxmlformats.org/drawingml/2006/main" name="Secteur">
+<a:theme xmlns:a="http://schemas.openxmlformats.org/drawingml/2006/main" name="Brin">
   <a:themeElements>
-    <a:clrScheme name="Secteur">
+    <a:clrScheme name="Brin">
       <a:dk1>
         <a:sysClr val="windowText" lastClr="000000"/>
       </a:dk1>
@@ -6120,37 +9217,37 @@
         <a:sysClr val="window" lastClr="FFFFFF"/>
       </a:lt1>
       <a:dk2>
-        <a:srgbClr val="146194"/>
+        <a:srgbClr val="766F54"/>
       </a:dk2>
       <a:lt2>
-        <a:srgbClr val="76DBF4"/>
+        <a:srgbClr val="E3EACF"/>
       </a:lt2>
       <a:accent1>
-        <a:srgbClr val="052F61"/>
+        <a:srgbClr val="A53010"/>
       </a:accent1>
       <a:accent2>
-        <a:srgbClr val="A50E82"/>
+        <a:srgbClr val="DE7E18"/>
       </a:accent2>
       <a:accent3>
-        <a:srgbClr val="14967C"/>
+        <a:srgbClr val="9F8351"/>
       </a:accent3>
       <a:accent4>
-        <a:srgbClr val="6A9E1F"/>
+        <a:srgbClr val="728653"/>
       </a:accent4>
       <a:accent5>
-        <a:srgbClr val="E87D37"/>
+        <a:srgbClr val="92AA4C"/>
       </a:accent5>
       <a:accent6>
-        <a:srgbClr val="C62324"/>
+        <a:srgbClr val="6AAC91"/>
       </a:accent6>
       <a:hlink>
-        <a:srgbClr val="0D2E46"/>
+        <a:srgbClr val="FB4A18"/>
       </a:hlink>
       <a:folHlink>
-        <a:srgbClr val="356A95"/>
+        <a:srgbClr val="FB9318"/>
       </a:folHlink>
     </a:clrScheme>
-    <a:fontScheme name="Secteur">
+    <a:fontScheme name="Brin">
       <a:majorFont>
         <a:latin typeface="Century Gothic" panose="020B0502020202020204"/>
         <a:ea typeface=""/>
@@ -6222,44 +9319,29 @@
         <a:font script="Geor" typeface="Sylfaen"/>
       </a:minorFont>
     </a:fontScheme>
-    <a:fmtScheme name="Secteur">
+    <a:fmtScheme name="Brin">
       <a:fillStyleLst>
         <a:solidFill>
           <a:schemeClr val="phClr"/>
+        </a:solidFill>
+        <a:solidFill>
+          <a:schemeClr val="phClr">
+            <a:tint val="70000"/>
+            <a:lumMod val="104000"/>
+          </a:schemeClr>
         </a:solidFill>
         <a:gradFill rotWithShape="1">
           <a:gsLst>
             <a:gs pos="0">
               <a:schemeClr val="phClr">
-                <a:tint val="62000"/>
-                <a:hueMod val="94000"/>
-                <a:satMod val="140000"/>
-                <a:lumMod val="110000"/>
+                <a:tint val="96000"/>
+                <a:lumMod val="104000"/>
               </a:schemeClr>
             </a:gs>
             <a:gs pos="100000">
               <a:schemeClr val="phClr">
-                <a:tint val="84000"/>
-                <a:satMod val="160000"/>
-              </a:schemeClr>
-            </a:gs>
-          </a:gsLst>
-          <a:lin ang="5400000" scaled="0"/>
-        </a:gradFill>
-        <a:gradFill rotWithShape="1">
-          <a:gsLst>
-            <a:gs pos="0">
-              <a:schemeClr val="phClr">
-                <a:tint val="98000"/>
-                <a:hueMod val="94000"/>
-                <a:satMod val="130000"/>
-                <a:lumMod val="128000"/>
-              </a:schemeClr>
-            </a:gs>
-            <a:gs pos="100000">
-              <a:schemeClr val="phClr">
-                <a:shade val="94000"/>
-                <a:lumMod val="88000"/>
+                <a:shade val="98000"/>
+                <a:lumMod val="94000"/>
               </a:schemeClr>
             </a:gs>
           </a:gsLst>
@@ -6270,22 +9352,18 @@
         <a:ln w="9525" cap="rnd" cmpd="sng" algn="ctr">
           <a:solidFill>
             <a:schemeClr val="phClr">
-              <a:tint val="76000"/>
-              <a:alpha val="60000"/>
-              <a:hueMod val="94000"/>
+              <a:shade val="90000"/>
             </a:schemeClr>
           </a:solidFill>
           <a:prstDash val="solid"/>
         </a:ln>
         <a:ln w="15875" cap="rnd" cmpd="sng" algn="ctr">
           <a:solidFill>
-            <a:schemeClr val="phClr">
-              <a:hueMod val="94000"/>
-            </a:schemeClr>
+            <a:schemeClr val="phClr"/>
           </a:solidFill>
           <a:prstDash val="solid"/>
         </a:ln>
-        <a:ln w="28575" cap="rnd" cmpd="sng" algn="ctr">
+        <a:ln w="22225" cap="rnd" cmpd="sng" algn="ctr">
           <a:solidFill>
             <a:schemeClr val="phClr"/>
           </a:solidFill>
@@ -6298,30 +9376,21 @@
         </a:effectStyle>
         <a:effectStyle>
           <a:effectLst>
-            <a:innerShdw blurRad="25400" dist="12700" dir="13500000">
+            <a:outerShdw blurRad="38100" dist="25400" dir="5400000" rotWithShape="0">
               <a:srgbClr val="000000">
-                <a:alpha val="45000"/>
+                <a:alpha val="25000"/>
               </a:srgbClr>
-            </a:innerShdw>
+            </a:outerShdw>
           </a:effectLst>
         </a:effectStyle>
         <a:effectStyle>
           <a:effectLst>
             <a:outerShdw blurRad="50800" dist="38100" dir="5400000" rotWithShape="0">
               <a:srgbClr val="000000">
-                <a:alpha val="46000"/>
+                <a:alpha val="60000"/>
               </a:srgbClr>
             </a:outerShdw>
           </a:effectLst>
-          <a:scene3d>
-            <a:camera prst="orthographicFront">
-              <a:rot lat="0" lon="0" rev="0"/>
-            </a:camera>
-            <a:lightRig rig="threePt" dir="t"/>
-          </a:scene3d>
-          <a:sp3d prstMaterial="plastic">
-            <a:bevelT w="25400" h="25400"/>
-          </a:sp3d>
         </a:effectStyle>
       </a:effectStyleLst>
       <a:bgFillStyleLst>
@@ -6330,44 +9399,41 @@
         </a:solidFill>
         <a:gradFill rotWithShape="1">
           <a:gsLst>
-            <a:gs pos="10000">
+            <a:gs pos="0">
               <a:schemeClr val="phClr">
-                <a:tint val="97000"/>
-                <a:hueMod val="92000"/>
-                <a:satMod val="169000"/>
-                <a:lumMod val="164000"/>
+                <a:tint val="90000"/>
+                <a:lumMod val="120000"/>
               </a:schemeClr>
             </a:gs>
             <a:gs pos="100000">
               <a:schemeClr val="phClr">
-                <a:shade val="96000"/>
+                <a:shade val="98000"/>
                 <a:satMod val="120000"/>
-                <a:lumMod val="90000"/>
+                <a:lumMod val="98000"/>
               </a:schemeClr>
             </a:gs>
           </a:gsLst>
-          <a:lin ang="6120000" scaled="1"/>
+          <a:lin ang="5400000" scaled="0"/>
         </a:gradFill>
         <a:gradFill rotWithShape="1">
           <a:gsLst>
             <a:gs pos="0">
               <a:schemeClr val="phClr">
-                <a:tint val="97000"/>
-                <a:hueMod val="92000"/>
-                <a:satMod val="169000"/>
-                <a:lumMod val="164000"/>
+                <a:tint val="90000"/>
+                <a:satMod val="92000"/>
+                <a:lumMod val="120000"/>
               </a:schemeClr>
             </a:gs>
             <a:gs pos="100000">
               <a:schemeClr val="phClr">
-                <a:shade val="96000"/>
+                <a:shade val="98000"/>
                 <a:satMod val="120000"/>
-                <a:lumMod val="90000"/>
+                <a:lumMod val="98000"/>
               </a:schemeClr>
             </a:gs>
           </a:gsLst>
           <a:path path="circle">
-            <a:fillToRect b="100000"/>
+            <a:fillToRect l="50000" t="50000" r="100000" b="100000"/>
           </a:path>
         </a:gradFill>
       </a:bgFillStyleLst>
@@ -6377,7 +9443,7 @@
   <a:extraClrSchemeLst/>
   <a:extLst>
     <a:ext uri="{05A4C25C-085E-4340-85A3-A5531E510DB2}">
-      <thm15:themeFamily xmlns:thm15="http://schemas.microsoft.com/office/thememl/2012/main" name="Slice" id="{0507925B-6AC9-4358-8E18-C330545D08F8}" vid="{13FEC7C6-62A9-40C4-99D2-581AACACAA2F}"/>
+      <thm15:themeFamily xmlns:thm15="http://schemas.microsoft.com/office/thememl/2012/main" name="Wisp" id="{7CB32D59-10C0-40DD-B7BD-2E94284A981C}" vid="{24B1A44C-C006-48B2-A4D7-E5549B3D8CD4}"/>
     </a:ext>
   </a:extLst>
 </a:theme>

--- a/src/main/presentation_projet_bdr.pptx
+++ b/src/main/presentation_projet_bdr.pptx
@@ -1,9 +1,12 @@
 
 <file path=ppt/presentation.xml><?xml version="1.0" encoding="utf-8"?>
-<p:presentation xmlns:a="http://schemas.openxmlformats.org/drawingml/2006/main" xmlns:r="http://schemas.openxmlformats.org/officeDocument/2006/relationships" xmlns:p="http://schemas.openxmlformats.org/presentationml/2006/main" saveSubsetFonts="1">
+<p:presentation xmlns:a="http://schemas.openxmlformats.org/drawingml/2006/main" xmlns:r="http://schemas.openxmlformats.org/officeDocument/2006/relationships" xmlns:p="http://schemas.openxmlformats.org/presentationml/2006/main" showSpecialPlsOnTitleSld="0" saveSubsetFonts="1">
   <p:sldMasterIdLst>
     <p:sldMasterId id="2147483707" r:id="rId1"/>
   </p:sldMasterIdLst>
+  <p:notesMasterIdLst>
+    <p:notesMasterId r:id="rId12"/>
+  </p:notesMasterIdLst>
   <p:sldIdLst>
     <p:sldId id="256" r:id="rId2"/>
     <p:sldId id="258" r:id="rId3"/>
@@ -121,6 +124,356 @@
 </p:presentation>
 </file>
 
+<file path=ppt/notesMasters/notesMaster1.xml><?xml version="1.0" encoding="utf-8"?>
+<p:notesMaster xmlns:a="http://schemas.openxmlformats.org/drawingml/2006/main" xmlns:r="http://schemas.openxmlformats.org/officeDocument/2006/relationships" xmlns:p="http://schemas.openxmlformats.org/presentationml/2006/main">
+  <p:cSld>
+    <p:bg>
+      <p:bgRef idx="1001">
+        <a:schemeClr val="bg1"/>
+      </p:bgRef>
+    </p:bg>
+    <p:spTree>
+      <p:nvGrpSpPr>
+        <p:cNvPr id="1" name=""/>
+        <p:cNvGrpSpPr/>
+        <p:nvPr/>
+      </p:nvGrpSpPr>
+      <p:grpSpPr>
+        <a:xfrm>
+          <a:off x="0" y="0"/>
+          <a:ext cx="0" cy="0"/>
+          <a:chOff x="0" y="0"/>
+          <a:chExt cx="0" cy="0"/>
+        </a:xfrm>
+      </p:grpSpPr>
+      <p:sp>
+        <p:nvSpPr>
+          <p:cNvPr id="2" name="Espace réservé de l'en-tête 1"/>
+          <p:cNvSpPr>
+            <a:spLocks noGrp="1"/>
+          </p:cNvSpPr>
+          <p:nvPr>
+            <p:ph type="hdr" sz="quarter"/>
+          </p:nvPr>
+        </p:nvSpPr>
+        <p:spPr>
+          <a:xfrm>
+            <a:off x="0" y="0"/>
+            <a:ext cx="2971800" cy="458788"/>
+          </a:xfrm>
+          <a:prstGeom prst="rect">
+            <a:avLst/>
+          </a:prstGeom>
+        </p:spPr>
+        <p:txBody>
+          <a:bodyPr vert="horz" lIns="91440" tIns="45720" rIns="91440" bIns="45720" rtlCol="0"/>
+          <a:lstStyle>
+            <a:lvl1pPr algn="l">
+              <a:defRPr sz="1200"/>
+            </a:lvl1pPr>
+          </a:lstStyle>
+          <a:p>
+            <a:endParaRPr lang="fr-CH"/>
+          </a:p>
+        </p:txBody>
+      </p:sp>
+      <p:sp>
+        <p:nvSpPr>
+          <p:cNvPr id="3" name="Espace réservé de la date 2"/>
+          <p:cNvSpPr>
+            <a:spLocks noGrp="1"/>
+          </p:cNvSpPr>
+          <p:nvPr>
+            <p:ph type="dt" idx="1"/>
+          </p:nvPr>
+        </p:nvSpPr>
+        <p:spPr>
+          <a:xfrm>
+            <a:off x="3884613" y="0"/>
+            <a:ext cx="2971800" cy="458788"/>
+          </a:xfrm>
+          <a:prstGeom prst="rect">
+            <a:avLst/>
+          </a:prstGeom>
+        </p:spPr>
+        <p:txBody>
+          <a:bodyPr vert="horz" lIns="91440" tIns="45720" rIns="91440" bIns="45720" rtlCol="0"/>
+          <a:lstStyle>
+            <a:lvl1pPr algn="r">
+              <a:defRPr sz="1200"/>
+            </a:lvl1pPr>
+          </a:lstStyle>
+          <a:p>
+            <a:fld id="{3E0529C1-A6FB-4AE4-A2FE-48B3A3D78810}" type="datetimeFigureOut">
+              <a:rPr lang="fr-CH" smtClean="0"/>
+              <a:t>22.01.2024</a:t>
+            </a:fld>
+            <a:endParaRPr lang="fr-CH"/>
+          </a:p>
+        </p:txBody>
+      </p:sp>
+      <p:sp>
+        <p:nvSpPr>
+          <p:cNvPr id="4" name="Espace réservé de l'image des diapositives 3"/>
+          <p:cNvSpPr>
+            <a:spLocks noGrp="1" noRot="1" noChangeAspect="1"/>
+          </p:cNvSpPr>
+          <p:nvPr>
+            <p:ph type="sldImg" idx="2"/>
+          </p:nvPr>
+        </p:nvSpPr>
+        <p:spPr>
+          <a:xfrm>
+            <a:off x="685800" y="1143000"/>
+            <a:ext cx="5486400" cy="3086100"/>
+          </a:xfrm>
+          <a:prstGeom prst="rect">
+            <a:avLst/>
+          </a:prstGeom>
+          <a:noFill/>
+          <a:ln w="12700">
+            <a:solidFill>
+              <a:prstClr val="black"/>
+            </a:solidFill>
+          </a:ln>
+        </p:spPr>
+        <p:txBody>
+          <a:bodyPr vert="horz" lIns="91440" tIns="45720" rIns="91440" bIns="45720" rtlCol="0" anchor="ctr"/>
+          <a:lstStyle/>
+          <a:p>
+            <a:endParaRPr lang="fr-CH"/>
+          </a:p>
+        </p:txBody>
+      </p:sp>
+      <p:sp>
+        <p:nvSpPr>
+          <p:cNvPr id="5" name="Espace réservé des notes 4"/>
+          <p:cNvSpPr>
+            <a:spLocks noGrp="1"/>
+          </p:cNvSpPr>
+          <p:nvPr>
+            <p:ph type="body" sz="quarter" idx="3"/>
+          </p:nvPr>
+        </p:nvSpPr>
+        <p:spPr>
+          <a:xfrm>
+            <a:off x="685800" y="4400550"/>
+            <a:ext cx="5486400" cy="3600450"/>
+          </a:xfrm>
+          <a:prstGeom prst="rect">
+            <a:avLst/>
+          </a:prstGeom>
+        </p:spPr>
+        <p:txBody>
+          <a:bodyPr vert="horz" lIns="91440" tIns="45720" rIns="91440" bIns="45720" rtlCol="0"/>
+          <a:lstStyle/>
+          <a:p>
+            <a:pPr lvl="0"/>
+            <a:r>
+              <a:rPr lang="fr-FR"/>
+              <a:t>Cliquez pour modifier les styles du texte du masque</a:t>
+            </a:r>
+          </a:p>
+          <a:p>
+            <a:pPr lvl="1"/>
+            <a:r>
+              <a:rPr lang="fr-FR"/>
+              <a:t>Deuxième niveau</a:t>
+            </a:r>
+          </a:p>
+          <a:p>
+            <a:pPr lvl="2"/>
+            <a:r>
+              <a:rPr lang="fr-FR"/>
+              <a:t>Troisième niveau</a:t>
+            </a:r>
+          </a:p>
+          <a:p>
+            <a:pPr lvl="3"/>
+            <a:r>
+              <a:rPr lang="fr-FR"/>
+              <a:t>Quatrième niveau</a:t>
+            </a:r>
+          </a:p>
+          <a:p>
+            <a:pPr lvl="4"/>
+            <a:r>
+              <a:rPr lang="fr-FR"/>
+              <a:t>Cinquième niveau</a:t>
+            </a:r>
+            <a:endParaRPr lang="fr-CH"/>
+          </a:p>
+        </p:txBody>
+      </p:sp>
+      <p:sp>
+        <p:nvSpPr>
+          <p:cNvPr id="6" name="Espace réservé du pied de page 5"/>
+          <p:cNvSpPr>
+            <a:spLocks noGrp="1"/>
+          </p:cNvSpPr>
+          <p:nvPr>
+            <p:ph type="ftr" sz="quarter" idx="4"/>
+          </p:nvPr>
+        </p:nvSpPr>
+        <p:spPr>
+          <a:xfrm>
+            <a:off x="0" y="8685213"/>
+            <a:ext cx="2971800" cy="458787"/>
+          </a:xfrm>
+          <a:prstGeom prst="rect">
+            <a:avLst/>
+          </a:prstGeom>
+        </p:spPr>
+        <p:txBody>
+          <a:bodyPr vert="horz" lIns="91440" tIns="45720" rIns="91440" bIns="45720" rtlCol="0" anchor="b"/>
+          <a:lstStyle>
+            <a:lvl1pPr algn="l">
+              <a:defRPr sz="1200"/>
+            </a:lvl1pPr>
+          </a:lstStyle>
+          <a:p>
+            <a:endParaRPr lang="fr-CH"/>
+          </a:p>
+        </p:txBody>
+      </p:sp>
+      <p:sp>
+        <p:nvSpPr>
+          <p:cNvPr id="7" name="Espace réservé du numéro de diapositive 6"/>
+          <p:cNvSpPr>
+            <a:spLocks noGrp="1"/>
+          </p:cNvSpPr>
+          <p:nvPr>
+            <p:ph type="sldNum" sz="quarter" idx="5"/>
+          </p:nvPr>
+        </p:nvSpPr>
+        <p:spPr>
+          <a:xfrm>
+            <a:off x="3884613" y="8685213"/>
+            <a:ext cx="2971800" cy="458787"/>
+          </a:xfrm>
+          <a:prstGeom prst="rect">
+            <a:avLst/>
+          </a:prstGeom>
+        </p:spPr>
+        <p:txBody>
+          <a:bodyPr vert="horz" lIns="91440" tIns="45720" rIns="91440" bIns="45720" rtlCol="0" anchor="b"/>
+          <a:lstStyle>
+            <a:lvl1pPr algn="r">
+              <a:defRPr sz="1200"/>
+            </a:lvl1pPr>
+          </a:lstStyle>
+          <a:p>
+            <a:fld id="{A82E3A1D-E2E2-4A81-A789-85EBAEEA9881}" type="slidenum">
+              <a:rPr lang="fr-CH" smtClean="0"/>
+              <a:t>‹N°›</a:t>
+            </a:fld>
+            <a:endParaRPr lang="fr-CH"/>
+          </a:p>
+        </p:txBody>
+      </p:sp>
+    </p:spTree>
+    <p:extLst>
+      <p:ext uri="{BB962C8B-B14F-4D97-AF65-F5344CB8AC3E}">
+        <p14:creationId xmlns:p14="http://schemas.microsoft.com/office/powerpoint/2010/main" val="2452690481"/>
+      </p:ext>
+    </p:extLst>
+  </p:cSld>
+  <p:clrMap bg1="lt1" tx1="dk1" bg2="lt2" tx2="dk2" accent1="accent1" accent2="accent2" accent3="accent3" accent4="accent4" accent5="accent5" accent6="accent6" hlink="hlink" folHlink="folHlink"/>
+  <p:notesStyle>
+    <a:lvl1pPr marL="0" algn="l" defTabSz="914400" rtl="0" eaLnBrk="1" latinLnBrk="0" hangingPunct="1">
+      <a:defRPr sz="1200" kern="1200">
+        <a:solidFill>
+          <a:schemeClr val="tx1"/>
+        </a:solidFill>
+        <a:latin typeface="+mn-lt"/>
+        <a:ea typeface="+mn-ea"/>
+        <a:cs typeface="+mn-cs"/>
+      </a:defRPr>
+    </a:lvl1pPr>
+    <a:lvl2pPr marL="457200" algn="l" defTabSz="914400" rtl="0" eaLnBrk="1" latinLnBrk="0" hangingPunct="1">
+      <a:defRPr sz="1200" kern="1200">
+        <a:solidFill>
+          <a:schemeClr val="tx1"/>
+        </a:solidFill>
+        <a:latin typeface="+mn-lt"/>
+        <a:ea typeface="+mn-ea"/>
+        <a:cs typeface="+mn-cs"/>
+      </a:defRPr>
+    </a:lvl2pPr>
+    <a:lvl3pPr marL="914400" algn="l" defTabSz="914400" rtl="0" eaLnBrk="1" latinLnBrk="0" hangingPunct="1">
+      <a:defRPr sz="1200" kern="1200">
+        <a:solidFill>
+          <a:schemeClr val="tx1"/>
+        </a:solidFill>
+        <a:latin typeface="+mn-lt"/>
+        <a:ea typeface="+mn-ea"/>
+        <a:cs typeface="+mn-cs"/>
+      </a:defRPr>
+    </a:lvl3pPr>
+    <a:lvl4pPr marL="1371600" algn="l" defTabSz="914400" rtl="0" eaLnBrk="1" latinLnBrk="0" hangingPunct="1">
+      <a:defRPr sz="1200" kern="1200">
+        <a:solidFill>
+          <a:schemeClr val="tx1"/>
+        </a:solidFill>
+        <a:latin typeface="+mn-lt"/>
+        <a:ea typeface="+mn-ea"/>
+        <a:cs typeface="+mn-cs"/>
+      </a:defRPr>
+    </a:lvl4pPr>
+    <a:lvl5pPr marL="1828800" algn="l" defTabSz="914400" rtl="0" eaLnBrk="1" latinLnBrk="0" hangingPunct="1">
+      <a:defRPr sz="1200" kern="1200">
+        <a:solidFill>
+          <a:schemeClr val="tx1"/>
+        </a:solidFill>
+        <a:latin typeface="+mn-lt"/>
+        <a:ea typeface="+mn-ea"/>
+        <a:cs typeface="+mn-cs"/>
+      </a:defRPr>
+    </a:lvl5pPr>
+    <a:lvl6pPr marL="2286000" algn="l" defTabSz="914400" rtl="0" eaLnBrk="1" latinLnBrk="0" hangingPunct="1">
+      <a:defRPr sz="1200" kern="1200">
+        <a:solidFill>
+          <a:schemeClr val="tx1"/>
+        </a:solidFill>
+        <a:latin typeface="+mn-lt"/>
+        <a:ea typeface="+mn-ea"/>
+        <a:cs typeface="+mn-cs"/>
+      </a:defRPr>
+    </a:lvl6pPr>
+    <a:lvl7pPr marL="2743200" algn="l" defTabSz="914400" rtl="0" eaLnBrk="1" latinLnBrk="0" hangingPunct="1">
+      <a:defRPr sz="1200" kern="1200">
+        <a:solidFill>
+          <a:schemeClr val="tx1"/>
+        </a:solidFill>
+        <a:latin typeface="+mn-lt"/>
+        <a:ea typeface="+mn-ea"/>
+        <a:cs typeface="+mn-cs"/>
+      </a:defRPr>
+    </a:lvl7pPr>
+    <a:lvl8pPr marL="3200400" algn="l" defTabSz="914400" rtl="0" eaLnBrk="1" latinLnBrk="0" hangingPunct="1">
+      <a:defRPr sz="1200" kern="1200">
+        <a:solidFill>
+          <a:schemeClr val="tx1"/>
+        </a:solidFill>
+        <a:latin typeface="+mn-lt"/>
+        <a:ea typeface="+mn-ea"/>
+        <a:cs typeface="+mn-cs"/>
+      </a:defRPr>
+    </a:lvl8pPr>
+    <a:lvl9pPr marL="3657600" algn="l" defTabSz="914400" rtl="0" eaLnBrk="1" latinLnBrk="0" hangingPunct="1">
+      <a:defRPr sz="1200" kern="1200">
+        <a:solidFill>
+          <a:schemeClr val="tx1"/>
+        </a:solidFill>
+        <a:latin typeface="+mn-lt"/>
+        <a:ea typeface="+mn-ea"/>
+        <a:cs typeface="+mn-cs"/>
+      </a:defRPr>
+    </a:lvl9pPr>
+  </p:notesStyle>
+</p:notesMaster>
+</file>
+
 <file path=ppt/slideLayouts/slideLayout1.xml><?xml version="1.0" encoding="utf-8"?>
 <p:sldLayout xmlns:a="http://schemas.openxmlformats.org/drawingml/2006/main" xmlns:r="http://schemas.openxmlformats.org/officeDocument/2006/relationships" xmlns:p="http://schemas.openxmlformats.org/presentationml/2006/main" type="title" preserve="1">
   <p:cSld name="Diapositive de titre">
@@ -307,7 +660,7 @@
           <a:bodyPr/>
           <a:lstStyle/>
           <a:p>
-            <a:fld id="{D053F496-3908-4CAB-B64E-B72A19A831F4}" type="datetimeFigureOut">
+            <a:fld id="{413546CB-CEE9-4D34-9828-53B92B835B45}" type="datetime1">
               <a:rPr lang="fr-CH" smtClean="0"/>
               <a:t>22.01.2024</a:t>
             </a:fld>
@@ -645,7 +998,7 @@
           <a:bodyPr/>
           <a:lstStyle/>
           <a:p>
-            <a:fld id="{D053F496-3908-4CAB-B64E-B72A19A831F4}" type="datetimeFigureOut">
+            <a:fld id="{24526531-B21B-42FE-BD5A-EF064C6DC2FE}" type="datetime1">
               <a:rPr lang="fr-CH" smtClean="0"/>
               <a:t>22.01.2024</a:t>
             </a:fld>
@@ -1046,7 +1399,7 @@
           <a:bodyPr/>
           <a:lstStyle/>
           <a:p>
-            <a:fld id="{D053F496-3908-4CAB-B64E-B72A19A831F4}" type="datetimeFigureOut">
+            <a:fld id="{6AE1F75E-E5A2-4E13-B964-B42519A8583E}" type="datetime1">
               <a:rPr lang="fr-CH" smtClean="0"/>
               <a:t>22.01.2024</a:t>
             </a:fld>
@@ -1382,7 +1735,7 @@
           <a:bodyPr/>
           <a:lstStyle/>
           <a:p>
-            <a:fld id="{D053F496-3908-4CAB-B64E-B72A19A831F4}" type="datetimeFigureOut">
+            <a:fld id="{8BAC4A99-310A-4DC3-BB34-E1268E1D4279}" type="datetime1">
               <a:rPr lang="fr-CH" smtClean="0"/>
               <a:t>22.01.2024</a:t>
             </a:fld>
@@ -1702,7 +2055,7 @@
           <a:bodyPr/>
           <a:lstStyle/>
           <a:p>
-            <a:fld id="{D053F496-3908-4CAB-B64E-B72A19A831F4}" type="datetimeFigureOut">
+            <a:fld id="{B0A820F8-A5C6-4226-9472-A2329A961062}" type="datetime1">
               <a:rPr lang="fr-CH" smtClean="0"/>
               <a:t>22.01.2024</a:t>
             </a:fld>
@@ -2098,7 +2451,7 @@
           <a:bodyPr/>
           <a:lstStyle/>
           <a:p>
-            <a:fld id="{D053F496-3908-4CAB-B64E-B72A19A831F4}" type="datetimeFigureOut">
+            <a:fld id="{3903055D-B8D0-434C-9D06-2A81952A2961}" type="datetime1">
               <a:rPr lang="fr-CH" smtClean="0"/>
               <a:t>22.01.2024</a:t>
             </a:fld>
@@ -2355,7 +2708,7 @@
           <a:bodyPr/>
           <a:lstStyle/>
           <a:p>
-            <a:fld id="{D053F496-3908-4CAB-B64E-B72A19A831F4}" type="datetimeFigureOut">
+            <a:fld id="{64656719-6F7C-492D-B0C3-E047DEE36BA8}" type="datetime1">
               <a:rPr lang="fr-CH" smtClean="0"/>
               <a:t>22.01.2024</a:t>
             </a:fld>
@@ -2617,7 +2970,7 @@
           <a:bodyPr/>
           <a:lstStyle/>
           <a:p>
-            <a:fld id="{D053F496-3908-4CAB-B64E-B72A19A831F4}" type="datetimeFigureOut">
+            <a:fld id="{5B47B785-0AF6-4D87-9903-70C26A8EC5B4}" type="datetime1">
               <a:rPr lang="fr-CH" smtClean="0"/>
               <a:t>22.01.2024</a:t>
             </a:fld>
@@ -2879,7 +3232,7 @@
           <a:bodyPr/>
           <a:lstStyle/>
           <a:p>
-            <a:fld id="{D053F496-3908-4CAB-B64E-B72A19A831F4}" type="datetimeFigureOut">
+            <a:fld id="{D3D8D8EB-BA9E-4551-BECA-0D5906575496}" type="datetime1">
               <a:rPr lang="fr-CH" smtClean="0"/>
               <a:t>22.01.2024</a:t>
             </a:fld>
@@ -3208,7 +3561,7 @@
           <a:bodyPr/>
           <a:lstStyle/>
           <a:p>
-            <a:fld id="{D053F496-3908-4CAB-B64E-B72A19A831F4}" type="datetimeFigureOut">
+            <a:fld id="{FA334298-CC0D-4B64-A3AF-F59BA84FF3E0}" type="datetime1">
               <a:rPr lang="fr-CH" smtClean="0"/>
               <a:t>22.01.2024</a:t>
             </a:fld>
@@ -3531,7 +3884,7 @@
           <a:bodyPr/>
           <a:lstStyle/>
           <a:p>
-            <a:fld id="{D053F496-3908-4CAB-B64E-B72A19A831F4}" type="datetimeFigureOut">
+            <a:fld id="{E6B2A9F0-E188-47A3-8FD1-1DC7088BB32B}" type="datetime1">
               <a:rPr lang="fr-CH" smtClean="0"/>
               <a:t>22.01.2024</a:t>
             </a:fld>
@@ -3988,7 +4341,7 @@
           <a:bodyPr/>
           <a:lstStyle/>
           <a:p>
-            <a:fld id="{D053F496-3908-4CAB-B64E-B72A19A831F4}" type="datetimeFigureOut">
+            <a:fld id="{35D5C310-C597-4C39-9D6F-4F5997F5B7D1}" type="datetime1">
               <a:rPr lang="fr-CH" smtClean="0"/>
               <a:t>22.01.2024</a:t>
             </a:fld>
@@ -4193,7 +4546,7 @@
           <a:bodyPr/>
           <a:lstStyle/>
           <a:p>
-            <a:fld id="{D053F496-3908-4CAB-B64E-B72A19A831F4}" type="datetimeFigureOut">
+            <a:fld id="{AA16CBB4-4701-452D-B1DD-141B9F1FC0E8}" type="datetime1">
               <a:rPr lang="fr-CH" smtClean="0"/>
               <a:t>22.01.2024</a:t>
             </a:fld>
@@ -4370,7 +4723,7 @@
           <a:bodyPr/>
           <a:lstStyle/>
           <a:p>
-            <a:fld id="{D053F496-3908-4CAB-B64E-B72A19A831F4}" type="datetimeFigureOut">
+            <a:fld id="{D54D1DEC-60B8-4324-86BA-2AFB5DADDB65}" type="datetime1">
               <a:rPr lang="fr-CH" smtClean="0"/>
               <a:t>22.01.2024</a:t>
             </a:fld>
@@ -4703,7 +5056,7 @@
           <a:bodyPr/>
           <a:lstStyle/>
           <a:p>
-            <a:fld id="{D053F496-3908-4CAB-B64E-B72A19A831F4}" type="datetimeFigureOut">
+            <a:fld id="{EE44963E-F3A2-4EC5-82A7-2027C80A824B}" type="datetime1">
               <a:rPr lang="fr-CH" smtClean="0"/>
               <a:t>22.01.2024</a:t>
             </a:fld>
@@ -5048,7 +5401,7 @@
           <a:bodyPr/>
           <a:lstStyle/>
           <a:p>
-            <a:fld id="{D053F496-3908-4CAB-B64E-B72A19A831F4}" type="datetimeFigureOut">
+            <a:fld id="{85D19B7B-C479-42B1-8291-B9EE3705F60E}" type="datetime1">
               <a:rPr lang="fr-CH" smtClean="0"/>
               <a:t>22.01.2024</a:t>
             </a:fld>
@@ -7165,7 +7518,7 @@
             </a:lvl1pPr>
           </a:lstStyle>
           <a:p>
-            <a:fld id="{D053F496-3908-4CAB-B64E-B72A19A831F4}" type="datetimeFigureOut">
+            <a:fld id="{36B1F6E2-675C-427C-A0D6-E5036DB9C202}" type="datetime1">
               <a:rPr lang="fr-CH" smtClean="0"/>
               <a:t>22.01.2024</a:t>
             </a:fld>
@@ -7275,6 +7628,7 @@
     <p:sldLayoutId id="2147483722" r:id="rId15"/>
     <p:sldLayoutId id="2147483723" r:id="rId16"/>
   </p:sldLayoutIdLst>
+  <p:hf hdr="0" ftr="0" dt="0"/>
   <p:txStyles>
     <p:titleStyle>
       <a:lvl1pPr algn="l" defTabSz="457200" rtl="0" eaLnBrk="1" latinLnBrk="0" hangingPunct="1">
@@ -7790,7 +8144,7 @@
         </p:blipFill>
         <p:spPr>
           <a:xfrm>
-            <a:off x="8041866" y="5459506"/>
+            <a:off x="7668240" y="5153515"/>
             <a:ext cx="3764650" cy="1186880"/>
           </a:xfrm>
           <a:prstGeom prst="rect">
@@ -8096,6 +8450,34 @@
           </a:p>
         </p:txBody>
       </p:sp>
+      <p:sp>
+        <p:nvSpPr>
+          <p:cNvPr id="4" name="Espace réservé du numéro de diapositive 3">
+            <a:extLst>
+              <a:ext uri="{FF2B5EF4-FFF2-40B4-BE49-F238E27FC236}">
+                <a16:creationId xmlns:a16="http://schemas.microsoft.com/office/drawing/2014/main" id="{B6210F23-C262-D513-ACC0-6FC8E408F0E1}"/>
+              </a:ext>
+            </a:extLst>
+          </p:cNvPr>
+          <p:cNvSpPr>
+            <a:spLocks noGrp="1"/>
+          </p:cNvSpPr>
+          <p:nvPr>
+            <p:ph type="sldNum" sz="quarter" idx="12"/>
+          </p:nvPr>
+        </p:nvSpPr>
+        <p:spPr/>
+        <p:txBody>
+          <a:bodyPr/>
+          <a:lstStyle/>
+          <a:p>
+            <a:r>
+              <a:rPr lang="fr-CH" dirty="0"/>
+              <a:t>9</a:t>
+            </a:r>
+          </a:p>
+        </p:txBody>
+      </p:sp>
     </p:spTree>
     <p:extLst>
       <p:ext uri="{BB962C8B-B14F-4D97-AF65-F5344CB8AC3E}">
@@ -8154,13 +8536,8 @@
           <a:p>
             <a:r>
               <a:rPr lang="fr-CH" dirty="0"/>
-              <a:t>Description de la </a:t>
-            </a:r>
-            <a:r>
-              <a:rPr lang="fr-CH" dirty="0" err="1"/>
-              <a:t>problèmatique</a:t>
-            </a:r>
-            <a:endParaRPr lang="fr-CH" dirty="0"/>
+              <a:t>Description de la problématique</a:t>
+            </a:r>
           </a:p>
         </p:txBody>
       </p:sp>
@@ -8183,12 +8560,12 @@
         <p:spPr>
           <a:xfrm>
             <a:off x="684212" y="2192867"/>
-            <a:ext cx="8534400" cy="1580535"/>
+            <a:ext cx="8534400" cy="2713430"/>
           </a:xfrm>
         </p:spPr>
         <p:txBody>
           <a:bodyPr>
-            <a:normAutofit fontScale="85000" lnSpcReduction="20000"/>
+            <a:normAutofit/>
           </a:bodyPr>
           <a:lstStyle/>
           <a:p>
@@ -8206,7 +8583,7 @@
           <a:p>
             <a:r>
               <a:rPr lang="fr-CH" dirty="0"/>
-              <a:t>Gestion d’utilisateur</a:t>
+              <a:t>Gestion d’utilisateurs</a:t>
             </a:r>
           </a:p>
           <a:p>
@@ -8218,7 +8595,7 @@
           <a:p>
             <a:r>
               <a:rPr lang="fr-CH" dirty="0"/>
-              <a:t>Les utilisateurs  </a:t>
+              <a:t>Les utilisateurs </a:t>
             </a:r>
             <a:r>
               <a:rPr lang="fr-CH" dirty="0" err="1"/>
@@ -8227,6 +8604,34 @@
             <a:r>
               <a:rPr lang="fr-CH" dirty="0"/>
               <a:t> peuvent ajouter des mods (de leur conception)</a:t>
+            </a:r>
+          </a:p>
+        </p:txBody>
+      </p:sp>
+      <p:sp>
+        <p:nvSpPr>
+          <p:cNvPr id="4" name="Espace réservé du numéro de diapositive 3">
+            <a:extLst>
+              <a:ext uri="{FF2B5EF4-FFF2-40B4-BE49-F238E27FC236}">
+                <a16:creationId xmlns:a16="http://schemas.microsoft.com/office/drawing/2014/main" id="{54BAC20E-26C8-B281-81E6-AB5539335F77}"/>
+              </a:ext>
+            </a:extLst>
+          </p:cNvPr>
+          <p:cNvSpPr>
+            <a:spLocks noGrp="1"/>
+          </p:cNvSpPr>
+          <p:nvPr>
+            <p:ph type="sldNum" sz="quarter" idx="12"/>
+          </p:nvPr>
+        </p:nvSpPr>
+        <p:spPr/>
+        <p:txBody>
+          <a:bodyPr/>
+          <a:lstStyle/>
+          <a:p>
+            <a:r>
+              <a:rPr lang="fr-CH" dirty="0"/>
+              <a:t>1</a:t>
             </a:r>
           </a:p>
         </p:txBody>
@@ -8289,13 +8694,8 @@
           <a:p>
             <a:r>
               <a:rPr lang="fr-CH" dirty="0"/>
-              <a:t>Choix des </a:t>
-            </a:r>
-            <a:r>
-              <a:rPr lang="fr-CH" dirty="0" err="1"/>
-              <a:t>techonolgies</a:t>
-            </a:r>
-            <a:endParaRPr lang="fr-CH" dirty="0"/>
+              <a:t>Choix des technologies</a:t>
+            </a:r>
           </a:p>
         </p:txBody>
       </p:sp>
@@ -8318,7 +8718,7 @@
         <p:spPr>
           <a:xfrm>
             <a:off x="684212" y="2192867"/>
-            <a:ext cx="8534400" cy="1944329"/>
+            <a:ext cx="8534400" cy="2172656"/>
           </a:xfrm>
         </p:spPr>
         <p:txBody>
@@ -8505,6 +8905,34 @@
           </a:extLst>
         </p:spPr>
       </p:pic>
+      <p:sp>
+        <p:nvSpPr>
+          <p:cNvPr id="4" name="Espace réservé du numéro de diapositive 3">
+            <a:extLst>
+              <a:ext uri="{FF2B5EF4-FFF2-40B4-BE49-F238E27FC236}">
+                <a16:creationId xmlns:a16="http://schemas.microsoft.com/office/drawing/2014/main" id="{A8A286FF-B2E6-F725-5615-11908BBE0A5C}"/>
+              </a:ext>
+            </a:extLst>
+          </p:cNvPr>
+          <p:cNvSpPr>
+            <a:spLocks noGrp="1"/>
+          </p:cNvSpPr>
+          <p:nvPr>
+            <p:ph type="sldNum" sz="quarter" idx="12"/>
+          </p:nvPr>
+        </p:nvSpPr>
+        <p:spPr/>
+        <p:txBody>
+          <a:bodyPr/>
+          <a:lstStyle/>
+          <a:p>
+            <a:r>
+              <a:rPr lang="fr-CH" dirty="0"/>
+              <a:t>2</a:t>
+            </a:r>
+          </a:p>
+        </p:txBody>
+      </p:sp>
     </p:spTree>
     <p:extLst>
       <p:ext uri="{BB962C8B-B14F-4D97-AF65-F5344CB8AC3E}">
@@ -8563,7 +8991,7 @@
           <a:p>
             <a:r>
               <a:rPr lang="fr-CH" dirty="0"/>
-              <a:t>Schéma entité-Association</a:t>
+              <a:t>Schéma Entité-Association</a:t>
             </a:r>
           </a:p>
         </p:txBody>
@@ -8598,6 +9026,34 @@
           </a:prstGeom>
         </p:spPr>
       </p:pic>
+      <p:sp>
+        <p:nvSpPr>
+          <p:cNvPr id="3" name="Espace réservé du numéro de diapositive 2">
+            <a:extLst>
+              <a:ext uri="{FF2B5EF4-FFF2-40B4-BE49-F238E27FC236}">
+                <a16:creationId xmlns:a16="http://schemas.microsoft.com/office/drawing/2014/main" id="{21BBE365-0C09-3A09-907A-19F307E9079E}"/>
+              </a:ext>
+            </a:extLst>
+          </p:cNvPr>
+          <p:cNvSpPr>
+            <a:spLocks noGrp="1"/>
+          </p:cNvSpPr>
+          <p:nvPr>
+            <p:ph type="sldNum" sz="quarter" idx="12"/>
+          </p:nvPr>
+        </p:nvSpPr>
+        <p:spPr/>
+        <p:txBody>
+          <a:bodyPr/>
+          <a:lstStyle/>
+          <a:p>
+            <a:r>
+              <a:rPr lang="fr-CH" dirty="0"/>
+              <a:t>3</a:t>
+            </a:r>
+          </a:p>
+        </p:txBody>
+      </p:sp>
     </p:spTree>
     <p:extLst>
       <p:ext uri="{BB962C8B-B14F-4D97-AF65-F5344CB8AC3E}">
@@ -8690,8 +9146,8 @@
         </p:blipFill>
         <p:spPr bwMode="auto">
           <a:xfrm>
-            <a:off x="2913965" y="1733267"/>
-            <a:ext cx="8892551" cy="4603748"/>
+            <a:off x="1579145" y="1042219"/>
+            <a:ext cx="10227372" cy="5294796"/>
           </a:xfrm>
           <a:prstGeom prst="rect">
             <a:avLst/>
@@ -8708,6 +9164,34 @@
           </a:extLst>
         </p:spPr>
       </p:pic>
+      <p:sp>
+        <p:nvSpPr>
+          <p:cNvPr id="3" name="Espace réservé du numéro de diapositive 2">
+            <a:extLst>
+              <a:ext uri="{FF2B5EF4-FFF2-40B4-BE49-F238E27FC236}">
+                <a16:creationId xmlns:a16="http://schemas.microsoft.com/office/drawing/2014/main" id="{D0E90067-1490-8136-0A50-FFF3206CCA9E}"/>
+              </a:ext>
+            </a:extLst>
+          </p:cNvPr>
+          <p:cNvSpPr>
+            <a:spLocks noGrp="1"/>
+          </p:cNvSpPr>
+          <p:nvPr>
+            <p:ph type="sldNum" sz="quarter" idx="12"/>
+          </p:nvPr>
+        </p:nvSpPr>
+        <p:spPr/>
+        <p:txBody>
+          <a:bodyPr/>
+          <a:lstStyle/>
+          <a:p>
+            <a:r>
+              <a:rPr lang="fr-CH" dirty="0"/>
+              <a:t>4</a:t>
+            </a:r>
+          </a:p>
+        </p:txBody>
+      </p:sp>
     </p:spTree>
     <p:extLst>
       <p:ext uri="{BB962C8B-B14F-4D97-AF65-F5344CB8AC3E}">
@@ -8807,6 +9291,34 @@
           </a:prstGeom>
         </p:spPr>
       </p:pic>
+      <p:sp>
+        <p:nvSpPr>
+          <p:cNvPr id="3" name="Espace réservé du numéro de diapositive 2">
+            <a:extLst>
+              <a:ext uri="{FF2B5EF4-FFF2-40B4-BE49-F238E27FC236}">
+                <a16:creationId xmlns:a16="http://schemas.microsoft.com/office/drawing/2014/main" id="{DC058968-126F-45C2-2A17-0ED04E11ECA4}"/>
+              </a:ext>
+            </a:extLst>
+          </p:cNvPr>
+          <p:cNvSpPr>
+            <a:spLocks noGrp="1"/>
+          </p:cNvSpPr>
+          <p:nvPr>
+            <p:ph type="sldNum" sz="quarter" idx="12"/>
+          </p:nvPr>
+        </p:nvSpPr>
+        <p:spPr/>
+        <p:txBody>
+          <a:bodyPr/>
+          <a:lstStyle/>
+          <a:p>
+            <a:r>
+              <a:rPr lang="fr-CH" dirty="0"/>
+              <a:t>5</a:t>
+            </a:r>
+          </a:p>
+        </p:txBody>
+      </p:sp>
     </p:spTree>
     <p:extLst>
       <p:ext uri="{BB962C8B-B14F-4D97-AF65-F5344CB8AC3E}">
@@ -8865,7 +9377,7 @@
           <a:p>
             <a:r>
               <a:rPr lang="fr-CH" dirty="0"/>
-              <a:t>Problèmes rencontré résolus</a:t>
+              <a:t>Problèmes rencontrés résolus</a:t>
             </a:r>
           </a:p>
         </p:txBody>
@@ -8888,8 +9400,8 @@
         </p:nvSpPr>
         <p:spPr>
           <a:xfrm>
-            <a:off x="684212" y="2192867"/>
-            <a:ext cx="8534400" cy="1580535"/>
+            <a:off x="684211" y="2192867"/>
+            <a:ext cx="10917854" cy="1946514"/>
           </a:xfrm>
         </p:spPr>
         <p:txBody>
@@ -8911,15 +9423,7 @@
           <a:p>
             <a:r>
               <a:rPr lang="fr-CH" dirty="0"/>
-              <a:t>Affichage de </a:t>
-            </a:r>
-            <a:r>
-              <a:rPr lang="fr-CH" dirty="0" err="1"/>
-              <a:t>popups</a:t>
-            </a:r>
-            <a:r>
-              <a:rPr lang="fr-CH" dirty="0"/>
-              <a:t> en </a:t>
+              <a:t>Affichage de pop-ups en </a:t>
             </a:r>
             <a:r>
               <a:rPr lang="fr-CH" dirty="0" err="1"/>
@@ -8934,11 +9438,39 @@
             </a:r>
             <a:r>
               <a:rPr lang="fr-CH" dirty="0" err="1"/>
-              <a:t>javafx</a:t>
+              <a:t>JavaFX</a:t>
             </a:r>
             <a:r>
               <a:rPr lang="fr-CH" dirty="0"/>
               <a:t>)</a:t>
+            </a:r>
+          </a:p>
+        </p:txBody>
+      </p:sp>
+      <p:sp>
+        <p:nvSpPr>
+          <p:cNvPr id="4" name="Espace réservé du numéro de diapositive 3">
+            <a:extLst>
+              <a:ext uri="{FF2B5EF4-FFF2-40B4-BE49-F238E27FC236}">
+                <a16:creationId xmlns:a16="http://schemas.microsoft.com/office/drawing/2014/main" id="{A17B7C34-032D-715B-DBBC-ADC355CACEF6}"/>
+              </a:ext>
+            </a:extLst>
+          </p:cNvPr>
+          <p:cNvSpPr>
+            <a:spLocks noGrp="1"/>
+          </p:cNvSpPr>
+          <p:nvPr>
+            <p:ph type="sldNum" sz="quarter" idx="12"/>
+          </p:nvPr>
+        </p:nvSpPr>
+        <p:spPr/>
+        <p:txBody>
+          <a:bodyPr/>
+          <a:lstStyle/>
+          <a:p>
+            <a:r>
+              <a:rPr lang="fr-CH" dirty="0"/>
+              <a:t>6</a:t>
             </a:r>
           </a:p>
         </p:txBody>
@@ -9001,7 +9533,7 @@
           <a:p>
             <a:r>
               <a:rPr lang="fr-CH" dirty="0"/>
-              <a:t>Problèmes connu</a:t>
+              <a:t>Problèmes connus</a:t>
             </a:r>
           </a:p>
         </p:txBody>
@@ -9024,8 +9556,8 @@
         </p:nvSpPr>
         <p:spPr>
           <a:xfrm>
-            <a:off x="684212" y="2192867"/>
-            <a:ext cx="8534400" cy="1580535"/>
+            <a:off x="684211" y="2192867"/>
+            <a:ext cx="10308253" cy="2388965"/>
           </a:xfrm>
         </p:spPr>
         <p:txBody>
@@ -9036,7 +9568,7 @@
           <a:p>
             <a:r>
               <a:rPr lang="fr-CH" dirty="0"/>
-              <a:t>CSS pas fini (couleurs pas juste à certaines place, texte pas en gras)</a:t>
+              <a:t>CSS pas fini (couleurs pas justes à certains endroits, texte pas en gras)</a:t>
             </a:r>
           </a:p>
           <a:p>
@@ -9051,6 +9583,34 @@
               <a:t>NullPointerException</a:t>
             </a:r>
             <a:endParaRPr lang="fr-CH" dirty="0"/>
+          </a:p>
+        </p:txBody>
+      </p:sp>
+      <p:sp>
+        <p:nvSpPr>
+          <p:cNvPr id="4" name="Espace réservé du numéro de diapositive 3">
+            <a:extLst>
+              <a:ext uri="{FF2B5EF4-FFF2-40B4-BE49-F238E27FC236}">
+                <a16:creationId xmlns:a16="http://schemas.microsoft.com/office/drawing/2014/main" id="{3343C8EC-F5C6-BBDB-5765-B63A880A8AF0}"/>
+              </a:ext>
+            </a:extLst>
+          </p:cNvPr>
+          <p:cNvSpPr>
+            <a:spLocks noGrp="1"/>
+          </p:cNvSpPr>
+          <p:nvPr>
+            <p:ph type="sldNum" sz="quarter" idx="12"/>
+          </p:nvPr>
+        </p:nvSpPr>
+        <p:spPr/>
+        <p:txBody>
+          <a:bodyPr/>
+          <a:lstStyle/>
+          <a:p>
+            <a:r>
+              <a:rPr lang="fr-CH" dirty="0"/>
+              <a:t>7</a:t>
+            </a:r>
           </a:p>
         </p:txBody>
       </p:sp>
@@ -9136,7 +9696,7 @@
         <p:spPr>
           <a:xfrm>
             <a:off x="684212" y="2192867"/>
-            <a:ext cx="8534400" cy="1580535"/>
+            <a:ext cx="8534400" cy="2270978"/>
           </a:xfrm>
         </p:spPr>
         <p:txBody>
@@ -9159,7 +9719,7 @@
           <a:p>
             <a:r>
               <a:rPr lang="fr-CH" dirty="0"/>
-              <a:t>Nous somme au milieu de la priorité 4 sur 8</a:t>
+              <a:t>Nous sommes au milieu de la priorité 4 sur 8</a:t>
             </a:r>
           </a:p>
         </p:txBody>
@@ -9193,6 +9753,34 @@
           </a:prstGeom>
         </p:spPr>
       </p:pic>
+      <p:sp>
+        <p:nvSpPr>
+          <p:cNvPr id="5" name="Espace réservé du numéro de diapositive 4">
+            <a:extLst>
+              <a:ext uri="{FF2B5EF4-FFF2-40B4-BE49-F238E27FC236}">
+                <a16:creationId xmlns:a16="http://schemas.microsoft.com/office/drawing/2014/main" id="{14C63C02-E3E4-9CC2-B65C-C95D5E7EAABD}"/>
+              </a:ext>
+            </a:extLst>
+          </p:cNvPr>
+          <p:cNvSpPr>
+            <a:spLocks noGrp="1"/>
+          </p:cNvSpPr>
+          <p:nvPr>
+            <p:ph type="sldNum" sz="quarter" idx="12"/>
+          </p:nvPr>
+        </p:nvSpPr>
+        <p:spPr/>
+        <p:txBody>
+          <a:bodyPr/>
+          <a:lstStyle/>
+          <a:p>
+            <a:r>
+              <a:rPr lang="fr-CH" dirty="0"/>
+              <a:t>8</a:t>
+            </a:r>
+          </a:p>
+        </p:txBody>
+      </p:sp>
     </p:spTree>
     <p:extLst>
       <p:ext uri="{BB962C8B-B14F-4D97-AF65-F5344CB8AC3E}">
@@ -9447,4 +10035,299 @@
     </a:ext>
   </a:extLst>
 </a:theme>
+</file>
+
+<file path=ppt/theme/theme2.xml><?xml version="1.0" encoding="utf-8"?>
+<a:theme xmlns:a="http://schemas.openxmlformats.org/drawingml/2006/main" name="Thème Office">
+  <a:themeElements>
+    <a:clrScheme name="Office">
+      <a:dk1>
+        <a:sysClr val="windowText" lastClr="000000"/>
+      </a:dk1>
+      <a:lt1>
+        <a:sysClr val="window" lastClr="FFFFFF"/>
+      </a:lt1>
+      <a:dk2>
+        <a:srgbClr val="44546A"/>
+      </a:dk2>
+      <a:lt2>
+        <a:srgbClr val="E7E6E6"/>
+      </a:lt2>
+      <a:accent1>
+        <a:srgbClr val="4472C4"/>
+      </a:accent1>
+      <a:accent2>
+        <a:srgbClr val="ED7D31"/>
+      </a:accent2>
+      <a:accent3>
+        <a:srgbClr val="A5A5A5"/>
+      </a:accent3>
+      <a:accent4>
+        <a:srgbClr val="FFC000"/>
+      </a:accent4>
+      <a:accent5>
+        <a:srgbClr val="5B9BD5"/>
+      </a:accent5>
+      <a:accent6>
+        <a:srgbClr val="70AD47"/>
+      </a:accent6>
+      <a:hlink>
+        <a:srgbClr val="0563C1"/>
+      </a:hlink>
+      <a:folHlink>
+        <a:srgbClr val="954F72"/>
+      </a:folHlink>
+    </a:clrScheme>
+    <a:fontScheme name="Office">
+      <a:majorFont>
+        <a:latin typeface="Calibri Light" panose="020F0302020204030204"/>
+        <a:ea typeface=""/>
+        <a:cs typeface=""/>
+        <a:font script="Jpan" typeface="游ゴシック Light"/>
+        <a:font script="Hang" typeface="맑은 고딕"/>
+        <a:font script="Hans" typeface="等线 Light"/>
+        <a:font script="Hant" typeface="新細明體"/>
+        <a:font script="Arab" typeface="Times New Roman"/>
+        <a:font script="Hebr" typeface="Times New Roman"/>
+        <a:font script="Thai" typeface="Angsana New"/>
+        <a:font script="Ethi" typeface="Nyala"/>
+        <a:font script="Beng" typeface="Vrinda"/>
+        <a:font script="Gujr" typeface="Shruti"/>
+        <a:font script="Khmr" typeface="MoolBoran"/>
+        <a:font script="Knda" typeface="Tunga"/>
+        <a:font script="Guru" typeface="Raavi"/>
+        <a:font script="Cans" typeface="Euphemia"/>
+        <a:font script="Cher" typeface="Plantagenet Cherokee"/>
+        <a:font script="Yiii" typeface="Microsoft Yi Baiti"/>
+        <a:font script="Tibt" typeface="Microsoft Himalaya"/>
+        <a:font script="Thaa" typeface="MV Boli"/>
+        <a:font script="Deva" typeface="Mangal"/>
+        <a:font script="Telu" typeface="Gautami"/>
+        <a:font script="Taml" typeface="Latha"/>
+        <a:font script="Syrc" typeface="Estrangelo Edessa"/>
+        <a:font script="Orya" typeface="Kalinga"/>
+        <a:font script="Mlym" typeface="Kartika"/>
+        <a:font script="Laoo" typeface="DokChampa"/>
+        <a:font script="Sinh" typeface="Iskoola Pota"/>
+        <a:font script="Mong" typeface="Mongolian Baiti"/>
+        <a:font script="Viet" typeface="Times New Roman"/>
+        <a:font script="Uigh" typeface="Microsoft Uighur"/>
+        <a:font script="Geor" typeface="Sylfaen"/>
+        <a:font script="Armn" typeface="Arial"/>
+        <a:font script="Bugi" typeface="Leelawadee UI"/>
+        <a:font script="Bopo" typeface="Microsoft JhengHei"/>
+        <a:font script="Java" typeface="Javanese Text"/>
+        <a:font script="Lisu" typeface="Segoe UI"/>
+        <a:font script="Mymr" typeface="Myanmar Text"/>
+        <a:font script="Nkoo" typeface="Ebrima"/>
+        <a:font script="Olck" typeface="Nirmala UI"/>
+        <a:font script="Osma" typeface="Ebrima"/>
+        <a:font script="Phag" typeface="Phagspa"/>
+        <a:font script="Syrn" typeface="Estrangelo Edessa"/>
+        <a:font script="Syrj" typeface="Estrangelo Edessa"/>
+        <a:font script="Syre" typeface="Estrangelo Edessa"/>
+        <a:font script="Sora" typeface="Nirmala UI"/>
+        <a:font script="Tale" typeface="Microsoft Tai Le"/>
+        <a:font script="Talu" typeface="Microsoft New Tai Lue"/>
+        <a:font script="Tfng" typeface="Ebrima"/>
+      </a:majorFont>
+      <a:minorFont>
+        <a:latin typeface="Calibri" panose="020F0502020204030204"/>
+        <a:ea typeface=""/>
+        <a:cs typeface=""/>
+        <a:font script="Jpan" typeface="游ゴシック"/>
+        <a:font script="Hang" typeface="맑은 고딕"/>
+        <a:font script="Hans" typeface="等线"/>
+        <a:font script="Hant" typeface="新細明體"/>
+        <a:font script="Arab" typeface="Arial"/>
+        <a:font script="Hebr" typeface="Arial"/>
+        <a:font script="Thai" typeface="Cordia New"/>
+        <a:font script="Ethi" typeface="Nyala"/>
+        <a:font script="Beng" typeface="Vrinda"/>
+        <a:font script="Gujr" typeface="Shruti"/>
+        <a:font script="Khmr" typeface="DaunPenh"/>
+        <a:font script="Knda" typeface="Tunga"/>
+        <a:font script="Guru" typeface="Raavi"/>
+        <a:font script="Cans" typeface="Euphemia"/>
+        <a:font script="Cher" typeface="Plantagenet Cherokee"/>
+        <a:font script="Yiii" typeface="Microsoft Yi Baiti"/>
+        <a:font script="Tibt" typeface="Microsoft Himalaya"/>
+        <a:font script="Thaa" typeface="MV Boli"/>
+        <a:font script="Deva" typeface="Mangal"/>
+        <a:font script="Telu" typeface="Gautami"/>
+        <a:font script="Taml" typeface="Latha"/>
+        <a:font script="Syrc" typeface="Estrangelo Edessa"/>
+        <a:font script="Orya" typeface="Kalinga"/>
+        <a:font script="Mlym" typeface="Kartika"/>
+        <a:font script="Laoo" typeface="DokChampa"/>
+        <a:font script="Sinh" typeface="Iskoola Pota"/>
+        <a:font script="Mong" typeface="Mongolian Baiti"/>
+        <a:font script="Viet" typeface="Arial"/>
+        <a:font script="Uigh" typeface="Microsoft Uighur"/>
+        <a:font script="Geor" typeface="Sylfaen"/>
+        <a:font script="Armn" typeface="Arial"/>
+        <a:font script="Bugi" typeface="Leelawadee UI"/>
+        <a:font script="Bopo" typeface="Microsoft JhengHei"/>
+        <a:font script="Java" typeface="Javanese Text"/>
+        <a:font script="Lisu" typeface="Segoe UI"/>
+        <a:font script="Mymr" typeface="Myanmar Text"/>
+        <a:font script="Nkoo" typeface="Ebrima"/>
+        <a:font script="Olck" typeface="Nirmala UI"/>
+        <a:font script="Osma" typeface="Ebrima"/>
+        <a:font script="Phag" typeface="Phagspa"/>
+        <a:font script="Syrn" typeface="Estrangelo Edessa"/>
+        <a:font script="Syrj" typeface="Estrangelo Edessa"/>
+        <a:font script="Syre" typeface="Estrangelo Edessa"/>
+        <a:font script="Sora" typeface="Nirmala UI"/>
+        <a:font script="Tale" typeface="Microsoft Tai Le"/>
+        <a:font script="Talu" typeface="Microsoft New Tai Lue"/>
+        <a:font script="Tfng" typeface="Ebrima"/>
+      </a:minorFont>
+    </a:fontScheme>
+    <a:fmtScheme name="Office">
+      <a:fillStyleLst>
+        <a:solidFill>
+          <a:schemeClr val="phClr"/>
+        </a:solidFill>
+        <a:gradFill rotWithShape="1">
+          <a:gsLst>
+            <a:gs pos="0">
+              <a:schemeClr val="phClr">
+                <a:lumMod val="110000"/>
+                <a:satMod val="105000"/>
+                <a:tint val="67000"/>
+              </a:schemeClr>
+            </a:gs>
+            <a:gs pos="50000">
+              <a:schemeClr val="phClr">
+                <a:lumMod val="105000"/>
+                <a:satMod val="103000"/>
+                <a:tint val="73000"/>
+              </a:schemeClr>
+            </a:gs>
+            <a:gs pos="100000">
+              <a:schemeClr val="phClr">
+                <a:lumMod val="105000"/>
+                <a:satMod val="109000"/>
+                <a:tint val="81000"/>
+              </a:schemeClr>
+            </a:gs>
+          </a:gsLst>
+          <a:lin ang="5400000" scaled="0"/>
+        </a:gradFill>
+        <a:gradFill rotWithShape="1">
+          <a:gsLst>
+            <a:gs pos="0">
+              <a:schemeClr val="phClr">
+                <a:satMod val="103000"/>
+                <a:lumMod val="102000"/>
+                <a:tint val="94000"/>
+              </a:schemeClr>
+            </a:gs>
+            <a:gs pos="50000">
+              <a:schemeClr val="phClr">
+                <a:satMod val="110000"/>
+                <a:lumMod val="100000"/>
+                <a:shade val="100000"/>
+              </a:schemeClr>
+            </a:gs>
+            <a:gs pos="100000">
+              <a:schemeClr val="phClr">
+                <a:lumMod val="99000"/>
+                <a:satMod val="120000"/>
+                <a:shade val="78000"/>
+              </a:schemeClr>
+            </a:gs>
+          </a:gsLst>
+          <a:lin ang="5400000" scaled="0"/>
+        </a:gradFill>
+      </a:fillStyleLst>
+      <a:lnStyleLst>
+        <a:ln w="6350" cap="flat" cmpd="sng" algn="ctr">
+          <a:solidFill>
+            <a:schemeClr val="phClr"/>
+          </a:solidFill>
+          <a:prstDash val="solid"/>
+          <a:miter lim="800000"/>
+        </a:ln>
+        <a:ln w="12700" cap="flat" cmpd="sng" algn="ctr">
+          <a:solidFill>
+            <a:schemeClr val="phClr"/>
+          </a:solidFill>
+          <a:prstDash val="solid"/>
+          <a:miter lim="800000"/>
+        </a:ln>
+        <a:ln w="19050" cap="flat" cmpd="sng" algn="ctr">
+          <a:solidFill>
+            <a:schemeClr val="phClr"/>
+          </a:solidFill>
+          <a:prstDash val="solid"/>
+          <a:miter lim="800000"/>
+        </a:ln>
+      </a:lnStyleLst>
+      <a:effectStyleLst>
+        <a:effectStyle>
+          <a:effectLst/>
+        </a:effectStyle>
+        <a:effectStyle>
+          <a:effectLst/>
+        </a:effectStyle>
+        <a:effectStyle>
+          <a:effectLst>
+            <a:outerShdw blurRad="57150" dist="19050" dir="5400000" algn="ctr" rotWithShape="0">
+              <a:srgbClr val="000000">
+                <a:alpha val="63000"/>
+              </a:srgbClr>
+            </a:outerShdw>
+          </a:effectLst>
+        </a:effectStyle>
+      </a:effectStyleLst>
+      <a:bgFillStyleLst>
+        <a:solidFill>
+          <a:schemeClr val="phClr"/>
+        </a:solidFill>
+        <a:solidFill>
+          <a:schemeClr val="phClr">
+            <a:tint val="95000"/>
+            <a:satMod val="170000"/>
+          </a:schemeClr>
+        </a:solidFill>
+        <a:gradFill rotWithShape="1">
+          <a:gsLst>
+            <a:gs pos="0">
+              <a:schemeClr val="phClr">
+                <a:tint val="93000"/>
+                <a:satMod val="150000"/>
+                <a:shade val="98000"/>
+                <a:lumMod val="102000"/>
+              </a:schemeClr>
+            </a:gs>
+            <a:gs pos="50000">
+              <a:schemeClr val="phClr">
+                <a:tint val="98000"/>
+                <a:satMod val="130000"/>
+                <a:shade val="90000"/>
+                <a:lumMod val="103000"/>
+              </a:schemeClr>
+            </a:gs>
+            <a:gs pos="100000">
+              <a:schemeClr val="phClr">
+                <a:shade val="63000"/>
+                <a:satMod val="120000"/>
+              </a:schemeClr>
+            </a:gs>
+          </a:gsLst>
+          <a:lin ang="5400000" scaled="0"/>
+        </a:gradFill>
+      </a:bgFillStyleLst>
+    </a:fmtScheme>
+  </a:themeElements>
+  <a:objectDefaults/>
+  <a:extraClrSchemeLst/>
+  <a:extLst>
+    <a:ext uri="{05A4C25C-085E-4340-85A3-A5531E510DB2}">
+      <thm15:themeFamily xmlns:thm15="http://schemas.microsoft.com/office/thememl/2012/main" name="Office Theme" id="{62F939B6-93AF-4DB8-9C6B-D6C7DFDC589F}" vid="{4A3C46E8-61CC-4603-A589-7422A47A8E4A}"/>
+    </a:ext>
+  </a:extLst>
+</a:theme>
 </file>